--- a/docs/ppt/Siyan.pptx
+++ b/docs/ppt/Siyan.pptx
@@ -5,14 +5,16 @@
     <p:sldMasterId id="2147483664" r:id="rId1"/>
   </p:sldMasterIdLst>
   <p:notesMasterIdLst>
-    <p:notesMasterId r:id="rId4"/>
+    <p:notesMasterId r:id="rId6"/>
   </p:notesMasterIdLst>
   <p:handoutMasterIdLst>
-    <p:handoutMasterId r:id="rId5"/>
+    <p:handoutMasterId r:id="rId7"/>
   </p:handoutMasterIdLst>
   <p:sldIdLst>
-    <p:sldId id="274" r:id="rId2"/>
-    <p:sldId id="275" r:id="rId3"/>
+    <p:sldId id="277" r:id="rId2"/>
+    <p:sldId id="274" r:id="rId3"/>
+    <p:sldId id="275" r:id="rId4"/>
+    <p:sldId id="278" r:id="rId5"/>
   </p:sldIdLst>
   <p:sldSz cx="9906000" cy="6858000" type="A4"/>
   <p:notesSz cx="6807200" cy="9939338"/>
@@ -213,7 +215,7 @@
             <a:fld id="{05BF5AB9-3463-4E65-AFD3-5431B79ADFDC}" type="datetimeFigureOut">
               <a:rPr lang="zh-TW" altLang="en-US" smtClean="0"/>
               <a:pPr/>
-              <a:t>2025/3/19</a:t>
+              <a:t>2025/3/28</a:t>
             </a:fld>
             <a:endParaRPr lang="zh-TW" altLang="en-US"/>
           </a:p>
@@ -380,7 +382,7 @@
             <a:fld id="{838FF680-7B6B-4655-B6A1-33A8AD0AE8B4}" type="datetimeFigureOut">
               <a:rPr lang="zh-TW" altLang="en-US" smtClean="0"/>
               <a:pPr/>
-              <a:t>2025/3/19</a:t>
+              <a:t>2025/3/28</a:t>
             </a:fld>
             <a:endParaRPr lang="zh-TW" altLang="en-US"/>
           </a:p>
@@ -2640,6 +2642,756 @@
       </p:grpSpPr>
       <p:sp>
         <p:nvSpPr>
+          <p:cNvPr id="8" name="標題 2">
+            <a:extLst>
+              <a:ext uri="{FF2B5EF4-FFF2-40B4-BE49-F238E27FC236}">
+                <a16:creationId xmlns:a16="http://schemas.microsoft.com/office/drawing/2014/main" id="{5C763C3B-F202-49CD-AB06-E15F713DDDB1}"/>
+              </a:ext>
+            </a:extLst>
+          </p:cNvPr>
+          <p:cNvSpPr>
+            <a:spLocks noGrp="1"/>
+          </p:cNvSpPr>
+          <p:nvPr>
+            <p:ph type="title"/>
+          </p:nvPr>
+        </p:nvSpPr>
+        <p:spPr>
+          <a:xfrm>
+            <a:off x="2828763" y="91552"/>
+            <a:ext cx="4248472" cy="764704"/>
+          </a:xfrm>
+        </p:spPr>
+        <p:txBody>
+          <a:bodyPr/>
+          <a:lstStyle/>
+          <a:p>
+            <a:r>
+              <a:rPr lang="zh-TW" altLang="en-US" dirty="0"/>
+              <a:t>客服頁面</a:t>
+            </a:r>
+          </a:p>
+        </p:txBody>
+      </p:sp>
+      <p:pic>
+        <p:nvPicPr>
+          <p:cNvPr id="2" name="圖片 1">
+            <a:extLst>
+              <a:ext uri="{FF2B5EF4-FFF2-40B4-BE49-F238E27FC236}">
+                <a16:creationId xmlns:a16="http://schemas.microsoft.com/office/drawing/2014/main" id="{BDBFC92F-5E7A-4B3A-AAD2-E4122EF20C5F}"/>
+              </a:ext>
+            </a:extLst>
+          </p:cNvPr>
+          <p:cNvPicPr>
+            <a:picLocks noChangeAspect="1"/>
+          </p:cNvPicPr>
+          <p:nvPr/>
+        </p:nvPicPr>
+        <p:blipFill>
+          <a:blip r:embed="rId2"/>
+          <a:stretch>
+            <a:fillRect/>
+          </a:stretch>
+        </p:blipFill>
+        <p:spPr>
+          <a:xfrm>
+            <a:off x="272480" y="2060848"/>
+            <a:ext cx="7584507" cy="3845558"/>
+          </a:xfrm>
+          <a:prstGeom prst="rect">
+            <a:avLst/>
+          </a:prstGeom>
+        </p:spPr>
+      </p:pic>
+      <p:sp>
+        <p:nvSpPr>
+          <p:cNvPr id="13" name="內容版面配置區 5">
+            <a:extLst>
+              <a:ext uri="{FF2B5EF4-FFF2-40B4-BE49-F238E27FC236}">
+                <a16:creationId xmlns:a16="http://schemas.microsoft.com/office/drawing/2014/main" id="{B92DAE92-9663-43AA-8265-7B909F8A0B1B}"/>
+              </a:ext>
+            </a:extLst>
+          </p:cNvPr>
+          <p:cNvSpPr txBox="1">
+            <a:spLocks/>
+          </p:cNvSpPr>
+          <p:nvPr/>
+        </p:nvSpPr>
+        <p:spPr>
+          <a:xfrm>
+            <a:off x="272480" y="1116514"/>
+            <a:ext cx="2408748" cy="684076"/>
+          </a:xfrm>
+          <a:prstGeom prst="rect">
+            <a:avLst/>
+          </a:prstGeom>
+        </p:spPr>
+        <p:txBody>
+          <a:bodyPr/>
+          <a:lstStyle>
+            <a:lvl1pPr marL="342900" indent="-342900" algn="l" defTabSz="914400" rtl="0" eaLnBrk="1" latinLnBrk="0" hangingPunct="1">
+              <a:lnSpc>
+                <a:spcPct val="100000"/>
+              </a:lnSpc>
+              <a:spcBef>
+                <a:spcPts val="600"/>
+              </a:spcBef>
+              <a:spcAft>
+                <a:spcPts val="600"/>
+              </a:spcAft>
+              <a:buClr>
+                <a:schemeClr val="accent1"/>
+              </a:buClr>
+              <a:buFont typeface="Wingdings" panose="05000000000000000000" pitchFamily="2" charset="2"/>
+              <a:buChar char="l"/>
+              <a:defRPr sz="2800" b="1" kern="1200">
+                <a:solidFill>
+                  <a:schemeClr val="bg1"/>
+                </a:solidFill>
+                <a:latin typeface="微軟正黑體" pitchFamily="34" charset="-120"/>
+                <a:ea typeface="微軟正黑體" pitchFamily="34" charset="-120"/>
+                <a:cs typeface="+mn-cs"/>
+              </a:defRPr>
+            </a:lvl1pPr>
+            <a:lvl2pPr marL="714375" indent="-352425" algn="l" defTabSz="914400" rtl="0" eaLnBrk="1" latinLnBrk="0" hangingPunct="1">
+              <a:lnSpc>
+                <a:spcPct val="100000"/>
+              </a:lnSpc>
+              <a:spcBef>
+                <a:spcPts val="600"/>
+              </a:spcBef>
+              <a:spcAft>
+                <a:spcPts val="600"/>
+              </a:spcAft>
+              <a:buClr>
+                <a:schemeClr val="accent2"/>
+              </a:buClr>
+              <a:buFont typeface="Wingdings" panose="05000000000000000000" pitchFamily="2" charset="2"/>
+              <a:buChar char="u"/>
+              <a:defRPr sz="2400" b="0" kern="1200">
+                <a:solidFill>
+                  <a:schemeClr val="bg1"/>
+                </a:solidFill>
+                <a:latin typeface="微軟正黑體" pitchFamily="34" charset="-120"/>
+                <a:ea typeface="微軟正黑體" pitchFamily="34" charset="-120"/>
+                <a:cs typeface="+mn-cs"/>
+              </a:defRPr>
+            </a:lvl2pPr>
+            <a:lvl3pPr marL="990600" indent="-276225" algn="l" defTabSz="914400" rtl="0" eaLnBrk="1" latinLnBrk="0" hangingPunct="1">
+              <a:lnSpc>
+                <a:spcPct val="100000"/>
+              </a:lnSpc>
+              <a:spcBef>
+                <a:spcPts val="600"/>
+              </a:spcBef>
+              <a:spcAft>
+                <a:spcPts val="600"/>
+              </a:spcAft>
+              <a:buClr>
+                <a:schemeClr val="accent3"/>
+              </a:buClr>
+              <a:buFont typeface="Wingdings" panose="05000000000000000000" pitchFamily="2" charset="2"/>
+              <a:buChar char="p"/>
+              <a:defRPr sz="2000" kern="1200">
+                <a:solidFill>
+                  <a:schemeClr val="bg1"/>
+                </a:solidFill>
+                <a:latin typeface="微軟正黑體" pitchFamily="34" charset="-120"/>
+                <a:ea typeface="微軟正黑體" pitchFamily="34" charset="-120"/>
+                <a:cs typeface="+mn-cs"/>
+              </a:defRPr>
+            </a:lvl3pPr>
+            <a:lvl4pPr marL="1257300" indent="-266700" algn="l" defTabSz="914400" rtl="0" eaLnBrk="1" latinLnBrk="0" hangingPunct="1">
+              <a:lnSpc>
+                <a:spcPct val="100000"/>
+              </a:lnSpc>
+              <a:spcBef>
+                <a:spcPts val="600"/>
+              </a:spcBef>
+              <a:spcAft>
+                <a:spcPts val="600"/>
+              </a:spcAft>
+              <a:buClr>
+                <a:schemeClr val="accent4"/>
+              </a:buClr>
+              <a:buFont typeface="Wingdings" panose="05000000000000000000" pitchFamily="2" charset="2"/>
+              <a:buChar char="n"/>
+              <a:defRPr sz="1800" kern="1200">
+                <a:solidFill>
+                  <a:schemeClr val="bg1"/>
+                </a:solidFill>
+                <a:latin typeface="微軟正黑體" pitchFamily="34" charset="-120"/>
+                <a:ea typeface="微軟正黑體" pitchFamily="34" charset="-120"/>
+                <a:cs typeface="+mn-cs"/>
+              </a:defRPr>
+            </a:lvl4pPr>
+            <a:lvl5pPr marL="1524000" indent="-266700" algn="l" defTabSz="914400" rtl="0" eaLnBrk="1" latinLnBrk="0" hangingPunct="1">
+              <a:lnSpc>
+                <a:spcPct val="100000"/>
+              </a:lnSpc>
+              <a:spcBef>
+                <a:spcPts val="600"/>
+              </a:spcBef>
+              <a:spcAft>
+                <a:spcPts val="600"/>
+              </a:spcAft>
+              <a:buClr>
+                <a:schemeClr val="accent5"/>
+              </a:buClr>
+              <a:buFont typeface="Arial" pitchFamily="34" charset="0"/>
+              <a:buChar char="»"/>
+              <a:defRPr sz="1800" kern="1200">
+                <a:solidFill>
+                  <a:schemeClr val="bg1"/>
+                </a:solidFill>
+                <a:latin typeface="微軟正黑體" pitchFamily="34" charset="-120"/>
+                <a:ea typeface="微軟正黑體" pitchFamily="34" charset="-120"/>
+                <a:cs typeface="+mn-cs"/>
+              </a:defRPr>
+            </a:lvl5pPr>
+            <a:lvl6pPr marL="2514600" indent="-228600" algn="l" defTabSz="914400" rtl="0" eaLnBrk="1" latinLnBrk="0" hangingPunct="1">
+              <a:spcBef>
+                <a:spcPct val="20000"/>
+              </a:spcBef>
+              <a:buFont typeface="Arial" pitchFamily="34" charset="0"/>
+              <a:buChar char="•"/>
+              <a:defRPr sz="2000" kern="1200">
+                <a:solidFill>
+                  <a:schemeClr val="tx1"/>
+                </a:solidFill>
+                <a:latin typeface="+mn-lt"/>
+                <a:ea typeface="+mn-ea"/>
+                <a:cs typeface="+mn-cs"/>
+              </a:defRPr>
+            </a:lvl6pPr>
+            <a:lvl7pPr marL="2971800" indent="-228600" algn="l" defTabSz="914400" rtl="0" eaLnBrk="1" latinLnBrk="0" hangingPunct="1">
+              <a:spcBef>
+                <a:spcPct val="20000"/>
+              </a:spcBef>
+              <a:buFont typeface="Arial" pitchFamily="34" charset="0"/>
+              <a:buChar char="•"/>
+              <a:defRPr sz="2000" kern="1200">
+                <a:solidFill>
+                  <a:schemeClr val="tx1"/>
+                </a:solidFill>
+                <a:latin typeface="+mn-lt"/>
+                <a:ea typeface="+mn-ea"/>
+                <a:cs typeface="+mn-cs"/>
+              </a:defRPr>
+            </a:lvl7pPr>
+            <a:lvl8pPr marL="3429000" indent="-228600" algn="l" defTabSz="914400" rtl="0" eaLnBrk="1" latinLnBrk="0" hangingPunct="1">
+              <a:spcBef>
+                <a:spcPct val="20000"/>
+              </a:spcBef>
+              <a:buFont typeface="Arial" pitchFamily="34" charset="0"/>
+              <a:buChar char="•"/>
+              <a:defRPr sz="2000" kern="1200">
+                <a:solidFill>
+                  <a:schemeClr val="tx1"/>
+                </a:solidFill>
+                <a:latin typeface="+mn-lt"/>
+                <a:ea typeface="+mn-ea"/>
+                <a:cs typeface="+mn-cs"/>
+              </a:defRPr>
+            </a:lvl8pPr>
+            <a:lvl9pPr marL="3886200" indent="-228600" algn="l" defTabSz="914400" rtl="0" eaLnBrk="1" latinLnBrk="0" hangingPunct="1">
+              <a:spcBef>
+                <a:spcPct val="20000"/>
+              </a:spcBef>
+              <a:buFont typeface="Arial" pitchFamily="34" charset="0"/>
+              <a:buChar char="•"/>
+              <a:defRPr sz="2000" kern="1200">
+                <a:solidFill>
+                  <a:schemeClr val="tx1"/>
+                </a:solidFill>
+                <a:latin typeface="+mn-lt"/>
+                <a:ea typeface="+mn-ea"/>
+                <a:cs typeface="+mn-cs"/>
+              </a:defRPr>
+            </a:lvl9pPr>
+          </a:lstStyle>
+          <a:p>
+            <a:r>
+              <a:rPr lang="zh-TW" altLang="en-US" dirty="0"/>
+              <a:t>問題類型</a:t>
+            </a:r>
+          </a:p>
+        </p:txBody>
+      </p:sp>
+      <p:sp>
+        <p:nvSpPr>
+          <p:cNvPr id="24" name="內容版面配置區 5">
+            <a:extLst>
+              <a:ext uri="{FF2B5EF4-FFF2-40B4-BE49-F238E27FC236}">
+                <a16:creationId xmlns:a16="http://schemas.microsoft.com/office/drawing/2014/main" id="{96596F1E-82EC-4819-84C7-82D1F07A17D7}"/>
+              </a:ext>
+            </a:extLst>
+          </p:cNvPr>
+          <p:cNvSpPr txBox="1">
+            <a:spLocks/>
+          </p:cNvSpPr>
+          <p:nvPr/>
+        </p:nvSpPr>
+        <p:spPr bwMode="ltGray">
+          <a:xfrm>
+            <a:off x="2648331" y="1116514"/>
+            <a:ext cx="2066467" cy="684076"/>
+          </a:xfrm>
+          <a:prstGeom prst="rect">
+            <a:avLst/>
+          </a:prstGeom>
+          <a:noFill/>
+        </p:spPr>
+        <p:txBody>
+          <a:bodyPr vert="horz" lIns="91440" tIns="45720" rIns="91440" bIns="45720" rtlCol="0">
+            <a:normAutofit/>
+          </a:bodyPr>
+          <a:lstStyle>
+            <a:lvl1pPr marL="342900" indent="-342900" algn="l" defTabSz="914400" rtl="0" eaLnBrk="1" latinLnBrk="0" hangingPunct="1">
+              <a:lnSpc>
+                <a:spcPct val="100000"/>
+              </a:lnSpc>
+              <a:spcBef>
+                <a:spcPts val="600"/>
+              </a:spcBef>
+              <a:spcAft>
+                <a:spcPts val="600"/>
+              </a:spcAft>
+              <a:buClr>
+                <a:schemeClr val="accent1"/>
+              </a:buClr>
+              <a:buFont typeface="Wingdings" panose="05000000000000000000" pitchFamily="2" charset="2"/>
+              <a:buChar char="l"/>
+              <a:defRPr sz="2800" b="1" kern="1200">
+                <a:solidFill>
+                  <a:srgbClr val="FFFFFF"/>
+                </a:solidFill>
+                <a:latin typeface="微軟正黑體" pitchFamily="34" charset="-120"/>
+                <a:ea typeface="微軟正黑體" pitchFamily="34" charset="-120"/>
+                <a:cs typeface="+mn-cs"/>
+              </a:defRPr>
+            </a:lvl1pPr>
+            <a:lvl2pPr marL="714375" indent="-352425" algn="l" defTabSz="914400" rtl="0" eaLnBrk="1" latinLnBrk="0" hangingPunct="1">
+              <a:lnSpc>
+                <a:spcPct val="100000"/>
+              </a:lnSpc>
+              <a:spcBef>
+                <a:spcPts val="600"/>
+              </a:spcBef>
+              <a:spcAft>
+                <a:spcPts val="600"/>
+              </a:spcAft>
+              <a:buClr>
+                <a:schemeClr val="accent2"/>
+              </a:buClr>
+              <a:buFont typeface="Wingdings" panose="05000000000000000000" pitchFamily="2" charset="2"/>
+              <a:buChar char="u"/>
+              <a:defRPr sz="2400" b="0" kern="1200">
+                <a:solidFill>
+                  <a:srgbClr val="FFFFFF"/>
+                </a:solidFill>
+                <a:latin typeface="微軟正黑體" pitchFamily="34" charset="-120"/>
+                <a:ea typeface="微軟正黑體" pitchFamily="34" charset="-120"/>
+                <a:cs typeface="+mn-cs"/>
+              </a:defRPr>
+            </a:lvl2pPr>
+            <a:lvl3pPr marL="1076325" indent="-266700" algn="l" defTabSz="914400" rtl="0" eaLnBrk="1" latinLnBrk="0" hangingPunct="1">
+              <a:lnSpc>
+                <a:spcPct val="100000"/>
+              </a:lnSpc>
+              <a:spcBef>
+                <a:spcPts val="600"/>
+              </a:spcBef>
+              <a:spcAft>
+                <a:spcPts val="600"/>
+              </a:spcAft>
+              <a:buClr>
+                <a:schemeClr val="accent3"/>
+              </a:buClr>
+              <a:buFont typeface="Wingdings" panose="05000000000000000000" pitchFamily="2" charset="2"/>
+              <a:buChar char="p"/>
+              <a:defRPr sz="2000" kern="1200">
+                <a:solidFill>
+                  <a:srgbClr val="FFFFFF"/>
+                </a:solidFill>
+                <a:latin typeface="微軟正黑體" pitchFamily="34" charset="-120"/>
+                <a:ea typeface="微軟正黑體" pitchFamily="34" charset="-120"/>
+                <a:cs typeface="+mn-cs"/>
+              </a:defRPr>
+            </a:lvl3pPr>
+            <a:lvl4pPr marL="1343025" indent="-180975" algn="l" defTabSz="914400" rtl="0" eaLnBrk="1" latinLnBrk="0" hangingPunct="1">
+              <a:lnSpc>
+                <a:spcPct val="100000"/>
+              </a:lnSpc>
+              <a:spcBef>
+                <a:spcPts val="600"/>
+              </a:spcBef>
+              <a:spcAft>
+                <a:spcPts val="600"/>
+              </a:spcAft>
+              <a:buClr>
+                <a:schemeClr val="accent4"/>
+              </a:buClr>
+              <a:buFont typeface="Wingdings" panose="05000000000000000000" pitchFamily="2" charset="2"/>
+              <a:buChar char="n"/>
+              <a:defRPr sz="1800" kern="1200">
+                <a:solidFill>
+                  <a:srgbClr val="FFFFFF"/>
+                </a:solidFill>
+                <a:latin typeface="微軟正黑體" pitchFamily="34" charset="-120"/>
+                <a:ea typeface="微軟正黑體" pitchFamily="34" charset="-120"/>
+                <a:cs typeface="+mn-cs"/>
+              </a:defRPr>
+            </a:lvl4pPr>
+            <a:lvl5pPr marL="1619250" indent="-276225" algn="l" defTabSz="914400" rtl="0" eaLnBrk="1" latinLnBrk="0" hangingPunct="1">
+              <a:lnSpc>
+                <a:spcPct val="100000"/>
+              </a:lnSpc>
+              <a:spcBef>
+                <a:spcPts val="600"/>
+              </a:spcBef>
+              <a:spcAft>
+                <a:spcPts val="600"/>
+              </a:spcAft>
+              <a:buClr>
+                <a:schemeClr val="accent5"/>
+              </a:buClr>
+              <a:buFont typeface="Arial" pitchFamily="34" charset="0"/>
+              <a:buChar char="»"/>
+              <a:tabLst>
+                <a:tab pos="7981950" algn="l"/>
+              </a:tabLst>
+              <a:defRPr sz="1800" kern="1200">
+                <a:solidFill>
+                  <a:srgbClr val="FFFFFF"/>
+                </a:solidFill>
+                <a:latin typeface="微軟正黑體" pitchFamily="34" charset="-120"/>
+                <a:ea typeface="微軟正黑體" pitchFamily="34" charset="-120"/>
+                <a:cs typeface="+mn-cs"/>
+              </a:defRPr>
+            </a:lvl5pPr>
+            <a:lvl6pPr marL="2514600" indent="-228600" algn="l" defTabSz="914400" rtl="0" eaLnBrk="1" latinLnBrk="0" hangingPunct="1">
+              <a:spcBef>
+                <a:spcPct val="20000"/>
+              </a:spcBef>
+              <a:buFont typeface="Arial" pitchFamily="34" charset="0"/>
+              <a:buChar char="•"/>
+              <a:defRPr sz="2000" kern="1200">
+                <a:solidFill>
+                  <a:schemeClr val="tx1"/>
+                </a:solidFill>
+                <a:latin typeface="+mn-lt"/>
+                <a:ea typeface="+mn-ea"/>
+                <a:cs typeface="+mn-cs"/>
+              </a:defRPr>
+            </a:lvl6pPr>
+            <a:lvl7pPr marL="2971800" indent="-228600" algn="l" defTabSz="914400" rtl="0" eaLnBrk="1" latinLnBrk="0" hangingPunct="1">
+              <a:spcBef>
+                <a:spcPct val="20000"/>
+              </a:spcBef>
+              <a:buFont typeface="Arial" pitchFamily="34" charset="0"/>
+              <a:buChar char="•"/>
+              <a:defRPr sz="2000" kern="1200">
+                <a:solidFill>
+                  <a:schemeClr val="tx1"/>
+                </a:solidFill>
+                <a:latin typeface="+mn-lt"/>
+                <a:ea typeface="+mn-ea"/>
+                <a:cs typeface="+mn-cs"/>
+              </a:defRPr>
+            </a:lvl7pPr>
+            <a:lvl8pPr marL="3429000" indent="-228600" algn="l" defTabSz="914400" rtl="0" eaLnBrk="1" latinLnBrk="0" hangingPunct="1">
+              <a:spcBef>
+                <a:spcPct val="20000"/>
+              </a:spcBef>
+              <a:buFont typeface="Arial" pitchFamily="34" charset="0"/>
+              <a:buChar char="•"/>
+              <a:defRPr sz="2000" kern="1200">
+                <a:solidFill>
+                  <a:schemeClr val="tx1"/>
+                </a:solidFill>
+                <a:latin typeface="+mn-lt"/>
+                <a:ea typeface="+mn-ea"/>
+                <a:cs typeface="+mn-cs"/>
+              </a:defRPr>
+            </a:lvl8pPr>
+            <a:lvl9pPr marL="3886200" indent="-228600" algn="l" defTabSz="914400" rtl="0" eaLnBrk="1" latinLnBrk="0" hangingPunct="1">
+              <a:spcBef>
+                <a:spcPct val="20000"/>
+              </a:spcBef>
+              <a:buFont typeface="Arial" pitchFamily="34" charset="0"/>
+              <a:buChar char="•"/>
+              <a:defRPr sz="2000" kern="1200">
+                <a:solidFill>
+                  <a:schemeClr val="tx1"/>
+                </a:solidFill>
+                <a:latin typeface="+mn-lt"/>
+                <a:ea typeface="+mn-ea"/>
+                <a:cs typeface="+mn-cs"/>
+              </a:defRPr>
+            </a:lvl9pPr>
+          </a:lstStyle>
+          <a:p>
+            <a:r>
+              <a:rPr lang="zh-TW" altLang="en-US" dirty="0"/>
+              <a:t>問題描述</a:t>
+            </a:r>
+          </a:p>
+        </p:txBody>
+      </p:sp>
+      <p:sp>
+        <p:nvSpPr>
+          <p:cNvPr id="26" name="內容版面配置區 5">
+            <a:extLst>
+              <a:ext uri="{FF2B5EF4-FFF2-40B4-BE49-F238E27FC236}">
+                <a16:creationId xmlns:a16="http://schemas.microsoft.com/office/drawing/2014/main" id="{060811F3-32A3-44A5-B766-58D5581657E8}"/>
+              </a:ext>
+            </a:extLst>
+          </p:cNvPr>
+          <p:cNvSpPr txBox="1">
+            <a:spLocks/>
+          </p:cNvSpPr>
+          <p:nvPr/>
+        </p:nvSpPr>
+        <p:spPr bwMode="ltGray">
+          <a:xfrm>
+            <a:off x="5003128" y="1116514"/>
+            <a:ext cx="2066467" cy="684076"/>
+          </a:xfrm>
+          <a:prstGeom prst="rect">
+            <a:avLst/>
+          </a:prstGeom>
+          <a:noFill/>
+        </p:spPr>
+        <p:txBody>
+          <a:bodyPr vert="horz" lIns="91440" tIns="45720" rIns="91440" bIns="45720" rtlCol="0">
+            <a:normAutofit/>
+          </a:bodyPr>
+          <a:lstStyle>
+            <a:lvl1pPr marL="342900" indent="-342900" algn="l" defTabSz="914400" rtl="0" eaLnBrk="1" latinLnBrk="0" hangingPunct="1">
+              <a:lnSpc>
+                <a:spcPct val="100000"/>
+              </a:lnSpc>
+              <a:spcBef>
+                <a:spcPts val="600"/>
+              </a:spcBef>
+              <a:spcAft>
+                <a:spcPts val="600"/>
+              </a:spcAft>
+              <a:buClr>
+                <a:schemeClr val="accent1"/>
+              </a:buClr>
+              <a:buFont typeface="Wingdings" panose="05000000000000000000" pitchFamily="2" charset="2"/>
+              <a:buChar char="l"/>
+              <a:defRPr sz="2800" b="1" kern="1200">
+                <a:solidFill>
+                  <a:srgbClr val="FFFFFF"/>
+                </a:solidFill>
+                <a:latin typeface="微軟正黑體" pitchFamily="34" charset="-120"/>
+                <a:ea typeface="微軟正黑體" pitchFamily="34" charset="-120"/>
+                <a:cs typeface="+mn-cs"/>
+              </a:defRPr>
+            </a:lvl1pPr>
+            <a:lvl2pPr marL="714375" indent="-352425" algn="l" defTabSz="914400" rtl="0" eaLnBrk="1" latinLnBrk="0" hangingPunct="1">
+              <a:lnSpc>
+                <a:spcPct val="100000"/>
+              </a:lnSpc>
+              <a:spcBef>
+                <a:spcPts val="600"/>
+              </a:spcBef>
+              <a:spcAft>
+                <a:spcPts val="600"/>
+              </a:spcAft>
+              <a:buClr>
+                <a:schemeClr val="accent2"/>
+              </a:buClr>
+              <a:buFont typeface="Wingdings" panose="05000000000000000000" pitchFamily="2" charset="2"/>
+              <a:buChar char="u"/>
+              <a:defRPr sz="2400" b="0" kern="1200">
+                <a:solidFill>
+                  <a:srgbClr val="FFFFFF"/>
+                </a:solidFill>
+                <a:latin typeface="微軟正黑體" pitchFamily="34" charset="-120"/>
+                <a:ea typeface="微軟正黑體" pitchFamily="34" charset="-120"/>
+                <a:cs typeface="+mn-cs"/>
+              </a:defRPr>
+            </a:lvl2pPr>
+            <a:lvl3pPr marL="1076325" indent="-266700" algn="l" defTabSz="914400" rtl="0" eaLnBrk="1" latinLnBrk="0" hangingPunct="1">
+              <a:lnSpc>
+                <a:spcPct val="100000"/>
+              </a:lnSpc>
+              <a:spcBef>
+                <a:spcPts val="600"/>
+              </a:spcBef>
+              <a:spcAft>
+                <a:spcPts val="600"/>
+              </a:spcAft>
+              <a:buClr>
+                <a:schemeClr val="accent3"/>
+              </a:buClr>
+              <a:buFont typeface="Wingdings" panose="05000000000000000000" pitchFamily="2" charset="2"/>
+              <a:buChar char="p"/>
+              <a:defRPr sz="2000" kern="1200">
+                <a:solidFill>
+                  <a:srgbClr val="FFFFFF"/>
+                </a:solidFill>
+                <a:latin typeface="微軟正黑體" pitchFamily="34" charset="-120"/>
+                <a:ea typeface="微軟正黑體" pitchFamily="34" charset="-120"/>
+                <a:cs typeface="+mn-cs"/>
+              </a:defRPr>
+            </a:lvl3pPr>
+            <a:lvl4pPr marL="1343025" indent="-180975" algn="l" defTabSz="914400" rtl="0" eaLnBrk="1" latinLnBrk="0" hangingPunct="1">
+              <a:lnSpc>
+                <a:spcPct val="100000"/>
+              </a:lnSpc>
+              <a:spcBef>
+                <a:spcPts val="600"/>
+              </a:spcBef>
+              <a:spcAft>
+                <a:spcPts val="600"/>
+              </a:spcAft>
+              <a:buClr>
+                <a:schemeClr val="accent4"/>
+              </a:buClr>
+              <a:buFont typeface="Wingdings" panose="05000000000000000000" pitchFamily="2" charset="2"/>
+              <a:buChar char="n"/>
+              <a:defRPr sz="1800" kern="1200">
+                <a:solidFill>
+                  <a:srgbClr val="FFFFFF"/>
+                </a:solidFill>
+                <a:latin typeface="微軟正黑體" pitchFamily="34" charset="-120"/>
+                <a:ea typeface="微軟正黑體" pitchFamily="34" charset="-120"/>
+                <a:cs typeface="+mn-cs"/>
+              </a:defRPr>
+            </a:lvl4pPr>
+            <a:lvl5pPr marL="1619250" indent="-276225" algn="l" defTabSz="914400" rtl="0" eaLnBrk="1" latinLnBrk="0" hangingPunct="1">
+              <a:lnSpc>
+                <a:spcPct val="100000"/>
+              </a:lnSpc>
+              <a:spcBef>
+                <a:spcPts val="600"/>
+              </a:spcBef>
+              <a:spcAft>
+                <a:spcPts val="600"/>
+              </a:spcAft>
+              <a:buClr>
+                <a:schemeClr val="accent5"/>
+              </a:buClr>
+              <a:buFont typeface="Arial" pitchFamily="34" charset="0"/>
+              <a:buChar char="»"/>
+              <a:tabLst>
+                <a:tab pos="7981950" algn="l"/>
+              </a:tabLst>
+              <a:defRPr sz="1800" kern="1200">
+                <a:solidFill>
+                  <a:srgbClr val="FFFFFF"/>
+                </a:solidFill>
+                <a:latin typeface="微軟正黑體" pitchFamily="34" charset="-120"/>
+                <a:ea typeface="微軟正黑體" pitchFamily="34" charset="-120"/>
+                <a:cs typeface="+mn-cs"/>
+              </a:defRPr>
+            </a:lvl5pPr>
+            <a:lvl6pPr marL="2514600" indent="-228600" algn="l" defTabSz="914400" rtl="0" eaLnBrk="1" latinLnBrk="0" hangingPunct="1">
+              <a:spcBef>
+                <a:spcPct val="20000"/>
+              </a:spcBef>
+              <a:buFont typeface="Arial" pitchFamily="34" charset="0"/>
+              <a:buChar char="•"/>
+              <a:defRPr sz="2000" kern="1200">
+                <a:solidFill>
+                  <a:schemeClr val="tx1"/>
+                </a:solidFill>
+                <a:latin typeface="+mn-lt"/>
+                <a:ea typeface="+mn-ea"/>
+                <a:cs typeface="+mn-cs"/>
+              </a:defRPr>
+            </a:lvl6pPr>
+            <a:lvl7pPr marL="2971800" indent="-228600" algn="l" defTabSz="914400" rtl="0" eaLnBrk="1" latinLnBrk="0" hangingPunct="1">
+              <a:spcBef>
+                <a:spcPct val="20000"/>
+              </a:spcBef>
+              <a:buFont typeface="Arial" pitchFamily="34" charset="0"/>
+              <a:buChar char="•"/>
+              <a:defRPr sz="2000" kern="1200">
+                <a:solidFill>
+                  <a:schemeClr val="tx1"/>
+                </a:solidFill>
+                <a:latin typeface="+mn-lt"/>
+                <a:ea typeface="+mn-ea"/>
+                <a:cs typeface="+mn-cs"/>
+              </a:defRPr>
+            </a:lvl7pPr>
+            <a:lvl8pPr marL="3429000" indent="-228600" algn="l" defTabSz="914400" rtl="0" eaLnBrk="1" latinLnBrk="0" hangingPunct="1">
+              <a:spcBef>
+                <a:spcPct val="20000"/>
+              </a:spcBef>
+              <a:buFont typeface="Arial" pitchFamily="34" charset="0"/>
+              <a:buChar char="•"/>
+              <a:defRPr sz="2000" kern="1200">
+                <a:solidFill>
+                  <a:schemeClr val="tx1"/>
+                </a:solidFill>
+                <a:latin typeface="+mn-lt"/>
+                <a:ea typeface="+mn-ea"/>
+                <a:cs typeface="+mn-cs"/>
+              </a:defRPr>
+            </a:lvl8pPr>
+            <a:lvl9pPr marL="3886200" indent="-228600" algn="l" defTabSz="914400" rtl="0" eaLnBrk="1" latinLnBrk="0" hangingPunct="1">
+              <a:spcBef>
+                <a:spcPct val="20000"/>
+              </a:spcBef>
+              <a:buFont typeface="Arial" pitchFamily="34" charset="0"/>
+              <a:buChar char="•"/>
+              <a:defRPr sz="2000" kern="1200">
+                <a:solidFill>
+                  <a:schemeClr val="tx1"/>
+                </a:solidFill>
+                <a:latin typeface="+mn-lt"/>
+                <a:ea typeface="+mn-ea"/>
+                <a:cs typeface="+mn-cs"/>
+              </a:defRPr>
+            </a:lvl9pPr>
+          </a:lstStyle>
+          <a:p>
+            <a:r>
+              <a:rPr lang="zh-TW" altLang="en-US" dirty="0"/>
+              <a:t>圖片類型</a:t>
+            </a:r>
+          </a:p>
+        </p:txBody>
+      </p:sp>
+    </p:spTree>
+    <p:extLst>
+      <p:ext uri="{BB962C8B-B14F-4D97-AF65-F5344CB8AC3E}">
+        <p14:creationId xmlns:p14="http://schemas.microsoft.com/office/powerpoint/2010/main" val="4099761215"/>
+      </p:ext>
+    </p:extLst>
+  </p:cSld>
+  <p:clrMapOvr>
+    <a:masterClrMapping/>
+  </p:clrMapOvr>
+</p:sld>
+</file>
+
+<file path=ppt/slides/slide2.xml><?xml version="1.0" encoding="utf-8"?>
+<p:sld xmlns:a="http://schemas.openxmlformats.org/drawingml/2006/main" xmlns:r="http://schemas.openxmlformats.org/officeDocument/2006/relationships" xmlns:p="http://schemas.openxmlformats.org/presentationml/2006/main">
+  <p:cSld>
+    <p:spTree>
+      <p:nvGrpSpPr>
+        <p:cNvPr id="1" name=""/>
+        <p:cNvGrpSpPr/>
+        <p:nvPr/>
+      </p:nvGrpSpPr>
+      <p:grpSpPr>
+        <a:xfrm>
+          <a:off x="0" y="0"/>
+          <a:ext cx="0" cy="0"/>
+          <a:chOff x="0" y="0"/>
+          <a:chExt cx="0" cy="0"/>
+        </a:xfrm>
+      </p:grpSpPr>
+      <p:sp>
+        <p:nvSpPr>
           <p:cNvPr id="3" name="標題 2">
             <a:extLst>
               <a:ext uri="{FF2B5EF4-FFF2-40B4-BE49-F238E27FC236}">
@@ -2671,45 +3423,12 @@
           </a:p>
         </p:txBody>
       </p:sp>
-      <p:sp>
-        <p:nvSpPr>
-          <p:cNvPr id="6" name="內容版面配置區 5">
+      <p:pic>
+        <p:nvPicPr>
+          <p:cNvPr id="27" name="圖片 26">
             <a:extLst>
               <a:ext uri="{FF2B5EF4-FFF2-40B4-BE49-F238E27FC236}">
-                <a16:creationId xmlns:a16="http://schemas.microsoft.com/office/drawing/2014/main" id="{9080CAA6-5B4D-F32A-847F-6EFB006B3FA3}"/>
-              </a:ext>
-            </a:extLst>
-          </p:cNvPr>
-          <p:cNvSpPr>
-            <a:spLocks noGrp="1"/>
-          </p:cNvSpPr>
-          <p:nvPr>
-            <p:ph idx="1"/>
-          </p:nvPr>
-        </p:nvSpPr>
-        <p:spPr>
-          <a:xfrm>
-            <a:off x="236258" y="816037"/>
-            <a:ext cx="2066467" cy="684076"/>
-          </a:xfrm>
-        </p:spPr>
-        <p:txBody>
-          <a:bodyPr/>
-          <a:lstStyle/>
-          <a:p>
-            <a:r>
-              <a:rPr lang="zh-TW" altLang="en-US" dirty="0"/>
-              <a:t>字體規格</a:t>
-            </a:r>
-          </a:p>
-        </p:txBody>
-      </p:sp>
-      <p:pic>
-        <p:nvPicPr>
-          <p:cNvPr id="2" name="圖片 1">
-            <a:extLst>
-              <a:ext uri="{FF2B5EF4-FFF2-40B4-BE49-F238E27FC236}">
-                <a16:creationId xmlns:a16="http://schemas.microsoft.com/office/drawing/2014/main" id="{1873B1B1-FC89-4729-A88D-17E66DE58472}"/>
+                <a16:creationId xmlns:a16="http://schemas.microsoft.com/office/drawing/2014/main" id="{FA773D45-1716-47EE-9A56-2E6C8DD857B0}"/>
               </a:ext>
             </a:extLst>
           </p:cNvPr>
@@ -2719,1976 +3438,63 @@
           <p:nvPr/>
         </p:nvPicPr>
         <p:blipFill>
-          <a:blip r:embed="rId2"/>
+          <a:blip r:embed="rId2">
+            <a:extLst>
+              <a:ext uri="{28A0092B-C50C-407E-A947-70E740481C1C}">
+                <a14:useLocalDpi xmlns:a14="http://schemas.microsoft.com/office/drawing/2010/main" val="0"/>
+              </a:ext>
+            </a:extLst>
+          </a:blip>
           <a:stretch>
             <a:fillRect/>
           </a:stretch>
         </p:blipFill>
         <p:spPr>
           <a:xfrm>
-            <a:off x="150229" y="2108938"/>
-            <a:ext cx="9605539" cy="4165981"/>
+            <a:off x="307234" y="1700808"/>
+            <a:ext cx="4429743" cy="4429743"/>
           </a:xfrm>
           <a:prstGeom prst="rect">
             <a:avLst/>
           </a:prstGeom>
         </p:spPr>
       </p:pic>
-      <p:sp>
-        <p:nvSpPr>
-          <p:cNvPr id="4" name="矩形: 圓角 3">
+      <p:pic>
+        <p:nvPicPr>
+          <p:cNvPr id="29" name="圖片 28">
             <a:extLst>
               <a:ext uri="{FF2B5EF4-FFF2-40B4-BE49-F238E27FC236}">
-                <a16:creationId xmlns:a16="http://schemas.microsoft.com/office/drawing/2014/main" id="{A7479677-B346-46BC-979E-9A4CCD38B502}"/>
+                <a16:creationId xmlns:a16="http://schemas.microsoft.com/office/drawing/2014/main" id="{DB6947B0-05B4-4BE5-9C19-6EC4A96E74F8}"/>
               </a:ext>
             </a:extLst>
           </p:cNvPr>
-          <p:cNvSpPr/>
+          <p:cNvPicPr>
+            <a:picLocks noChangeAspect="1"/>
+          </p:cNvPicPr>
           <p:nvPr/>
-        </p:nvSpPr>
+        </p:nvPicPr>
+        <p:blipFill>
+          <a:blip r:embed="rId3">
+            <a:extLst>
+              <a:ext uri="{28A0092B-C50C-407E-A947-70E740481C1C}">
+                <a14:useLocalDpi xmlns:a14="http://schemas.microsoft.com/office/drawing/2010/main" val="0"/>
+              </a:ext>
+            </a:extLst>
+          </a:blip>
+          <a:stretch>
+            <a:fillRect/>
+          </a:stretch>
+        </p:blipFill>
         <p:spPr>
           <a:xfrm>
-            <a:off x="150229" y="2108938"/>
-            <a:ext cx="3096344" cy="360040"/>
-          </a:xfrm>
-          <a:prstGeom prst="roundRect">
-            <a:avLst/>
-          </a:prstGeom>
-          <a:noFill/>
-          <a:ln w="19050">
-            <a:solidFill>
-              <a:srgbClr val="FF0000"/>
-            </a:solidFill>
-            <a:prstDash val="lgDashDot"/>
-          </a:ln>
-        </p:spPr>
-        <p:style>
-          <a:lnRef idx="1">
-            <a:schemeClr val="accent4"/>
-          </a:lnRef>
-          <a:fillRef idx="3">
-            <a:schemeClr val="accent4"/>
-          </a:fillRef>
-          <a:effectRef idx="2">
-            <a:schemeClr val="accent4"/>
-          </a:effectRef>
-          <a:fontRef idx="minor">
-            <a:schemeClr val="lt1"/>
-          </a:fontRef>
-        </p:style>
-        <p:txBody>
-          <a:bodyPr rtlCol="0" anchor="ctr"/>
-          <a:lstStyle/>
-          <a:p>
-            <a:pPr algn="ctr"/>
-            <a:endParaRPr lang="zh-TW" altLang="en-US"/>
-          </a:p>
-        </p:txBody>
-      </p:sp>
-      <p:sp>
-        <p:nvSpPr>
-          <p:cNvPr id="7" name="內容版面配置區 5">
-            <a:extLst>
-              <a:ext uri="{FF2B5EF4-FFF2-40B4-BE49-F238E27FC236}">
-                <a16:creationId xmlns:a16="http://schemas.microsoft.com/office/drawing/2014/main" id="{5AA3C8F3-D314-4EA6-9A0F-05D8ED5B9855}"/>
-              </a:ext>
-            </a:extLst>
-          </p:cNvPr>
-          <p:cNvSpPr txBox="1">
-            <a:spLocks/>
-          </p:cNvSpPr>
-          <p:nvPr/>
-        </p:nvSpPr>
-        <p:spPr bwMode="ltGray">
-          <a:xfrm>
-            <a:off x="236259" y="1412575"/>
-            <a:ext cx="2066467" cy="684076"/>
+            <a:off x="5169024" y="1700808"/>
+            <a:ext cx="4429743" cy="4429743"/>
           </a:xfrm>
           <a:prstGeom prst="rect">
             <a:avLst/>
           </a:prstGeom>
-          <a:noFill/>
         </p:spPr>
-        <p:txBody>
-          <a:bodyPr vert="horz" lIns="91440" tIns="45720" rIns="91440" bIns="45720" rtlCol="0">
-            <a:normAutofit/>
-          </a:bodyPr>
-          <a:lstStyle>
-            <a:lvl1pPr marL="342900" indent="-342900" algn="l" defTabSz="914400" rtl="0" eaLnBrk="1" latinLnBrk="0" hangingPunct="1">
-              <a:lnSpc>
-                <a:spcPct val="100000"/>
-              </a:lnSpc>
-              <a:spcBef>
-                <a:spcPts val="600"/>
-              </a:spcBef>
-              <a:spcAft>
-                <a:spcPts val="600"/>
-              </a:spcAft>
-              <a:buClr>
-                <a:schemeClr val="accent1"/>
-              </a:buClr>
-              <a:buFont typeface="Wingdings" panose="05000000000000000000" pitchFamily="2" charset="2"/>
-              <a:buChar char="l"/>
-              <a:defRPr sz="2800" b="1" kern="1200">
-                <a:solidFill>
-                  <a:srgbClr val="FFFFFF"/>
-                </a:solidFill>
-                <a:latin typeface="微軟正黑體" pitchFamily="34" charset="-120"/>
-                <a:ea typeface="微軟正黑體" pitchFamily="34" charset="-120"/>
-                <a:cs typeface="+mn-cs"/>
-              </a:defRPr>
-            </a:lvl1pPr>
-            <a:lvl2pPr marL="714375" indent="-352425" algn="l" defTabSz="914400" rtl="0" eaLnBrk="1" latinLnBrk="0" hangingPunct="1">
-              <a:lnSpc>
-                <a:spcPct val="100000"/>
-              </a:lnSpc>
-              <a:spcBef>
-                <a:spcPts val="600"/>
-              </a:spcBef>
-              <a:spcAft>
-                <a:spcPts val="600"/>
-              </a:spcAft>
-              <a:buClr>
-                <a:schemeClr val="accent2"/>
-              </a:buClr>
-              <a:buFont typeface="Wingdings" panose="05000000000000000000" pitchFamily="2" charset="2"/>
-              <a:buChar char="u"/>
-              <a:defRPr sz="2400" b="0" kern="1200">
-                <a:solidFill>
-                  <a:srgbClr val="FFFFFF"/>
-                </a:solidFill>
-                <a:latin typeface="微軟正黑體" pitchFamily="34" charset="-120"/>
-                <a:ea typeface="微軟正黑體" pitchFamily="34" charset="-120"/>
-                <a:cs typeface="+mn-cs"/>
-              </a:defRPr>
-            </a:lvl2pPr>
-            <a:lvl3pPr marL="1076325" indent="-266700" algn="l" defTabSz="914400" rtl="0" eaLnBrk="1" latinLnBrk="0" hangingPunct="1">
-              <a:lnSpc>
-                <a:spcPct val="100000"/>
-              </a:lnSpc>
-              <a:spcBef>
-                <a:spcPts val="600"/>
-              </a:spcBef>
-              <a:spcAft>
-                <a:spcPts val="600"/>
-              </a:spcAft>
-              <a:buClr>
-                <a:schemeClr val="accent3"/>
-              </a:buClr>
-              <a:buFont typeface="Wingdings" panose="05000000000000000000" pitchFamily="2" charset="2"/>
-              <a:buChar char="p"/>
-              <a:defRPr sz="2000" kern="1200">
-                <a:solidFill>
-                  <a:srgbClr val="FFFFFF"/>
-                </a:solidFill>
-                <a:latin typeface="微軟正黑體" pitchFamily="34" charset="-120"/>
-                <a:ea typeface="微軟正黑體" pitchFamily="34" charset="-120"/>
-                <a:cs typeface="+mn-cs"/>
-              </a:defRPr>
-            </a:lvl3pPr>
-            <a:lvl4pPr marL="1343025" indent="-180975" algn="l" defTabSz="914400" rtl="0" eaLnBrk="1" latinLnBrk="0" hangingPunct="1">
-              <a:lnSpc>
-                <a:spcPct val="100000"/>
-              </a:lnSpc>
-              <a:spcBef>
-                <a:spcPts val="600"/>
-              </a:spcBef>
-              <a:spcAft>
-                <a:spcPts val="600"/>
-              </a:spcAft>
-              <a:buClr>
-                <a:schemeClr val="accent4"/>
-              </a:buClr>
-              <a:buFont typeface="Wingdings" panose="05000000000000000000" pitchFamily="2" charset="2"/>
-              <a:buChar char="n"/>
-              <a:defRPr sz="1800" kern="1200">
-                <a:solidFill>
-                  <a:srgbClr val="FFFFFF"/>
-                </a:solidFill>
-                <a:latin typeface="微軟正黑體" pitchFamily="34" charset="-120"/>
-                <a:ea typeface="微軟正黑體" pitchFamily="34" charset="-120"/>
-                <a:cs typeface="+mn-cs"/>
-              </a:defRPr>
-            </a:lvl4pPr>
-            <a:lvl5pPr marL="1619250" indent="-276225" algn="l" defTabSz="914400" rtl="0" eaLnBrk="1" latinLnBrk="0" hangingPunct="1">
-              <a:lnSpc>
-                <a:spcPct val="100000"/>
-              </a:lnSpc>
-              <a:spcBef>
-                <a:spcPts val="600"/>
-              </a:spcBef>
-              <a:spcAft>
-                <a:spcPts val="600"/>
-              </a:spcAft>
-              <a:buClr>
-                <a:schemeClr val="accent5"/>
-              </a:buClr>
-              <a:buFont typeface="Arial" pitchFamily="34" charset="0"/>
-              <a:buChar char="»"/>
-              <a:tabLst>
-                <a:tab pos="7981950" algn="l"/>
-              </a:tabLst>
-              <a:defRPr sz="1800" kern="1200">
-                <a:solidFill>
-                  <a:srgbClr val="FFFFFF"/>
-                </a:solidFill>
-                <a:latin typeface="微軟正黑體" pitchFamily="34" charset="-120"/>
-                <a:ea typeface="微軟正黑體" pitchFamily="34" charset="-120"/>
-                <a:cs typeface="+mn-cs"/>
-              </a:defRPr>
-            </a:lvl5pPr>
-            <a:lvl6pPr marL="2514600" indent="-228600" algn="l" defTabSz="914400" rtl="0" eaLnBrk="1" latinLnBrk="0" hangingPunct="1">
-              <a:spcBef>
-                <a:spcPct val="20000"/>
-              </a:spcBef>
-              <a:buFont typeface="Arial" pitchFamily="34" charset="0"/>
-              <a:buChar char="•"/>
-              <a:defRPr sz="2000" kern="1200">
-                <a:solidFill>
-                  <a:schemeClr val="tx1"/>
-                </a:solidFill>
-                <a:latin typeface="+mn-lt"/>
-                <a:ea typeface="+mn-ea"/>
-                <a:cs typeface="+mn-cs"/>
-              </a:defRPr>
-            </a:lvl6pPr>
-            <a:lvl7pPr marL="2971800" indent="-228600" algn="l" defTabSz="914400" rtl="0" eaLnBrk="1" latinLnBrk="0" hangingPunct="1">
-              <a:spcBef>
-                <a:spcPct val="20000"/>
-              </a:spcBef>
-              <a:buFont typeface="Arial" pitchFamily="34" charset="0"/>
-              <a:buChar char="•"/>
-              <a:defRPr sz="2000" kern="1200">
-                <a:solidFill>
-                  <a:schemeClr val="tx1"/>
-                </a:solidFill>
-                <a:latin typeface="+mn-lt"/>
-                <a:ea typeface="+mn-ea"/>
-                <a:cs typeface="+mn-cs"/>
-              </a:defRPr>
-            </a:lvl7pPr>
-            <a:lvl8pPr marL="3429000" indent="-228600" algn="l" defTabSz="914400" rtl="0" eaLnBrk="1" latinLnBrk="0" hangingPunct="1">
-              <a:spcBef>
-                <a:spcPct val="20000"/>
-              </a:spcBef>
-              <a:buFont typeface="Arial" pitchFamily="34" charset="0"/>
-              <a:buChar char="•"/>
-              <a:defRPr sz="2000" kern="1200">
-                <a:solidFill>
-                  <a:schemeClr val="tx1"/>
-                </a:solidFill>
-                <a:latin typeface="+mn-lt"/>
-                <a:ea typeface="+mn-ea"/>
-                <a:cs typeface="+mn-cs"/>
-              </a:defRPr>
-            </a:lvl8pPr>
-            <a:lvl9pPr marL="3886200" indent="-228600" algn="l" defTabSz="914400" rtl="0" eaLnBrk="1" latinLnBrk="0" hangingPunct="1">
-              <a:spcBef>
-                <a:spcPct val="20000"/>
-              </a:spcBef>
-              <a:buFont typeface="Arial" pitchFamily="34" charset="0"/>
-              <a:buChar char="•"/>
-              <a:defRPr sz="2000" kern="1200">
-                <a:solidFill>
-                  <a:schemeClr val="tx1"/>
-                </a:solidFill>
-                <a:latin typeface="+mn-lt"/>
-                <a:ea typeface="+mn-ea"/>
-                <a:cs typeface="+mn-cs"/>
-              </a:defRPr>
-            </a:lvl9pPr>
-          </a:lstStyle>
-          <a:p>
-            <a:r>
-              <a:rPr lang="zh-TW" altLang="en-US" dirty="0"/>
-              <a:t>字體樣式</a:t>
-            </a:r>
-          </a:p>
-        </p:txBody>
-      </p:sp>
-      <p:sp>
-        <p:nvSpPr>
-          <p:cNvPr id="8" name="內容版面配置區 5">
-            <a:extLst>
-              <a:ext uri="{FF2B5EF4-FFF2-40B4-BE49-F238E27FC236}">
-                <a16:creationId xmlns:a16="http://schemas.microsoft.com/office/drawing/2014/main" id="{AFB751F2-39F7-4046-87F6-A1B92E1CCDFB}"/>
-              </a:ext>
-            </a:extLst>
-          </p:cNvPr>
-          <p:cNvSpPr txBox="1">
-            <a:spLocks/>
-          </p:cNvSpPr>
-          <p:nvPr/>
-        </p:nvSpPr>
-        <p:spPr bwMode="ltGray">
-          <a:xfrm>
-            <a:off x="2324988" y="819898"/>
-            <a:ext cx="2066467" cy="684076"/>
-          </a:xfrm>
-          <a:prstGeom prst="rect">
-            <a:avLst/>
-          </a:prstGeom>
-          <a:noFill/>
-        </p:spPr>
-        <p:txBody>
-          <a:bodyPr vert="horz" lIns="91440" tIns="45720" rIns="91440" bIns="45720" rtlCol="0">
-            <a:normAutofit/>
-          </a:bodyPr>
-          <a:lstStyle>
-            <a:lvl1pPr marL="342900" indent="-342900" algn="l" defTabSz="914400" rtl="0" eaLnBrk="1" latinLnBrk="0" hangingPunct="1">
-              <a:lnSpc>
-                <a:spcPct val="100000"/>
-              </a:lnSpc>
-              <a:spcBef>
-                <a:spcPts val="600"/>
-              </a:spcBef>
-              <a:spcAft>
-                <a:spcPts val="600"/>
-              </a:spcAft>
-              <a:buClr>
-                <a:schemeClr val="accent1"/>
-              </a:buClr>
-              <a:buFont typeface="Wingdings" panose="05000000000000000000" pitchFamily="2" charset="2"/>
-              <a:buChar char="l"/>
-              <a:defRPr sz="2800" b="1" kern="1200">
-                <a:solidFill>
-                  <a:srgbClr val="FFFFFF"/>
-                </a:solidFill>
-                <a:latin typeface="微軟正黑體" pitchFamily="34" charset="-120"/>
-                <a:ea typeface="微軟正黑體" pitchFamily="34" charset="-120"/>
-                <a:cs typeface="+mn-cs"/>
-              </a:defRPr>
-            </a:lvl1pPr>
-            <a:lvl2pPr marL="714375" indent="-352425" algn="l" defTabSz="914400" rtl="0" eaLnBrk="1" latinLnBrk="0" hangingPunct="1">
-              <a:lnSpc>
-                <a:spcPct val="100000"/>
-              </a:lnSpc>
-              <a:spcBef>
-                <a:spcPts val="600"/>
-              </a:spcBef>
-              <a:spcAft>
-                <a:spcPts val="600"/>
-              </a:spcAft>
-              <a:buClr>
-                <a:schemeClr val="accent2"/>
-              </a:buClr>
-              <a:buFont typeface="Wingdings" panose="05000000000000000000" pitchFamily="2" charset="2"/>
-              <a:buChar char="u"/>
-              <a:defRPr sz="2400" b="0" kern="1200">
-                <a:solidFill>
-                  <a:srgbClr val="FFFFFF"/>
-                </a:solidFill>
-                <a:latin typeface="微軟正黑體" pitchFamily="34" charset="-120"/>
-                <a:ea typeface="微軟正黑體" pitchFamily="34" charset="-120"/>
-                <a:cs typeface="+mn-cs"/>
-              </a:defRPr>
-            </a:lvl2pPr>
-            <a:lvl3pPr marL="1076325" indent="-266700" algn="l" defTabSz="914400" rtl="0" eaLnBrk="1" latinLnBrk="0" hangingPunct="1">
-              <a:lnSpc>
-                <a:spcPct val="100000"/>
-              </a:lnSpc>
-              <a:spcBef>
-                <a:spcPts val="600"/>
-              </a:spcBef>
-              <a:spcAft>
-                <a:spcPts val="600"/>
-              </a:spcAft>
-              <a:buClr>
-                <a:schemeClr val="accent3"/>
-              </a:buClr>
-              <a:buFont typeface="Wingdings" panose="05000000000000000000" pitchFamily="2" charset="2"/>
-              <a:buChar char="p"/>
-              <a:defRPr sz="2000" kern="1200">
-                <a:solidFill>
-                  <a:srgbClr val="FFFFFF"/>
-                </a:solidFill>
-                <a:latin typeface="微軟正黑體" pitchFamily="34" charset="-120"/>
-                <a:ea typeface="微軟正黑體" pitchFamily="34" charset="-120"/>
-                <a:cs typeface="+mn-cs"/>
-              </a:defRPr>
-            </a:lvl3pPr>
-            <a:lvl4pPr marL="1343025" indent="-180975" algn="l" defTabSz="914400" rtl="0" eaLnBrk="1" latinLnBrk="0" hangingPunct="1">
-              <a:lnSpc>
-                <a:spcPct val="100000"/>
-              </a:lnSpc>
-              <a:spcBef>
-                <a:spcPts val="600"/>
-              </a:spcBef>
-              <a:spcAft>
-                <a:spcPts val="600"/>
-              </a:spcAft>
-              <a:buClr>
-                <a:schemeClr val="accent4"/>
-              </a:buClr>
-              <a:buFont typeface="Wingdings" panose="05000000000000000000" pitchFamily="2" charset="2"/>
-              <a:buChar char="n"/>
-              <a:defRPr sz="1800" kern="1200">
-                <a:solidFill>
-                  <a:srgbClr val="FFFFFF"/>
-                </a:solidFill>
-                <a:latin typeface="微軟正黑體" pitchFamily="34" charset="-120"/>
-                <a:ea typeface="微軟正黑體" pitchFamily="34" charset="-120"/>
-                <a:cs typeface="+mn-cs"/>
-              </a:defRPr>
-            </a:lvl4pPr>
-            <a:lvl5pPr marL="1619250" indent="-276225" algn="l" defTabSz="914400" rtl="0" eaLnBrk="1" latinLnBrk="0" hangingPunct="1">
-              <a:lnSpc>
-                <a:spcPct val="100000"/>
-              </a:lnSpc>
-              <a:spcBef>
-                <a:spcPts val="600"/>
-              </a:spcBef>
-              <a:spcAft>
-                <a:spcPts val="600"/>
-              </a:spcAft>
-              <a:buClr>
-                <a:schemeClr val="accent5"/>
-              </a:buClr>
-              <a:buFont typeface="Arial" pitchFamily="34" charset="0"/>
-              <a:buChar char="»"/>
-              <a:tabLst>
-                <a:tab pos="7981950" algn="l"/>
-              </a:tabLst>
-              <a:defRPr sz="1800" kern="1200">
-                <a:solidFill>
-                  <a:srgbClr val="FFFFFF"/>
-                </a:solidFill>
-                <a:latin typeface="微軟正黑體" pitchFamily="34" charset="-120"/>
-                <a:ea typeface="微軟正黑體" pitchFamily="34" charset="-120"/>
-                <a:cs typeface="+mn-cs"/>
-              </a:defRPr>
-            </a:lvl5pPr>
-            <a:lvl6pPr marL="2514600" indent="-228600" algn="l" defTabSz="914400" rtl="0" eaLnBrk="1" latinLnBrk="0" hangingPunct="1">
-              <a:spcBef>
-                <a:spcPct val="20000"/>
-              </a:spcBef>
-              <a:buFont typeface="Arial" pitchFamily="34" charset="0"/>
-              <a:buChar char="•"/>
-              <a:defRPr sz="2000" kern="1200">
-                <a:solidFill>
-                  <a:schemeClr val="tx1"/>
-                </a:solidFill>
-                <a:latin typeface="+mn-lt"/>
-                <a:ea typeface="+mn-ea"/>
-                <a:cs typeface="+mn-cs"/>
-              </a:defRPr>
-            </a:lvl6pPr>
-            <a:lvl7pPr marL="2971800" indent="-228600" algn="l" defTabSz="914400" rtl="0" eaLnBrk="1" latinLnBrk="0" hangingPunct="1">
-              <a:spcBef>
-                <a:spcPct val="20000"/>
-              </a:spcBef>
-              <a:buFont typeface="Arial" pitchFamily="34" charset="0"/>
-              <a:buChar char="•"/>
-              <a:defRPr sz="2000" kern="1200">
-                <a:solidFill>
-                  <a:schemeClr val="tx1"/>
-                </a:solidFill>
-                <a:latin typeface="+mn-lt"/>
-                <a:ea typeface="+mn-ea"/>
-                <a:cs typeface="+mn-cs"/>
-              </a:defRPr>
-            </a:lvl7pPr>
-            <a:lvl8pPr marL="3429000" indent="-228600" algn="l" defTabSz="914400" rtl="0" eaLnBrk="1" latinLnBrk="0" hangingPunct="1">
-              <a:spcBef>
-                <a:spcPct val="20000"/>
-              </a:spcBef>
-              <a:buFont typeface="Arial" pitchFamily="34" charset="0"/>
-              <a:buChar char="•"/>
-              <a:defRPr sz="2000" kern="1200">
-                <a:solidFill>
-                  <a:schemeClr val="tx1"/>
-                </a:solidFill>
-                <a:latin typeface="+mn-lt"/>
-                <a:ea typeface="+mn-ea"/>
-                <a:cs typeface="+mn-cs"/>
-              </a:defRPr>
-            </a:lvl8pPr>
-            <a:lvl9pPr marL="3886200" indent="-228600" algn="l" defTabSz="914400" rtl="0" eaLnBrk="1" latinLnBrk="0" hangingPunct="1">
-              <a:spcBef>
-                <a:spcPct val="20000"/>
-              </a:spcBef>
-              <a:buFont typeface="Arial" pitchFamily="34" charset="0"/>
-              <a:buChar char="•"/>
-              <a:defRPr sz="2000" kern="1200">
-                <a:solidFill>
-                  <a:schemeClr val="tx1"/>
-                </a:solidFill>
-                <a:latin typeface="+mn-lt"/>
-                <a:ea typeface="+mn-ea"/>
-                <a:cs typeface="+mn-cs"/>
-              </a:defRPr>
-            </a:lvl9pPr>
-          </a:lstStyle>
-          <a:p>
-            <a:r>
-              <a:rPr lang="zh-TW" altLang="en-US" dirty="0"/>
-              <a:t>字體顏色</a:t>
-            </a:r>
-          </a:p>
-        </p:txBody>
-      </p:sp>
-      <p:sp>
-        <p:nvSpPr>
-          <p:cNvPr id="9" name="矩形: 圓角 8">
-            <a:extLst>
-              <a:ext uri="{FF2B5EF4-FFF2-40B4-BE49-F238E27FC236}">
-                <a16:creationId xmlns:a16="http://schemas.microsoft.com/office/drawing/2014/main" id="{48A1E2C0-095F-4274-8327-8BA87F411ECE}"/>
-              </a:ext>
-            </a:extLst>
-          </p:cNvPr>
-          <p:cNvSpPr/>
-          <p:nvPr/>
-        </p:nvSpPr>
-        <p:spPr>
-          <a:xfrm>
-            <a:off x="3242993" y="2101192"/>
-            <a:ext cx="1421975" cy="367785"/>
-          </a:xfrm>
-          <a:prstGeom prst="roundRect">
-            <a:avLst/>
-          </a:prstGeom>
-          <a:noFill/>
-          <a:ln w="19050">
-            <a:solidFill>
-              <a:srgbClr val="FF0000"/>
-            </a:solidFill>
-            <a:prstDash val="lgDashDot"/>
-          </a:ln>
-        </p:spPr>
-        <p:style>
-          <a:lnRef idx="1">
-            <a:schemeClr val="accent4"/>
-          </a:lnRef>
-          <a:fillRef idx="3">
-            <a:schemeClr val="accent4"/>
-          </a:fillRef>
-          <a:effectRef idx="2">
-            <a:schemeClr val="accent4"/>
-          </a:effectRef>
-          <a:fontRef idx="minor">
-            <a:schemeClr val="lt1"/>
-          </a:fontRef>
-        </p:style>
-        <p:txBody>
-          <a:bodyPr rtlCol="0" anchor="ctr"/>
-          <a:lstStyle/>
-          <a:p>
-            <a:pPr algn="ctr"/>
-            <a:endParaRPr lang="zh-TW" altLang="en-US"/>
-          </a:p>
-        </p:txBody>
-      </p:sp>
-      <p:sp>
-        <p:nvSpPr>
-          <p:cNvPr id="11" name="矩形: 圓角 10">
-            <a:extLst>
-              <a:ext uri="{FF2B5EF4-FFF2-40B4-BE49-F238E27FC236}">
-                <a16:creationId xmlns:a16="http://schemas.microsoft.com/office/drawing/2014/main" id="{B7EB500C-00EB-41D3-BF51-B01643F7EF51}"/>
-              </a:ext>
-            </a:extLst>
-          </p:cNvPr>
-          <p:cNvSpPr/>
-          <p:nvPr/>
-        </p:nvSpPr>
-        <p:spPr>
-          <a:xfrm>
-            <a:off x="4599669" y="2101192"/>
-            <a:ext cx="641365" cy="367785"/>
-          </a:xfrm>
-          <a:prstGeom prst="roundRect">
-            <a:avLst/>
-          </a:prstGeom>
-          <a:noFill/>
-          <a:ln w="19050">
-            <a:solidFill>
-              <a:srgbClr val="FF0000"/>
-            </a:solidFill>
-            <a:prstDash val="lgDashDot"/>
-          </a:ln>
-        </p:spPr>
-        <p:style>
-          <a:lnRef idx="1">
-            <a:schemeClr val="accent4"/>
-          </a:lnRef>
-          <a:fillRef idx="3">
-            <a:schemeClr val="accent4"/>
-          </a:fillRef>
-          <a:effectRef idx="2">
-            <a:schemeClr val="accent4"/>
-          </a:effectRef>
-          <a:fontRef idx="minor">
-            <a:schemeClr val="lt1"/>
-          </a:fontRef>
-        </p:style>
-        <p:txBody>
-          <a:bodyPr rtlCol="0" anchor="ctr"/>
-          <a:lstStyle/>
-          <a:p>
-            <a:pPr algn="ctr"/>
-            <a:endParaRPr lang="zh-TW" altLang="en-US"/>
-          </a:p>
-        </p:txBody>
-      </p:sp>
-      <p:sp>
-        <p:nvSpPr>
-          <p:cNvPr id="12" name="矩形: 圓角 11">
-            <a:extLst>
-              <a:ext uri="{FF2B5EF4-FFF2-40B4-BE49-F238E27FC236}">
-                <a16:creationId xmlns:a16="http://schemas.microsoft.com/office/drawing/2014/main" id="{513B7638-D988-4257-AC75-4D133D7CA9F5}"/>
-              </a:ext>
-            </a:extLst>
-          </p:cNvPr>
-          <p:cNvSpPr/>
-          <p:nvPr/>
-        </p:nvSpPr>
-        <p:spPr>
-          <a:xfrm>
-            <a:off x="5218962" y="2109581"/>
-            <a:ext cx="833459" cy="367785"/>
-          </a:xfrm>
-          <a:prstGeom prst="roundRect">
-            <a:avLst/>
-          </a:prstGeom>
-          <a:noFill/>
-          <a:ln w="19050">
-            <a:solidFill>
-              <a:srgbClr val="FF0000"/>
-            </a:solidFill>
-            <a:prstDash val="lgDashDot"/>
-          </a:ln>
-        </p:spPr>
-        <p:style>
-          <a:lnRef idx="1">
-            <a:schemeClr val="accent4"/>
-          </a:lnRef>
-          <a:fillRef idx="3">
-            <a:schemeClr val="accent4"/>
-          </a:fillRef>
-          <a:effectRef idx="2">
-            <a:schemeClr val="accent4"/>
-          </a:effectRef>
-          <a:fontRef idx="minor">
-            <a:schemeClr val="lt1"/>
-          </a:fontRef>
-        </p:style>
-        <p:txBody>
-          <a:bodyPr rtlCol="0" anchor="ctr"/>
-          <a:lstStyle/>
-          <a:p>
-            <a:pPr algn="ctr"/>
-            <a:endParaRPr lang="zh-TW" altLang="en-US"/>
-          </a:p>
-        </p:txBody>
-      </p:sp>
-      <p:sp>
-        <p:nvSpPr>
-          <p:cNvPr id="13" name="矩形: 圓角 12">
-            <a:extLst>
-              <a:ext uri="{FF2B5EF4-FFF2-40B4-BE49-F238E27FC236}">
-                <a16:creationId xmlns:a16="http://schemas.microsoft.com/office/drawing/2014/main" id="{FA3833E0-5E68-4BF1-98D6-74A7C0A2A232}"/>
-              </a:ext>
-            </a:extLst>
-          </p:cNvPr>
-          <p:cNvSpPr/>
-          <p:nvPr/>
-        </p:nvSpPr>
-        <p:spPr>
-          <a:xfrm>
-            <a:off x="6018065" y="2101835"/>
-            <a:ext cx="653650" cy="367785"/>
-          </a:xfrm>
-          <a:prstGeom prst="roundRect">
-            <a:avLst/>
-          </a:prstGeom>
-          <a:noFill/>
-          <a:ln w="19050">
-            <a:solidFill>
-              <a:srgbClr val="FF0000"/>
-            </a:solidFill>
-            <a:prstDash val="lgDashDot"/>
-          </a:ln>
-        </p:spPr>
-        <p:style>
-          <a:lnRef idx="1">
-            <a:schemeClr val="accent4"/>
-          </a:lnRef>
-          <a:fillRef idx="3">
-            <a:schemeClr val="accent4"/>
-          </a:fillRef>
-          <a:effectRef idx="2">
-            <a:schemeClr val="accent4"/>
-          </a:effectRef>
-          <a:fontRef idx="minor">
-            <a:schemeClr val="lt1"/>
-          </a:fontRef>
-        </p:style>
-        <p:txBody>
-          <a:bodyPr rtlCol="0" anchor="ctr"/>
-          <a:lstStyle/>
-          <a:p>
-            <a:pPr algn="ctr"/>
-            <a:endParaRPr lang="zh-TW" altLang="en-US"/>
-          </a:p>
-        </p:txBody>
-      </p:sp>
-      <p:sp>
-        <p:nvSpPr>
-          <p:cNvPr id="14" name="矩形: 圓角 13">
-            <a:extLst>
-              <a:ext uri="{FF2B5EF4-FFF2-40B4-BE49-F238E27FC236}">
-                <a16:creationId xmlns:a16="http://schemas.microsoft.com/office/drawing/2014/main" id="{29FB118C-5D27-477F-968E-A86B2E516C5C}"/>
-              </a:ext>
-            </a:extLst>
-          </p:cNvPr>
-          <p:cNvSpPr/>
-          <p:nvPr/>
-        </p:nvSpPr>
-        <p:spPr>
-          <a:xfrm>
-            <a:off x="6591445" y="2109580"/>
-            <a:ext cx="857301" cy="367785"/>
-          </a:xfrm>
-          <a:prstGeom prst="roundRect">
-            <a:avLst/>
-          </a:prstGeom>
-          <a:noFill/>
-          <a:ln w="19050">
-            <a:solidFill>
-              <a:srgbClr val="FF0000"/>
-            </a:solidFill>
-            <a:prstDash val="lgDashDot"/>
-          </a:ln>
-        </p:spPr>
-        <p:style>
-          <a:lnRef idx="1">
-            <a:schemeClr val="accent4"/>
-          </a:lnRef>
-          <a:fillRef idx="3">
-            <a:schemeClr val="accent4"/>
-          </a:fillRef>
-          <a:effectRef idx="2">
-            <a:schemeClr val="accent4"/>
-          </a:effectRef>
-          <a:fontRef idx="minor">
-            <a:schemeClr val="lt1"/>
-          </a:fontRef>
-        </p:style>
-        <p:txBody>
-          <a:bodyPr rtlCol="0" anchor="ctr"/>
-          <a:lstStyle/>
-          <a:p>
-            <a:pPr algn="ctr"/>
-            <a:endParaRPr lang="zh-TW" altLang="en-US"/>
-          </a:p>
-        </p:txBody>
-      </p:sp>
-      <p:sp>
-        <p:nvSpPr>
-          <p:cNvPr id="15" name="矩形: 圓角 14">
-            <a:extLst>
-              <a:ext uri="{FF2B5EF4-FFF2-40B4-BE49-F238E27FC236}">
-                <a16:creationId xmlns:a16="http://schemas.microsoft.com/office/drawing/2014/main" id="{E7D2844E-833E-40ED-B9C0-951FD89BDA0E}"/>
-              </a:ext>
-            </a:extLst>
-          </p:cNvPr>
-          <p:cNvSpPr/>
-          <p:nvPr/>
-        </p:nvSpPr>
-        <p:spPr>
-          <a:xfrm>
-            <a:off x="7401273" y="2101149"/>
-            <a:ext cx="857302" cy="376216"/>
-          </a:xfrm>
-          <a:prstGeom prst="roundRect">
-            <a:avLst/>
-          </a:prstGeom>
-          <a:noFill/>
-          <a:ln w="19050">
-            <a:solidFill>
-              <a:srgbClr val="FF0000"/>
-            </a:solidFill>
-            <a:prstDash val="lgDashDot"/>
-          </a:ln>
-        </p:spPr>
-        <p:style>
-          <a:lnRef idx="1">
-            <a:schemeClr val="accent4"/>
-          </a:lnRef>
-          <a:fillRef idx="3">
-            <a:schemeClr val="accent4"/>
-          </a:fillRef>
-          <a:effectRef idx="2">
-            <a:schemeClr val="accent4"/>
-          </a:effectRef>
-          <a:fontRef idx="minor">
-            <a:schemeClr val="lt1"/>
-          </a:fontRef>
-        </p:style>
-        <p:txBody>
-          <a:bodyPr rtlCol="0" anchor="ctr"/>
-          <a:lstStyle/>
-          <a:p>
-            <a:pPr algn="ctr"/>
-            <a:endParaRPr lang="zh-TW" altLang="en-US"/>
-          </a:p>
-        </p:txBody>
-      </p:sp>
-      <p:sp>
-        <p:nvSpPr>
-          <p:cNvPr id="16" name="矩形: 圓角 15">
-            <a:extLst>
-              <a:ext uri="{FF2B5EF4-FFF2-40B4-BE49-F238E27FC236}">
-                <a16:creationId xmlns:a16="http://schemas.microsoft.com/office/drawing/2014/main" id="{B1C55641-FD94-41FF-BD49-FEDA1E807785}"/>
-              </a:ext>
-            </a:extLst>
-          </p:cNvPr>
-          <p:cNvSpPr/>
-          <p:nvPr/>
-        </p:nvSpPr>
-        <p:spPr>
-          <a:xfrm>
-            <a:off x="8178304" y="2116683"/>
-            <a:ext cx="1023168" cy="352294"/>
-          </a:xfrm>
-          <a:prstGeom prst="roundRect">
-            <a:avLst/>
-          </a:prstGeom>
-          <a:noFill/>
-          <a:ln w="19050">
-            <a:solidFill>
-              <a:srgbClr val="FF0000"/>
-            </a:solidFill>
-            <a:prstDash val="lgDashDot"/>
-          </a:ln>
-        </p:spPr>
-        <p:style>
-          <a:lnRef idx="1">
-            <a:schemeClr val="accent4"/>
-          </a:lnRef>
-          <a:fillRef idx="3">
-            <a:schemeClr val="accent4"/>
-          </a:fillRef>
-          <a:effectRef idx="2">
-            <a:schemeClr val="accent4"/>
-          </a:effectRef>
-          <a:fontRef idx="minor">
-            <a:schemeClr val="lt1"/>
-          </a:fontRef>
-        </p:style>
-        <p:txBody>
-          <a:bodyPr rtlCol="0" anchor="ctr"/>
-          <a:lstStyle/>
-          <a:p>
-            <a:pPr algn="ctr"/>
-            <a:endParaRPr lang="zh-TW" altLang="en-US"/>
-          </a:p>
-        </p:txBody>
-      </p:sp>
-      <p:sp>
-        <p:nvSpPr>
-          <p:cNvPr id="17" name="內容版面配置區 5">
-            <a:extLst>
-              <a:ext uri="{FF2B5EF4-FFF2-40B4-BE49-F238E27FC236}">
-                <a16:creationId xmlns:a16="http://schemas.microsoft.com/office/drawing/2014/main" id="{BF0C7864-5814-434F-9AA6-41AD85107757}"/>
-              </a:ext>
-            </a:extLst>
-          </p:cNvPr>
-          <p:cNvSpPr txBox="1">
-            <a:spLocks/>
-          </p:cNvSpPr>
-          <p:nvPr/>
-        </p:nvSpPr>
-        <p:spPr bwMode="ltGray">
-          <a:xfrm>
-            <a:off x="2324989" y="1422763"/>
-            <a:ext cx="2066467" cy="684076"/>
-          </a:xfrm>
-          <a:prstGeom prst="rect">
-            <a:avLst/>
-          </a:prstGeom>
-          <a:noFill/>
-        </p:spPr>
-        <p:txBody>
-          <a:bodyPr vert="horz" lIns="91440" tIns="45720" rIns="91440" bIns="45720" rtlCol="0">
-            <a:normAutofit/>
-          </a:bodyPr>
-          <a:lstStyle>
-            <a:lvl1pPr marL="342900" indent="-342900" algn="l" defTabSz="914400" rtl="0" eaLnBrk="1" latinLnBrk="0" hangingPunct="1">
-              <a:lnSpc>
-                <a:spcPct val="100000"/>
-              </a:lnSpc>
-              <a:spcBef>
-                <a:spcPts val="600"/>
-              </a:spcBef>
-              <a:spcAft>
-                <a:spcPts val="600"/>
-              </a:spcAft>
-              <a:buClr>
-                <a:schemeClr val="accent1"/>
-              </a:buClr>
-              <a:buFont typeface="Wingdings" panose="05000000000000000000" pitchFamily="2" charset="2"/>
-              <a:buChar char="l"/>
-              <a:defRPr sz="2800" b="1" kern="1200">
-                <a:solidFill>
-                  <a:srgbClr val="FFFFFF"/>
-                </a:solidFill>
-                <a:latin typeface="微軟正黑體" pitchFamily="34" charset="-120"/>
-                <a:ea typeface="微軟正黑體" pitchFamily="34" charset="-120"/>
-                <a:cs typeface="+mn-cs"/>
-              </a:defRPr>
-            </a:lvl1pPr>
-            <a:lvl2pPr marL="714375" indent="-352425" algn="l" defTabSz="914400" rtl="0" eaLnBrk="1" latinLnBrk="0" hangingPunct="1">
-              <a:lnSpc>
-                <a:spcPct val="100000"/>
-              </a:lnSpc>
-              <a:spcBef>
-                <a:spcPts val="600"/>
-              </a:spcBef>
-              <a:spcAft>
-                <a:spcPts val="600"/>
-              </a:spcAft>
-              <a:buClr>
-                <a:schemeClr val="accent2"/>
-              </a:buClr>
-              <a:buFont typeface="Wingdings" panose="05000000000000000000" pitchFamily="2" charset="2"/>
-              <a:buChar char="u"/>
-              <a:defRPr sz="2400" b="0" kern="1200">
-                <a:solidFill>
-                  <a:srgbClr val="FFFFFF"/>
-                </a:solidFill>
-                <a:latin typeface="微軟正黑體" pitchFamily="34" charset="-120"/>
-                <a:ea typeface="微軟正黑體" pitchFamily="34" charset="-120"/>
-                <a:cs typeface="+mn-cs"/>
-              </a:defRPr>
-            </a:lvl2pPr>
-            <a:lvl3pPr marL="1076325" indent="-266700" algn="l" defTabSz="914400" rtl="0" eaLnBrk="1" latinLnBrk="0" hangingPunct="1">
-              <a:lnSpc>
-                <a:spcPct val="100000"/>
-              </a:lnSpc>
-              <a:spcBef>
-                <a:spcPts val="600"/>
-              </a:spcBef>
-              <a:spcAft>
-                <a:spcPts val="600"/>
-              </a:spcAft>
-              <a:buClr>
-                <a:schemeClr val="accent3"/>
-              </a:buClr>
-              <a:buFont typeface="Wingdings" panose="05000000000000000000" pitchFamily="2" charset="2"/>
-              <a:buChar char="p"/>
-              <a:defRPr sz="2000" kern="1200">
-                <a:solidFill>
-                  <a:srgbClr val="FFFFFF"/>
-                </a:solidFill>
-                <a:latin typeface="微軟正黑體" pitchFamily="34" charset="-120"/>
-                <a:ea typeface="微軟正黑體" pitchFamily="34" charset="-120"/>
-                <a:cs typeface="+mn-cs"/>
-              </a:defRPr>
-            </a:lvl3pPr>
-            <a:lvl4pPr marL="1343025" indent="-180975" algn="l" defTabSz="914400" rtl="0" eaLnBrk="1" latinLnBrk="0" hangingPunct="1">
-              <a:lnSpc>
-                <a:spcPct val="100000"/>
-              </a:lnSpc>
-              <a:spcBef>
-                <a:spcPts val="600"/>
-              </a:spcBef>
-              <a:spcAft>
-                <a:spcPts val="600"/>
-              </a:spcAft>
-              <a:buClr>
-                <a:schemeClr val="accent4"/>
-              </a:buClr>
-              <a:buFont typeface="Wingdings" panose="05000000000000000000" pitchFamily="2" charset="2"/>
-              <a:buChar char="n"/>
-              <a:defRPr sz="1800" kern="1200">
-                <a:solidFill>
-                  <a:srgbClr val="FFFFFF"/>
-                </a:solidFill>
-                <a:latin typeface="微軟正黑體" pitchFamily="34" charset="-120"/>
-                <a:ea typeface="微軟正黑體" pitchFamily="34" charset="-120"/>
-                <a:cs typeface="+mn-cs"/>
-              </a:defRPr>
-            </a:lvl4pPr>
-            <a:lvl5pPr marL="1619250" indent="-276225" algn="l" defTabSz="914400" rtl="0" eaLnBrk="1" latinLnBrk="0" hangingPunct="1">
-              <a:lnSpc>
-                <a:spcPct val="100000"/>
-              </a:lnSpc>
-              <a:spcBef>
-                <a:spcPts val="600"/>
-              </a:spcBef>
-              <a:spcAft>
-                <a:spcPts val="600"/>
-              </a:spcAft>
-              <a:buClr>
-                <a:schemeClr val="accent5"/>
-              </a:buClr>
-              <a:buFont typeface="Arial" pitchFamily="34" charset="0"/>
-              <a:buChar char="»"/>
-              <a:tabLst>
-                <a:tab pos="7981950" algn="l"/>
-              </a:tabLst>
-              <a:defRPr sz="1800" kern="1200">
-                <a:solidFill>
-                  <a:srgbClr val="FFFFFF"/>
-                </a:solidFill>
-                <a:latin typeface="微軟正黑體" pitchFamily="34" charset="-120"/>
-                <a:ea typeface="微軟正黑體" pitchFamily="34" charset="-120"/>
-                <a:cs typeface="+mn-cs"/>
-              </a:defRPr>
-            </a:lvl5pPr>
-            <a:lvl6pPr marL="2514600" indent="-228600" algn="l" defTabSz="914400" rtl="0" eaLnBrk="1" latinLnBrk="0" hangingPunct="1">
-              <a:spcBef>
-                <a:spcPct val="20000"/>
-              </a:spcBef>
-              <a:buFont typeface="Arial" pitchFamily="34" charset="0"/>
-              <a:buChar char="•"/>
-              <a:defRPr sz="2000" kern="1200">
-                <a:solidFill>
-                  <a:schemeClr val="tx1"/>
-                </a:solidFill>
-                <a:latin typeface="+mn-lt"/>
-                <a:ea typeface="+mn-ea"/>
-                <a:cs typeface="+mn-cs"/>
-              </a:defRPr>
-            </a:lvl6pPr>
-            <a:lvl7pPr marL="2971800" indent="-228600" algn="l" defTabSz="914400" rtl="0" eaLnBrk="1" latinLnBrk="0" hangingPunct="1">
-              <a:spcBef>
-                <a:spcPct val="20000"/>
-              </a:spcBef>
-              <a:buFont typeface="Arial" pitchFamily="34" charset="0"/>
-              <a:buChar char="•"/>
-              <a:defRPr sz="2000" kern="1200">
-                <a:solidFill>
-                  <a:schemeClr val="tx1"/>
-                </a:solidFill>
-                <a:latin typeface="+mn-lt"/>
-                <a:ea typeface="+mn-ea"/>
-                <a:cs typeface="+mn-cs"/>
-              </a:defRPr>
-            </a:lvl7pPr>
-            <a:lvl8pPr marL="3429000" indent="-228600" algn="l" defTabSz="914400" rtl="0" eaLnBrk="1" latinLnBrk="0" hangingPunct="1">
-              <a:spcBef>
-                <a:spcPct val="20000"/>
-              </a:spcBef>
-              <a:buFont typeface="Arial" pitchFamily="34" charset="0"/>
-              <a:buChar char="•"/>
-              <a:defRPr sz="2000" kern="1200">
-                <a:solidFill>
-                  <a:schemeClr val="tx1"/>
-                </a:solidFill>
-                <a:latin typeface="+mn-lt"/>
-                <a:ea typeface="+mn-ea"/>
-                <a:cs typeface="+mn-cs"/>
-              </a:defRPr>
-            </a:lvl8pPr>
-            <a:lvl9pPr marL="3886200" indent="-228600" algn="l" defTabSz="914400" rtl="0" eaLnBrk="1" latinLnBrk="0" hangingPunct="1">
-              <a:spcBef>
-                <a:spcPct val="20000"/>
-              </a:spcBef>
-              <a:buFont typeface="Arial" pitchFamily="34" charset="0"/>
-              <a:buChar char="•"/>
-              <a:defRPr sz="2000" kern="1200">
-                <a:solidFill>
-                  <a:schemeClr val="tx1"/>
-                </a:solidFill>
-                <a:latin typeface="+mn-lt"/>
-                <a:ea typeface="+mn-ea"/>
-                <a:cs typeface="+mn-cs"/>
-              </a:defRPr>
-            </a:lvl9pPr>
-          </a:lstStyle>
-          <a:p>
-            <a:r>
-              <a:rPr lang="zh-TW" altLang="en-US" dirty="0"/>
-              <a:t>區塊規劃</a:t>
-            </a:r>
-          </a:p>
-        </p:txBody>
-      </p:sp>
-      <p:sp>
-        <p:nvSpPr>
-          <p:cNvPr id="18" name="內容版面配置區 5">
-            <a:extLst>
-              <a:ext uri="{FF2B5EF4-FFF2-40B4-BE49-F238E27FC236}">
-                <a16:creationId xmlns:a16="http://schemas.microsoft.com/office/drawing/2014/main" id="{E4BAA1DB-E892-4EAD-BD19-31CF4419FB78}"/>
-              </a:ext>
-            </a:extLst>
-          </p:cNvPr>
-          <p:cNvSpPr txBox="1">
-            <a:spLocks/>
-          </p:cNvSpPr>
-          <p:nvPr/>
-        </p:nvSpPr>
-        <p:spPr bwMode="ltGray">
-          <a:xfrm>
-            <a:off x="4299627" y="811509"/>
-            <a:ext cx="2066467" cy="684076"/>
-          </a:xfrm>
-          <a:prstGeom prst="rect">
-            <a:avLst/>
-          </a:prstGeom>
-          <a:noFill/>
-        </p:spPr>
-        <p:txBody>
-          <a:bodyPr vert="horz" lIns="91440" tIns="45720" rIns="91440" bIns="45720" rtlCol="0">
-            <a:normAutofit/>
-          </a:bodyPr>
-          <a:lstStyle>
-            <a:lvl1pPr marL="342900" indent="-342900" algn="l" defTabSz="914400" rtl="0" eaLnBrk="1" latinLnBrk="0" hangingPunct="1">
-              <a:lnSpc>
-                <a:spcPct val="100000"/>
-              </a:lnSpc>
-              <a:spcBef>
-                <a:spcPts val="600"/>
-              </a:spcBef>
-              <a:spcAft>
-                <a:spcPts val="600"/>
-              </a:spcAft>
-              <a:buClr>
-                <a:schemeClr val="accent1"/>
-              </a:buClr>
-              <a:buFont typeface="Wingdings" panose="05000000000000000000" pitchFamily="2" charset="2"/>
-              <a:buChar char="l"/>
-              <a:defRPr sz="2800" b="1" kern="1200">
-                <a:solidFill>
-                  <a:srgbClr val="FFFFFF"/>
-                </a:solidFill>
-                <a:latin typeface="微軟正黑體" pitchFamily="34" charset="-120"/>
-                <a:ea typeface="微軟正黑體" pitchFamily="34" charset="-120"/>
-                <a:cs typeface="+mn-cs"/>
-              </a:defRPr>
-            </a:lvl1pPr>
-            <a:lvl2pPr marL="714375" indent="-352425" algn="l" defTabSz="914400" rtl="0" eaLnBrk="1" latinLnBrk="0" hangingPunct="1">
-              <a:lnSpc>
-                <a:spcPct val="100000"/>
-              </a:lnSpc>
-              <a:spcBef>
-                <a:spcPts val="600"/>
-              </a:spcBef>
-              <a:spcAft>
-                <a:spcPts val="600"/>
-              </a:spcAft>
-              <a:buClr>
-                <a:schemeClr val="accent2"/>
-              </a:buClr>
-              <a:buFont typeface="Wingdings" panose="05000000000000000000" pitchFamily="2" charset="2"/>
-              <a:buChar char="u"/>
-              <a:defRPr sz="2400" b="0" kern="1200">
-                <a:solidFill>
-                  <a:srgbClr val="FFFFFF"/>
-                </a:solidFill>
-                <a:latin typeface="微軟正黑體" pitchFamily="34" charset="-120"/>
-                <a:ea typeface="微軟正黑體" pitchFamily="34" charset="-120"/>
-                <a:cs typeface="+mn-cs"/>
-              </a:defRPr>
-            </a:lvl2pPr>
-            <a:lvl3pPr marL="1076325" indent="-266700" algn="l" defTabSz="914400" rtl="0" eaLnBrk="1" latinLnBrk="0" hangingPunct="1">
-              <a:lnSpc>
-                <a:spcPct val="100000"/>
-              </a:lnSpc>
-              <a:spcBef>
-                <a:spcPts val="600"/>
-              </a:spcBef>
-              <a:spcAft>
-                <a:spcPts val="600"/>
-              </a:spcAft>
-              <a:buClr>
-                <a:schemeClr val="accent3"/>
-              </a:buClr>
-              <a:buFont typeface="Wingdings" panose="05000000000000000000" pitchFamily="2" charset="2"/>
-              <a:buChar char="p"/>
-              <a:defRPr sz="2000" kern="1200">
-                <a:solidFill>
-                  <a:srgbClr val="FFFFFF"/>
-                </a:solidFill>
-                <a:latin typeface="微軟正黑體" pitchFamily="34" charset="-120"/>
-                <a:ea typeface="微軟正黑體" pitchFamily="34" charset="-120"/>
-                <a:cs typeface="+mn-cs"/>
-              </a:defRPr>
-            </a:lvl3pPr>
-            <a:lvl4pPr marL="1343025" indent="-180975" algn="l" defTabSz="914400" rtl="0" eaLnBrk="1" latinLnBrk="0" hangingPunct="1">
-              <a:lnSpc>
-                <a:spcPct val="100000"/>
-              </a:lnSpc>
-              <a:spcBef>
-                <a:spcPts val="600"/>
-              </a:spcBef>
-              <a:spcAft>
-                <a:spcPts val="600"/>
-              </a:spcAft>
-              <a:buClr>
-                <a:schemeClr val="accent4"/>
-              </a:buClr>
-              <a:buFont typeface="Wingdings" panose="05000000000000000000" pitchFamily="2" charset="2"/>
-              <a:buChar char="n"/>
-              <a:defRPr sz="1800" kern="1200">
-                <a:solidFill>
-                  <a:srgbClr val="FFFFFF"/>
-                </a:solidFill>
-                <a:latin typeface="微軟正黑體" pitchFamily="34" charset="-120"/>
-                <a:ea typeface="微軟正黑體" pitchFamily="34" charset="-120"/>
-                <a:cs typeface="+mn-cs"/>
-              </a:defRPr>
-            </a:lvl4pPr>
-            <a:lvl5pPr marL="1619250" indent="-276225" algn="l" defTabSz="914400" rtl="0" eaLnBrk="1" latinLnBrk="0" hangingPunct="1">
-              <a:lnSpc>
-                <a:spcPct val="100000"/>
-              </a:lnSpc>
-              <a:spcBef>
-                <a:spcPts val="600"/>
-              </a:spcBef>
-              <a:spcAft>
-                <a:spcPts val="600"/>
-              </a:spcAft>
-              <a:buClr>
-                <a:schemeClr val="accent5"/>
-              </a:buClr>
-              <a:buFont typeface="Arial" pitchFamily="34" charset="0"/>
-              <a:buChar char="»"/>
-              <a:tabLst>
-                <a:tab pos="7981950" algn="l"/>
-              </a:tabLst>
-              <a:defRPr sz="1800" kern="1200">
-                <a:solidFill>
-                  <a:srgbClr val="FFFFFF"/>
-                </a:solidFill>
-                <a:latin typeface="微軟正黑體" pitchFamily="34" charset="-120"/>
-                <a:ea typeface="微軟正黑體" pitchFamily="34" charset="-120"/>
-                <a:cs typeface="+mn-cs"/>
-              </a:defRPr>
-            </a:lvl5pPr>
-            <a:lvl6pPr marL="2514600" indent="-228600" algn="l" defTabSz="914400" rtl="0" eaLnBrk="1" latinLnBrk="0" hangingPunct="1">
-              <a:spcBef>
-                <a:spcPct val="20000"/>
-              </a:spcBef>
-              <a:buFont typeface="Arial" pitchFamily="34" charset="0"/>
-              <a:buChar char="•"/>
-              <a:defRPr sz="2000" kern="1200">
-                <a:solidFill>
-                  <a:schemeClr val="tx1"/>
-                </a:solidFill>
-                <a:latin typeface="+mn-lt"/>
-                <a:ea typeface="+mn-ea"/>
-                <a:cs typeface="+mn-cs"/>
-              </a:defRPr>
-            </a:lvl6pPr>
-            <a:lvl7pPr marL="2971800" indent="-228600" algn="l" defTabSz="914400" rtl="0" eaLnBrk="1" latinLnBrk="0" hangingPunct="1">
-              <a:spcBef>
-                <a:spcPct val="20000"/>
-              </a:spcBef>
-              <a:buFont typeface="Arial" pitchFamily="34" charset="0"/>
-              <a:buChar char="•"/>
-              <a:defRPr sz="2000" kern="1200">
-                <a:solidFill>
-                  <a:schemeClr val="tx1"/>
-                </a:solidFill>
-                <a:latin typeface="+mn-lt"/>
-                <a:ea typeface="+mn-ea"/>
-                <a:cs typeface="+mn-cs"/>
-              </a:defRPr>
-            </a:lvl7pPr>
-            <a:lvl8pPr marL="3429000" indent="-228600" algn="l" defTabSz="914400" rtl="0" eaLnBrk="1" latinLnBrk="0" hangingPunct="1">
-              <a:spcBef>
-                <a:spcPct val="20000"/>
-              </a:spcBef>
-              <a:buFont typeface="Arial" pitchFamily="34" charset="0"/>
-              <a:buChar char="•"/>
-              <a:defRPr sz="2000" kern="1200">
-                <a:solidFill>
-                  <a:schemeClr val="tx1"/>
-                </a:solidFill>
-                <a:latin typeface="+mn-lt"/>
-                <a:ea typeface="+mn-ea"/>
-                <a:cs typeface="+mn-cs"/>
-              </a:defRPr>
-            </a:lvl8pPr>
-            <a:lvl9pPr marL="3886200" indent="-228600" algn="l" defTabSz="914400" rtl="0" eaLnBrk="1" latinLnBrk="0" hangingPunct="1">
-              <a:spcBef>
-                <a:spcPct val="20000"/>
-              </a:spcBef>
-              <a:buFont typeface="Arial" pitchFamily="34" charset="0"/>
-              <a:buChar char="•"/>
-              <a:defRPr sz="2000" kern="1200">
-                <a:solidFill>
-                  <a:schemeClr val="tx1"/>
-                </a:solidFill>
-                <a:latin typeface="+mn-lt"/>
-                <a:ea typeface="+mn-ea"/>
-                <a:cs typeface="+mn-cs"/>
-              </a:defRPr>
-            </a:lvl9pPr>
-          </a:lstStyle>
-          <a:p>
-            <a:r>
-              <a:rPr lang="zh-TW" altLang="en-US" dirty="0"/>
-              <a:t>序列規劃</a:t>
-            </a:r>
-          </a:p>
-        </p:txBody>
-      </p:sp>
-      <p:sp>
-        <p:nvSpPr>
-          <p:cNvPr id="19" name="內容版面配置區 5">
-            <a:extLst>
-              <a:ext uri="{FF2B5EF4-FFF2-40B4-BE49-F238E27FC236}">
-                <a16:creationId xmlns:a16="http://schemas.microsoft.com/office/drawing/2014/main" id="{9FB1E134-E2BE-4BFF-8E40-8905ECCC5674}"/>
-              </a:ext>
-            </a:extLst>
-          </p:cNvPr>
-          <p:cNvSpPr txBox="1">
-            <a:spLocks/>
-          </p:cNvSpPr>
-          <p:nvPr/>
-        </p:nvSpPr>
-        <p:spPr bwMode="ltGray">
-          <a:xfrm>
-            <a:off x="4299627" y="1412152"/>
-            <a:ext cx="2066467" cy="684076"/>
-          </a:xfrm>
-          <a:prstGeom prst="rect">
-            <a:avLst/>
-          </a:prstGeom>
-          <a:noFill/>
-        </p:spPr>
-        <p:txBody>
-          <a:bodyPr vert="horz" lIns="91440" tIns="45720" rIns="91440" bIns="45720" rtlCol="0">
-            <a:normAutofit/>
-          </a:bodyPr>
-          <a:lstStyle>
-            <a:lvl1pPr marL="342900" indent="-342900" algn="l" defTabSz="914400" rtl="0" eaLnBrk="1" latinLnBrk="0" hangingPunct="1">
-              <a:lnSpc>
-                <a:spcPct val="100000"/>
-              </a:lnSpc>
-              <a:spcBef>
-                <a:spcPts val="600"/>
-              </a:spcBef>
-              <a:spcAft>
-                <a:spcPts val="600"/>
-              </a:spcAft>
-              <a:buClr>
-                <a:schemeClr val="accent1"/>
-              </a:buClr>
-              <a:buFont typeface="Wingdings" panose="05000000000000000000" pitchFamily="2" charset="2"/>
-              <a:buChar char="l"/>
-              <a:defRPr sz="2800" b="1" kern="1200">
-                <a:solidFill>
-                  <a:srgbClr val="FFFFFF"/>
-                </a:solidFill>
-                <a:latin typeface="微軟正黑體" pitchFamily="34" charset="-120"/>
-                <a:ea typeface="微軟正黑體" pitchFamily="34" charset="-120"/>
-                <a:cs typeface="+mn-cs"/>
-              </a:defRPr>
-            </a:lvl1pPr>
-            <a:lvl2pPr marL="714375" indent="-352425" algn="l" defTabSz="914400" rtl="0" eaLnBrk="1" latinLnBrk="0" hangingPunct="1">
-              <a:lnSpc>
-                <a:spcPct val="100000"/>
-              </a:lnSpc>
-              <a:spcBef>
-                <a:spcPts val="600"/>
-              </a:spcBef>
-              <a:spcAft>
-                <a:spcPts val="600"/>
-              </a:spcAft>
-              <a:buClr>
-                <a:schemeClr val="accent2"/>
-              </a:buClr>
-              <a:buFont typeface="Wingdings" panose="05000000000000000000" pitchFamily="2" charset="2"/>
-              <a:buChar char="u"/>
-              <a:defRPr sz="2400" b="0" kern="1200">
-                <a:solidFill>
-                  <a:srgbClr val="FFFFFF"/>
-                </a:solidFill>
-                <a:latin typeface="微軟正黑體" pitchFamily="34" charset="-120"/>
-                <a:ea typeface="微軟正黑體" pitchFamily="34" charset="-120"/>
-                <a:cs typeface="+mn-cs"/>
-              </a:defRPr>
-            </a:lvl2pPr>
-            <a:lvl3pPr marL="1076325" indent="-266700" algn="l" defTabSz="914400" rtl="0" eaLnBrk="1" latinLnBrk="0" hangingPunct="1">
-              <a:lnSpc>
-                <a:spcPct val="100000"/>
-              </a:lnSpc>
-              <a:spcBef>
-                <a:spcPts val="600"/>
-              </a:spcBef>
-              <a:spcAft>
-                <a:spcPts val="600"/>
-              </a:spcAft>
-              <a:buClr>
-                <a:schemeClr val="accent3"/>
-              </a:buClr>
-              <a:buFont typeface="Wingdings" panose="05000000000000000000" pitchFamily="2" charset="2"/>
-              <a:buChar char="p"/>
-              <a:defRPr sz="2000" kern="1200">
-                <a:solidFill>
-                  <a:srgbClr val="FFFFFF"/>
-                </a:solidFill>
-                <a:latin typeface="微軟正黑體" pitchFamily="34" charset="-120"/>
-                <a:ea typeface="微軟正黑體" pitchFamily="34" charset="-120"/>
-                <a:cs typeface="+mn-cs"/>
-              </a:defRPr>
-            </a:lvl3pPr>
-            <a:lvl4pPr marL="1343025" indent="-180975" algn="l" defTabSz="914400" rtl="0" eaLnBrk="1" latinLnBrk="0" hangingPunct="1">
-              <a:lnSpc>
-                <a:spcPct val="100000"/>
-              </a:lnSpc>
-              <a:spcBef>
-                <a:spcPts val="600"/>
-              </a:spcBef>
-              <a:spcAft>
-                <a:spcPts val="600"/>
-              </a:spcAft>
-              <a:buClr>
-                <a:schemeClr val="accent4"/>
-              </a:buClr>
-              <a:buFont typeface="Wingdings" panose="05000000000000000000" pitchFamily="2" charset="2"/>
-              <a:buChar char="n"/>
-              <a:defRPr sz="1800" kern="1200">
-                <a:solidFill>
-                  <a:srgbClr val="FFFFFF"/>
-                </a:solidFill>
-                <a:latin typeface="微軟正黑體" pitchFamily="34" charset="-120"/>
-                <a:ea typeface="微軟正黑體" pitchFamily="34" charset="-120"/>
-                <a:cs typeface="+mn-cs"/>
-              </a:defRPr>
-            </a:lvl4pPr>
-            <a:lvl5pPr marL="1619250" indent="-276225" algn="l" defTabSz="914400" rtl="0" eaLnBrk="1" latinLnBrk="0" hangingPunct="1">
-              <a:lnSpc>
-                <a:spcPct val="100000"/>
-              </a:lnSpc>
-              <a:spcBef>
-                <a:spcPts val="600"/>
-              </a:spcBef>
-              <a:spcAft>
-                <a:spcPts val="600"/>
-              </a:spcAft>
-              <a:buClr>
-                <a:schemeClr val="accent5"/>
-              </a:buClr>
-              <a:buFont typeface="Arial" pitchFamily="34" charset="0"/>
-              <a:buChar char="»"/>
-              <a:tabLst>
-                <a:tab pos="7981950" algn="l"/>
-              </a:tabLst>
-              <a:defRPr sz="1800" kern="1200">
-                <a:solidFill>
-                  <a:srgbClr val="FFFFFF"/>
-                </a:solidFill>
-                <a:latin typeface="微軟正黑體" pitchFamily="34" charset="-120"/>
-                <a:ea typeface="微軟正黑體" pitchFamily="34" charset="-120"/>
-                <a:cs typeface="+mn-cs"/>
-              </a:defRPr>
-            </a:lvl5pPr>
-            <a:lvl6pPr marL="2514600" indent="-228600" algn="l" defTabSz="914400" rtl="0" eaLnBrk="1" latinLnBrk="0" hangingPunct="1">
-              <a:spcBef>
-                <a:spcPct val="20000"/>
-              </a:spcBef>
-              <a:buFont typeface="Arial" pitchFamily="34" charset="0"/>
-              <a:buChar char="•"/>
-              <a:defRPr sz="2000" kern="1200">
-                <a:solidFill>
-                  <a:schemeClr val="tx1"/>
-                </a:solidFill>
-                <a:latin typeface="+mn-lt"/>
-                <a:ea typeface="+mn-ea"/>
-                <a:cs typeface="+mn-cs"/>
-              </a:defRPr>
-            </a:lvl6pPr>
-            <a:lvl7pPr marL="2971800" indent="-228600" algn="l" defTabSz="914400" rtl="0" eaLnBrk="1" latinLnBrk="0" hangingPunct="1">
-              <a:spcBef>
-                <a:spcPct val="20000"/>
-              </a:spcBef>
-              <a:buFont typeface="Arial" pitchFamily="34" charset="0"/>
-              <a:buChar char="•"/>
-              <a:defRPr sz="2000" kern="1200">
-                <a:solidFill>
-                  <a:schemeClr val="tx1"/>
-                </a:solidFill>
-                <a:latin typeface="+mn-lt"/>
-                <a:ea typeface="+mn-ea"/>
-                <a:cs typeface="+mn-cs"/>
-              </a:defRPr>
-            </a:lvl7pPr>
-            <a:lvl8pPr marL="3429000" indent="-228600" algn="l" defTabSz="914400" rtl="0" eaLnBrk="1" latinLnBrk="0" hangingPunct="1">
-              <a:spcBef>
-                <a:spcPct val="20000"/>
-              </a:spcBef>
-              <a:buFont typeface="Arial" pitchFamily="34" charset="0"/>
-              <a:buChar char="•"/>
-              <a:defRPr sz="2000" kern="1200">
-                <a:solidFill>
-                  <a:schemeClr val="tx1"/>
-                </a:solidFill>
-                <a:latin typeface="+mn-lt"/>
-                <a:ea typeface="+mn-ea"/>
-                <a:cs typeface="+mn-cs"/>
-              </a:defRPr>
-            </a:lvl8pPr>
-            <a:lvl9pPr marL="3886200" indent="-228600" algn="l" defTabSz="914400" rtl="0" eaLnBrk="1" latinLnBrk="0" hangingPunct="1">
-              <a:spcBef>
-                <a:spcPct val="20000"/>
-              </a:spcBef>
-              <a:buFont typeface="Arial" pitchFamily="34" charset="0"/>
-              <a:buChar char="•"/>
-              <a:defRPr sz="2000" kern="1200">
-                <a:solidFill>
-                  <a:schemeClr val="tx1"/>
-                </a:solidFill>
-                <a:latin typeface="+mn-lt"/>
-                <a:ea typeface="+mn-ea"/>
-                <a:cs typeface="+mn-cs"/>
-              </a:defRPr>
-            </a:lvl9pPr>
-          </a:lstStyle>
-          <a:p>
-            <a:r>
-              <a:rPr lang="zh-TW" altLang="en-US" dirty="0"/>
-              <a:t>版面規劃</a:t>
-            </a:r>
-          </a:p>
-        </p:txBody>
-      </p:sp>
-      <p:sp>
-        <p:nvSpPr>
-          <p:cNvPr id="20" name="內容版面配置區 5">
-            <a:extLst>
-              <a:ext uri="{FF2B5EF4-FFF2-40B4-BE49-F238E27FC236}">
-                <a16:creationId xmlns:a16="http://schemas.microsoft.com/office/drawing/2014/main" id="{CAAA4D48-3490-4472-8A6F-FB4680D6D9CF}"/>
-              </a:ext>
-            </a:extLst>
-          </p:cNvPr>
-          <p:cNvSpPr txBox="1">
-            <a:spLocks/>
-          </p:cNvSpPr>
-          <p:nvPr/>
-        </p:nvSpPr>
-        <p:spPr bwMode="ltGray">
-          <a:xfrm>
-            <a:off x="6366093" y="811009"/>
-            <a:ext cx="2066467" cy="684076"/>
-          </a:xfrm>
-          <a:prstGeom prst="rect">
-            <a:avLst/>
-          </a:prstGeom>
-          <a:noFill/>
-        </p:spPr>
-        <p:txBody>
-          <a:bodyPr vert="horz" lIns="91440" tIns="45720" rIns="91440" bIns="45720" rtlCol="0">
-            <a:normAutofit/>
-          </a:bodyPr>
-          <a:lstStyle>
-            <a:lvl1pPr marL="342900" indent="-342900" algn="l" defTabSz="914400" rtl="0" eaLnBrk="1" latinLnBrk="0" hangingPunct="1">
-              <a:lnSpc>
-                <a:spcPct val="100000"/>
-              </a:lnSpc>
-              <a:spcBef>
-                <a:spcPts val="600"/>
-              </a:spcBef>
-              <a:spcAft>
-                <a:spcPts val="600"/>
-              </a:spcAft>
-              <a:buClr>
-                <a:schemeClr val="accent1"/>
-              </a:buClr>
-              <a:buFont typeface="Wingdings" panose="05000000000000000000" pitchFamily="2" charset="2"/>
-              <a:buChar char="l"/>
-              <a:defRPr sz="2800" b="1" kern="1200">
-                <a:solidFill>
-                  <a:srgbClr val="FFFFFF"/>
-                </a:solidFill>
-                <a:latin typeface="微軟正黑體" pitchFamily="34" charset="-120"/>
-                <a:ea typeface="微軟正黑體" pitchFamily="34" charset="-120"/>
-                <a:cs typeface="+mn-cs"/>
-              </a:defRPr>
-            </a:lvl1pPr>
-            <a:lvl2pPr marL="714375" indent="-352425" algn="l" defTabSz="914400" rtl="0" eaLnBrk="1" latinLnBrk="0" hangingPunct="1">
-              <a:lnSpc>
-                <a:spcPct val="100000"/>
-              </a:lnSpc>
-              <a:spcBef>
-                <a:spcPts val="600"/>
-              </a:spcBef>
-              <a:spcAft>
-                <a:spcPts val="600"/>
-              </a:spcAft>
-              <a:buClr>
-                <a:schemeClr val="accent2"/>
-              </a:buClr>
-              <a:buFont typeface="Wingdings" panose="05000000000000000000" pitchFamily="2" charset="2"/>
-              <a:buChar char="u"/>
-              <a:defRPr sz="2400" b="0" kern="1200">
-                <a:solidFill>
-                  <a:srgbClr val="FFFFFF"/>
-                </a:solidFill>
-                <a:latin typeface="微軟正黑體" pitchFamily="34" charset="-120"/>
-                <a:ea typeface="微軟正黑體" pitchFamily="34" charset="-120"/>
-                <a:cs typeface="+mn-cs"/>
-              </a:defRPr>
-            </a:lvl2pPr>
-            <a:lvl3pPr marL="1076325" indent="-266700" algn="l" defTabSz="914400" rtl="0" eaLnBrk="1" latinLnBrk="0" hangingPunct="1">
-              <a:lnSpc>
-                <a:spcPct val="100000"/>
-              </a:lnSpc>
-              <a:spcBef>
-                <a:spcPts val="600"/>
-              </a:spcBef>
-              <a:spcAft>
-                <a:spcPts val="600"/>
-              </a:spcAft>
-              <a:buClr>
-                <a:schemeClr val="accent3"/>
-              </a:buClr>
-              <a:buFont typeface="Wingdings" panose="05000000000000000000" pitchFamily="2" charset="2"/>
-              <a:buChar char="p"/>
-              <a:defRPr sz="2000" kern="1200">
-                <a:solidFill>
-                  <a:srgbClr val="FFFFFF"/>
-                </a:solidFill>
-                <a:latin typeface="微軟正黑體" pitchFamily="34" charset="-120"/>
-                <a:ea typeface="微軟正黑體" pitchFamily="34" charset="-120"/>
-                <a:cs typeface="+mn-cs"/>
-              </a:defRPr>
-            </a:lvl3pPr>
-            <a:lvl4pPr marL="1343025" indent="-180975" algn="l" defTabSz="914400" rtl="0" eaLnBrk="1" latinLnBrk="0" hangingPunct="1">
-              <a:lnSpc>
-                <a:spcPct val="100000"/>
-              </a:lnSpc>
-              <a:spcBef>
-                <a:spcPts val="600"/>
-              </a:spcBef>
-              <a:spcAft>
-                <a:spcPts val="600"/>
-              </a:spcAft>
-              <a:buClr>
-                <a:schemeClr val="accent4"/>
-              </a:buClr>
-              <a:buFont typeface="Wingdings" panose="05000000000000000000" pitchFamily="2" charset="2"/>
-              <a:buChar char="n"/>
-              <a:defRPr sz="1800" kern="1200">
-                <a:solidFill>
-                  <a:srgbClr val="FFFFFF"/>
-                </a:solidFill>
-                <a:latin typeface="微軟正黑體" pitchFamily="34" charset="-120"/>
-                <a:ea typeface="微軟正黑體" pitchFamily="34" charset="-120"/>
-                <a:cs typeface="+mn-cs"/>
-              </a:defRPr>
-            </a:lvl4pPr>
-            <a:lvl5pPr marL="1619250" indent="-276225" algn="l" defTabSz="914400" rtl="0" eaLnBrk="1" latinLnBrk="0" hangingPunct="1">
-              <a:lnSpc>
-                <a:spcPct val="100000"/>
-              </a:lnSpc>
-              <a:spcBef>
-                <a:spcPts val="600"/>
-              </a:spcBef>
-              <a:spcAft>
-                <a:spcPts val="600"/>
-              </a:spcAft>
-              <a:buClr>
-                <a:schemeClr val="accent5"/>
-              </a:buClr>
-              <a:buFont typeface="Arial" pitchFamily="34" charset="0"/>
-              <a:buChar char="»"/>
-              <a:tabLst>
-                <a:tab pos="7981950" algn="l"/>
-              </a:tabLst>
-              <a:defRPr sz="1800" kern="1200">
-                <a:solidFill>
-                  <a:srgbClr val="FFFFFF"/>
-                </a:solidFill>
-                <a:latin typeface="微軟正黑體" pitchFamily="34" charset="-120"/>
-                <a:ea typeface="微軟正黑體" pitchFamily="34" charset="-120"/>
-                <a:cs typeface="+mn-cs"/>
-              </a:defRPr>
-            </a:lvl5pPr>
-            <a:lvl6pPr marL="2514600" indent="-228600" algn="l" defTabSz="914400" rtl="0" eaLnBrk="1" latinLnBrk="0" hangingPunct="1">
-              <a:spcBef>
-                <a:spcPct val="20000"/>
-              </a:spcBef>
-              <a:buFont typeface="Arial" pitchFamily="34" charset="0"/>
-              <a:buChar char="•"/>
-              <a:defRPr sz="2000" kern="1200">
-                <a:solidFill>
-                  <a:schemeClr val="tx1"/>
-                </a:solidFill>
-                <a:latin typeface="+mn-lt"/>
-                <a:ea typeface="+mn-ea"/>
-                <a:cs typeface="+mn-cs"/>
-              </a:defRPr>
-            </a:lvl6pPr>
-            <a:lvl7pPr marL="2971800" indent="-228600" algn="l" defTabSz="914400" rtl="0" eaLnBrk="1" latinLnBrk="0" hangingPunct="1">
-              <a:spcBef>
-                <a:spcPct val="20000"/>
-              </a:spcBef>
-              <a:buFont typeface="Arial" pitchFamily="34" charset="0"/>
-              <a:buChar char="•"/>
-              <a:defRPr sz="2000" kern="1200">
-                <a:solidFill>
-                  <a:schemeClr val="tx1"/>
-                </a:solidFill>
-                <a:latin typeface="+mn-lt"/>
-                <a:ea typeface="+mn-ea"/>
-                <a:cs typeface="+mn-cs"/>
-              </a:defRPr>
-            </a:lvl7pPr>
-            <a:lvl8pPr marL="3429000" indent="-228600" algn="l" defTabSz="914400" rtl="0" eaLnBrk="1" latinLnBrk="0" hangingPunct="1">
-              <a:spcBef>
-                <a:spcPct val="20000"/>
-              </a:spcBef>
-              <a:buFont typeface="Arial" pitchFamily="34" charset="0"/>
-              <a:buChar char="•"/>
-              <a:defRPr sz="2000" kern="1200">
-                <a:solidFill>
-                  <a:schemeClr val="tx1"/>
-                </a:solidFill>
-                <a:latin typeface="+mn-lt"/>
-                <a:ea typeface="+mn-ea"/>
-                <a:cs typeface="+mn-cs"/>
-              </a:defRPr>
-            </a:lvl8pPr>
-            <a:lvl9pPr marL="3886200" indent="-228600" algn="l" defTabSz="914400" rtl="0" eaLnBrk="1" latinLnBrk="0" hangingPunct="1">
-              <a:spcBef>
-                <a:spcPct val="20000"/>
-              </a:spcBef>
-              <a:buFont typeface="Arial" pitchFamily="34" charset="0"/>
-              <a:buChar char="•"/>
-              <a:defRPr sz="2000" kern="1200">
-                <a:solidFill>
-                  <a:schemeClr val="tx1"/>
-                </a:solidFill>
-                <a:latin typeface="+mn-lt"/>
-                <a:ea typeface="+mn-ea"/>
-                <a:cs typeface="+mn-cs"/>
-              </a:defRPr>
-            </a:lvl9pPr>
-          </a:lstStyle>
-          <a:p>
-            <a:r>
-              <a:rPr lang="zh-TW" altLang="en-US" dirty="0"/>
-              <a:t>插入連結</a:t>
-            </a:r>
-          </a:p>
-        </p:txBody>
-      </p:sp>
-      <p:sp>
-        <p:nvSpPr>
-          <p:cNvPr id="21" name="內容版面配置區 5">
-            <a:extLst>
-              <a:ext uri="{FF2B5EF4-FFF2-40B4-BE49-F238E27FC236}">
-                <a16:creationId xmlns:a16="http://schemas.microsoft.com/office/drawing/2014/main" id="{949F3FF2-CA89-4FD8-8AF3-237B5CD62BA8}"/>
-              </a:ext>
-            </a:extLst>
-          </p:cNvPr>
-          <p:cNvSpPr txBox="1">
-            <a:spLocks/>
-          </p:cNvSpPr>
-          <p:nvPr/>
-        </p:nvSpPr>
-        <p:spPr bwMode="ltGray">
-          <a:xfrm>
-            <a:off x="6366093" y="1386404"/>
-            <a:ext cx="3195419" cy="530428"/>
-          </a:xfrm>
-          <a:prstGeom prst="rect">
-            <a:avLst/>
-          </a:prstGeom>
-          <a:noFill/>
-        </p:spPr>
-        <p:txBody>
-          <a:bodyPr vert="horz" lIns="91440" tIns="45720" rIns="91440" bIns="45720" rtlCol="0">
-            <a:normAutofit/>
-          </a:bodyPr>
-          <a:lstStyle>
-            <a:lvl1pPr marL="342900" indent="-342900" algn="l" defTabSz="914400" rtl="0" eaLnBrk="1" latinLnBrk="0" hangingPunct="1">
-              <a:lnSpc>
-                <a:spcPct val="100000"/>
-              </a:lnSpc>
-              <a:spcBef>
-                <a:spcPts val="600"/>
-              </a:spcBef>
-              <a:spcAft>
-                <a:spcPts val="600"/>
-              </a:spcAft>
-              <a:buClr>
-                <a:schemeClr val="accent1"/>
-              </a:buClr>
-              <a:buFont typeface="Wingdings" panose="05000000000000000000" pitchFamily="2" charset="2"/>
-              <a:buChar char="l"/>
-              <a:defRPr sz="2800" b="1" kern="1200">
-                <a:solidFill>
-                  <a:srgbClr val="FFFFFF"/>
-                </a:solidFill>
-                <a:latin typeface="微軟正黑體" pitchFamily="34" charset="-120"/>
-                <a:ea typeface="微軟正黑體" pitchFamily="34" charset="-120"/>
-                <a:cs typeface="+mn-cs"/>
-              </a:defRPr>
-            </a:lvl1pPr>
-            <a:lvl2pPr marL="714375" indent="-352425" algn="l" defTabSz="914400" rtl="0" eaLnBrk="1" latinLnBrk="0" hangingPunct="1">
-              <a:lnSpc>
-                <a:spcPct val="100000"/>
-              </a:lnSpc>
-              <a:spcBef>
-                <a:spcPts val="600"/>
-              </a:spcBef>
-              <a:spcAft>
-                <a:spcPts val="600"/>
-              </a:spcAft>
-              <a:buClr>
-                <a:schemeClr val="accent2"/>
-              </a:buClr>
-              <a:buFont typeface="Wingdings" panose="05000000000000000000" pitchFamily="2" charset="2"/>
-              <a:buChar char="u"/>
-              <a:defRPr sz="2400" b="0" kern="1200">
-                <a:solidFill>
-                  <a:srgbClr val="FFFFFF"/>
-                </a:solidFill>
-                <a:latin typeface="微軟正黑體" pitchFamily="34" charset="-120"/>
-                <a:ea typeface="微軟正黑體" pitchFamily="34" charset="-120"/>
-                <a:cs typeface="+mn-cs"/>
-              </a:defRPr>
-            </a:lvl2pPr>
-            <a:lvl3pPr marL="1076325" indent="-266700" algn="l" defTabSz="914400" rtl="0" eaLnBrk="1" latinLnBrk="0" hangingPunct="1">
-              <a:lnSpc>
-                <a:spcPct val="100000"/>
-              </a:lnSpc>
-              <a:spcBef>
-                <a:spcPts val="600"/>
-              </a:spcBef>
-              <a:spcAft>
-                <a:spcPts val="600"/>
-              </a:spcAft>
-              <a:buClr>
-                <a:schemeClr val="accent3"/>
-              </a:buClr>
-              <a:buFont typeface="Wingdings" panose="05000000000000000000" pitchFamily="2" charset="2"/>
-              <a:buChar char="p"/>
-              <a:defRPr sz="2000" kern="1200">
-                <a:solidFill>
-                  <a:srgbClr val="FFFFFF"/>
-                </a:solidFill>
-                <a:latin typeface="微軟正黑體" pitchFamily="34" charset="-120"/>
-                <a:ea typeface="微軟正黑體" pitchFamily="34" charset="-120"/>
-                <a:cs typeface="+mn-cs"/>
-              </a:defRPr>
-            </a:lvl3pPr>
-            <a:lvl4pPr marL="1343025" indent="-180975" algn="l" defTabSz="914400" rtl="0" eaLnBrk="1" latinLnBrk="0" hangingPunct="1">
-              <a:lnSpc>
-                <a:spcPct val="100000"/>
-              </a:lnSpc>
-              <a:spcBef>
-                <a:spcPts val="600"/>
-              </a:spcBef>
-              <a:spcAft>
-                <a:spcPts val="600"/>
-              </a:spcAft>
-              <a:buClr>
-                <a:schemeClr val="accent4"/>
-              </a:buClr>
-              <a:buFont typeface="Wingdings" panose="05000000000000000000" pitchFamily="2" charset="2"/>
-              <a:buChar char="n"/>
-              <a:defRPr sz="1800" kern="1200">
-                <a:solidFill>
-                  <a:srgbClr val="FFFFFF"/>
-                </a:solidFill>
-                <a:latin typeface="微軟正黑體" pitchFamily="34" charset="-120"/>
-                <a:ea typeface="微軟正黑體" pitchFamily="34" charset="-120"/>
-                <a:cs typeface="+mn-cs"/>
-              </a:defRPr>
-            </a:lvl4pPr>
-            <a:lvl5pPr marL="1619250" indent="-276225" algn="l" defTabSz="914400" rtl="0" eaLnBrk="1" latinLnBrk="0" hangingPunct="1">
-              <a:lnSpc>
-                <a:spcPct val="100000"/>
-              </a:lnSpc>
-              <a:spcBef>
-                <a:spcPts val="600"/>
-              </a:spcBef>
-              <a:spcAft>
-                <a:spcPts val="600"/>
-              </a:spcAft>
-              <a:buClr>
-                <a:schemeClr val="accent5"/>
-              </a:buClr>
-              <a:buFont typeface="Arial" pitchFamily="34" charset="0"/>
-              <a:buChar char="»"/>
-              <a:tabLst>
-                <a:tab pos="7981950" algn="l"/>
-              </a:tabLst>
-              <a:defRPr sz="1800" kern="1200">
-                <a:solidFill>
-                  <a:srgbClr val="FFFFFF"/>
-                </a:solidFill>
-                <a:latin typeface="微軟正黑體" pitchFamily="34" charset="-120"/>
-                <a:ea typeface="微軟正黑體" pitchFamily="34" charset="-120"/>
-                <a:cs typeface="+mn-cs"/>
-              </a:defRPr>
-            </a:lvl5pPr>
-            <a:lvl6pPr marL="2514600" indent="-228600" algn="l" defTabSz="914400" rtl="0" eaLnBrk="1" latinLnBrk="0" hangingPunct="1">
-              <a:spcBef>
-                <a:spcPct val="20000"/>
-              </a:spcBef>
-              <a:buFont typeface="Arial" pitchFamily="34" charset="0"/>
-              <a:buChar char="•"/>
-              <a:defRPr sz="2000" kern="1200">
-                <a:solidFill>
-                  <a:schemeClr val="tx1"/>
-                </a:solidFill>
-                <a:latin typeface="+mn-lt"/>
-                <a:ea typeface="+mn-ea"/>
-                <a:cs typeface="+mn-cs"/>
-              </a:defRPr>
-            </a:lvl6pPr>
-            <a:lvl7pPr marL="2971800" indent="-228600" algn="l" defTabSz="914400" rtl="0" eaLnBrk="1" latinLnBrk="0" hangingPunct="1">
-              <a:spcBef>
-                <a:spcPct val="20000"/>
-              </a:spcBef>
-              <a:buFont typeface="Arial" pitchFamily="34" charset="0"/>
-              <a:buChar char="•"/>
-              <a:defRPr sz="2000" kern="1200">
-                <a:solidFill>
-                  <a:schemeClr val="tx1"/>
-                </a:solidFill>
-                <a:latin typeface="+mn-lt"/>
-                <a:ea typeface="+mn-ea"/>
-                <a:cs typeface="+mn-cs"/>
-              </a:defRPr>
-            </a:lvl7pPr>
-            <a:lvl8pPr marL="3429000" indent="-228600" algn="l" defTabSz="914400" rtl="0" eaLnBrk="1" latinLnBrk="0" hangingPunct="1">
-              <a:spcBef>
-                <a:spcPct val="20000"/>
-              </a:spcBef>
-              <a:buFont typeface="Arial" pitchFamily="34" charset="0"/>
-              <a:buChar char="•"/>
-              <a:defRPr sz="2000" kern="1200">
-                <a:solidFill>
-                  <a:schemeClr val="tx1"/>
-                </a:solidFill>
-                <a:latin typeface="+mn-lt"/>
-                <a:ea typeface="+mn-ea"/>
-                <a:cs typeface="+mn-cs"/>
-              </a:defRPr>
-            </a:lvl8pPr>
-            <a:lvl9pPr marL="3886200" indent="-228600" algn="l" defTabSz="914400" rtl="0" eaLnBrk="1" latinLnBrk="0" hangingPunct="1">
-              <a:spcBef>
-                <a:spcPct val="20000"/>
-              </a:spcBef>
-              <a:buFont typeface="Arial" pitchFamily="34" charset="0"/>
-              <a:buChar char="•"/>
-              <a:defRPr sz="2000" kern="1200">
-                <a:solidFill>
-                  <a:schemeClr val="tx1"/>
-                </a:solidFill>
-                <a:latin typeface="+mn-lt"/>
-                <a:ea typeface="+mn-ea"/>
-                <a:cs typeface="+mn-cs"/>
-              </a:defRPr>
-            </a:lvl9pPr>
-          </a:lstStyle>
-          <a:p>
-            <a:r>
-              <a:rPr lang="zh-TW" altLang="en-US" dirty="0"/>
-              <a:t>紀錄與清除</a:t>
-            </a:r>
-          </a:p>
-        </p:txBody>
-      </p:sp>
+      </p:pic>
     </p:spTree>
     <p:extLst>
       <p:ext uri="{BB962C8B-B14F-4D97-AF65-F5344CB8AC3E}">
@@ -4699,1973 +3505,10 @@
   <p:clrMapOvr>
     <a:masterClrMapping/>
   </p:clrMapOvr>
-  <p:timing>
-    <p:tnLst>
-      <p:par>
-        <p:cTn id="1" dur="indefinite" restart="never" nodeType="tmRoot">
-          <p:childTnLst>
-            <p:seq concurrent="1" nextAc="seek">
-              <p:cTn id="2" dur="indefinite" nodeType="mainSeq">
-                <p:childTnLst>
-                  <p:par>
-                    <p:cTn id="3" fill="hold">
-                      <p:stCondLst>
-                        <p:cond delay="indefinite"/>
-                      </p:stCondLst>
-                      <p:childTnLst>
-                        <p:par>
-                          <p:cTn id="4" fill="hold">
-                            <p:stCondLst>
-                              <p:cond delay="0"/>
-                            </p:stCondLst>
-                            <p:childTnLst>
-                              <p:par>
-                                <p:cTn id="5" presetID="42" presetClass="entr" presetSubtype="0" fill="hold" grpId="0" nodeType="clickEffect">
-                                  <p:stCondLst>
-                                    <p:cond delay="0"/>
-                                  </p:stCondLst>
-                                  <p:childTnLst>
-                                    <p:set>
-                                      <p:cBhvr>
-                                        <p:cTn id="6" dur="1" fill="hold">
-                                          <p:stCondLst>
-                                            <p:cond delay="0"/>
-                                          </p:stCondLst>
-                                        </p:cTn>
-                                        <p:tgtEl>
-                                          <p:spTgt spid="6">
-                                            <p:txEl>
-                                              <p:pRg st="0" end="0"/>
-                                            </p:txEl>
-                                          </p:spTgt>
-                                        </p:tgtEl>
-                                        <p:attrNameLst>
-                                          <p:attrName>style.visibility</p:attrName>
-                                        </p:attrNameLst>
-                                      </p:cBhvr>
-                                      <p:to>
-                                        <p:strVal val="visible"/>
-                                      </p:to>
-                                    </p:set>
-                                    <p:animEffect transition="in" filter="fade">
-                                      <p:cBhvr>
-                                        <p:cTn id="7" dur="1000"/>
-                                        <p:tgtEl>
-                                          <p:spTgt spid="6">
-                                            <p:txEl>
-                                              <p:pRg st="0" end="0"/>
-                                            </p:txEl>
-                                          </p:spTgt>
-                                        </p:tgtEl>
-                                      </p:cBhvr>
-                                    </p:animEffect>
-                                    <p:anim calcmode="lin" valueType="num">
-                                      <p:cBhvr>
-                                        <p:cTn id="8" dur="1000" fill="hold"/>
-                                        <p:tgtEl>
-                                          <p:spTgt spid="6">
-                                            <p:txEl>
-                                              <p:pRg st="0" end="0"/>
-                                            </p:txEl>
-                                          </p:spTgt>
-                                        </p:tgtEl>
-                                        <p:attrNameLst>
-                                          <p:attrName>ppt_x</p:attrName>
-                                        </p:attrNameLst>
-                                      </p:cBhvr>
-                                      <p:tavLst>
-                                        <p:tav tm="0">
-                                          <p:val>
-                                            <p:strVal val="#ppt_x"/>
-                                          </p:val>
-                                        </p:tav>
-                                        <p:tav tm="100000">
-                                          <p:val>
-                                            <p:strVal val="#ppt_x"/>
-                                          </p:val>
-                                        </p:tav>
-                                      </p:tavLst>
-                                    </p:anim>
-                                    <p:anim calcmode="lin" valueType="num">
-                                      <p:cBhvr>
-                                        <p:cTn id="9" dur="1000" fill="hold"/>
-                                        <p:tgtEl>
-                                          <p:spTgt spid="6">
-                                            <p:txEl>
-                                              <p:pRg st="0" end="0"/>
-                                            </p:txEl>
-                                          </p:spTgt>
-                                        </p:tgtEl>
-                                        <p:attrNameLst>
-                                          <p:attrName>ppt_y</p:attrName>
-                                        </p:attrNameLst>
-                                      </p:cBhvr>
-                                      <p:tavLst>
-                                        <p:tav tm="0">
-                                          <p:val>
-                                            <p:strVal val="#ppt_y+.1"/>
-                                          </p:val>
-                                        </p:tav>
-                                        <p:tav tm="100000">
-                                          <p:val>
-                                            <p:strVal val="#ppt_y"/>
-                                          </p:val>
-                                        </p:tav>
-                                      </p:tavLst>
-                                    </p:anim>
-                                  </p:childTnLst>
-                                </p:cTn>
-                              </p:par>
-                              <p:par>
-                                <p:cTn id="10" presetID="42" presetClass="entr" presetSubtype="0" fill="hold" grpId="0" nodeType="withEffect">
-                                  <p:stCondLst>
-                                    <p:cond delay="0"/>
-                                  </p:stCondLst>
-                                  <p:childTnLst>
-                                    <p:set>
-                                      <p:cBhvr>
-                                        <p:cTn id="11" dur="1" fill="hold">
-                                          <p:stCondLst>
-                                            <p:cond delay="0"/>
-                                          </p:stCondLst>
-                                        </p:cTn>
-                                        <p:tgtEl>
-                                          <p:spTgt spid="4"/>
-                                        </p:tgtEl>
-                                        <p:attrNameLst>
-                                          <p:attrName>style.visibility</p:attrName>
-                                        </p:attrNameLst>
-                                      </p:cBhvr>
-                                      <p:to>
-                                        <p:strVal val="visible"/>
-                                      </p:to>
-                                    </p:set>
-                                    <p:animEffect transition="in" filter="fade">
-                                      <p:cBhvr>
-                                        <p:cTn id="12" dur="1000"/>
-                                        <p:tgtEl>
-                                          <p:spTgt spid="4"/>
-                                        </p:tgtEl>
-                                      </p:cBhvr>
-                                    </p:animEffect>
-                                    <p:anim calcmode="lin" valueType="num">
-                                      <p:cBhvr>
-                                        <p:cTn id="13" dur="1000" fill="hold"/>
-                                        <p:tgtEl>
-                                          <p:spTgt spid="4"/>
-                                        </p:tgtEl>
-                                        <p:attrNameLst>
-                                          <p:attrName>ppt_x</p:attrName>
-                                        </p:attrNameLst>
-                                      </p:cBhvr>
-                                      <p:tavLst>
-                                        <p:tav tm="0">
-                                          <p:val>
-                                            <p:strVal val="#ppt_x"/>
-                                          </p:val>
-                                        </p:tav>
-                                        <p:tav tm="100000">
-                                          <p:val>
-                                            <p:strVal val="#ppt_x"/>
-                                          </p:val>
-                                        </p:tav>
-                                      </p:tavLst>
-                                    </p:anim>
-                                    <p:anim calcmode="lin" valueType="num">
-                                      <p:cBhvr>
-                                        <p:cTn id="14" dur="1000" fill="hold"/>
-                                        <p:tgtEl>
-                                          <p:spTgt spid="4"/>
-                                        </p:tgtEl>
-                                        <p:attrNameLst>
-                                          <p:attrName>ppt_y</p:attrName>
-                                        </p:attrNameLst>
-                                      </p:cBhvr>
-                                      <p:tavLst>
-                                        <p:tav tm="0">
-                                          <p:val>
-                                            <p:strVal val="#ppt_y+.1"/>
-                                          </p:val>
-                                        </p:tav>
-                                        <p:tav tm="100000">
-                                          <p:val>
-                                            <p:strVal val="#ppt_y"/>
-                                          </p:val>
-                                        </p:tav>
-                                      </p:tavLst>
-                                    </p:anim>
-                                  </p:childTnLst>
-                                </p:cTn>
-                              </p:par>
-                            </p:childTnLst>
-                          </p:cTn>
-                        </p:par>
-                      </p:childTnLst>
-                    </p:cTn>
-                  </p:par>
-                  <p:par>
-                    <p:cTn id="15" fill="hold">
-                      <p:stCondLst>
-                        <p:cond delay="indefinite"/>
-                      </p:stCondLst>
-                      <p:childTnLst>
-                        <p:par>
-                          <p:cTn id="16" fill="hold">
-                            <p:stCondLst>
-                              <p:cond delay="0"/>
-                            </p:stCondLst>
-                            <p:childTnLst>
-                              <p:par>
-                                <p:cTn id="17" presetID="1" presetClass="exit" presetSubtype="0" fill="hold" grpId="1" nodeType="clickEffect">
-                                  <p:stCondLst>
-                                    <p:cond delay="0"/>
-                                  </p:stCondLst>
-                                  <p:childTnLst>
-                                    <p:set>
-                                      <p:cBhvr>
-                                        <p:cTn id="18" dur="1" fill="hold">
-                                          <p:stCondLst>
-                                            <p:cond delay="0"/>
-                                          </p:stCondLst>
-                                        </p:cTn>
-                                        <p:tgtEl>
-                                          <p:spTgt spid="6">
-                                            <p:txEl>
-                                              <p:pRg st="0" end="0"/>
-                                            </p:txEl>
-                                          </p:spTgt>
-                                        </p:tgtEl>
-                                        <p:attrNameLst>
-                                          <p:attrName>style.visibility</p:attrName>
-                                        </p:attrNameLst>
-                                      </p:cBhvr>
-                                      <p:to>
-                                        <p:strVal val="hidden"/>
-                                      </p:to>
-                                    </p:set>
-                                  </p:childTnLst>
-                                </p:cTn>
-                              </p:par>
-                              <p:par>
-                                <p:cTn id="19" presetID="1" presetClass="exit" presetSubtype="0" fill="hold" grpId="1" nodeType="withEffect">
-                                  <p:stCondLst>
-                                    <p:cond delay="0"/>
-                                  </p:stCondLst>
-                                  <p:childTnLst>
-                                    <p:set>
-                                      <p:cBhvr>
-                                        <p:cTn id="20" dur="1" fill="hold">
-                                          <p:stCondLst>
-                                            <p:cond delay="0"/>
-                                          </p:stCondLst>
-                                        </p:cTn>
-                                        <p:tgtEl>
-                                          <p:spTgt spid="4"/>
-                                        </p:tgtEl>
-                                        <p:attrNameLst>
-                                          <p:attrName>style.visibility</p:attrName>
-                                        </p:attrNameLst>
-                                      </p:cBhvr>
-                                      <p:to>
-                                        <p:strVal val="hidden"/>
-                                      </p:to>
-                                    </p:set>
-                                  </p:childTnLst>
-                                </p:cTn>
-                              </p:par>
-                            </p:childTnLst>
-                          </p:cTn>
-                        </p:par>
-                        <p:par>
-                          <p:cTn id="21" fill="hold">
-                            <p:stCondLst>
-                              <p:cond delay="0"/>
-                            </p:stCondLst>
-                            <p:childTnLst>
-                              <p:par>
-                                <p:cTn id="22" presetID="42" presetClass="entr" presetSubtype="0" fill="hold" grpId="0" nodeType="afterEffect">
-                                  <p:stCondLst>
-                                    <p:cond delay="0"/>
-                                  </p:stCondLst>
-                                  <p:childTnLst>
-                                    <p:set>
-                                      <p:cBhvr>
-                                        <p:cTn id="23" dur="1" fill="hold">
-                                          <p:stCondLst>
-                                            <p:cond delay="0"/>
-                                          </p:stCondLst>
-                                        </p:cTn>
-                                        <p:tgtEl>
-                                          <p:spTgt spid="7"/>
-                                        </p:tgtEl>
-                                        <p:attrNameLst>
-                                          <p:attrName>style.visibility</p:attrName>
-                                        </p:attrNameLst>
-                                      </p:cBhvr>
-                                      <p:to>
-                                        <p:strVal val="visible"/>
-                                      </p:to>
-                                    </p:set>
-                                    <p:animEffect transition="in" filter="fade">
-                                      <p:cBhvr>
-                                        <p:cTn id="24" dur="1000"/>
-                                        <p:tgtEl>
-                                          <p:spTgt spid="7"/>
-                                        </p:tgtEl>
-                                      </p:cBhvr>
-                                    </p:animEffect>
-                                    <p:anim calcmode="lin" valueType="num">
-                                      <p:cBhvr>
-                                        <p:cTn id="25" dur="1000" fill="hold"/>
-                                        <p:tgtEl>
-                                          <p:spTgt spid="7"/>
-                                        </p:tgtEl>
-                                        <p:attrNameLst>
-                                          <p:attrName>ppt_x</p:attrName>
-                                        </p:attrNameLst>
-                                      </p:cBhvr>
-                                      <p:tavLst>
-                                        <p:tav tm="0">
-                                          <p:val>
-                                            <p:strVal val="#ppt_x"/>
-                                          </p:val>
-                                        </p:tav>
-                                        <p:tav tm="100000">
-                                          <p:val>
-                                            <p:strVal val="#ppt_x"/>
-                                          </p:val>
-                                        </p:tav>
-                                      </p:tavLst>
-                                    </p:anim>
-                                    <p:anim calcmode="lin" valueType="num">
-                                      <p:cBhvr>
-                                        <p:cTn id="26" dur="1000" fill="hold"/>
-                                        <p:tgtEl>
-                                          <p:spTgt spid="7"/>
-                                        </p:tgtEl>
-                                        <p:attrNameLst>
-                                          <p:attrName>ppt_y</p:attrName>
-                                        </p:attrNameLst>
-                                      </p:cBhvr>
-                                      <p:tavLst>
-                                        <p:tav tm="0">
-                                          <p:val>
-                                            <p:strVal val="#ppt_y+.1"/>
-                                          </p:val>
-                                        </p:tav>
-                                        <p:tav tm="100000">
-                                          <p:val>
-                                            <p:strVal val="#ppt_y"/>
-                                          </p:val>
-                                        </p:tav>
-                                      </p:tavLst>
-                                    </p:anim>
-                                  </p:childTnLst>
-                                </p:cTn>
-                              </p:par>
-                              <p:par>
-                                <p:cTn id="27" presetID="42" presetClass="entr" presetSubtype="0" fill="hold" grpId="0" nodeType="withEffect">
-                                  <p:stCondLst>
-                                    <p:cond delay="0"/>
-                                  </p:stCondLst>
-                                  <p:childTnLst>
-                                    <p:set>
-                                      <p:cBhvr>
-                                        <p:cTn id="28" dur="1" fill="hold">
-                                          <p:stCondLst>
-                                            <p:cond delay="0"/>
-                                          </p:stCondLst>
-                                        </p:cTn>
-                                        <p:tgtEl>
-                                          <p:spTgt spid="9"/>
-                                        </p:tgtEl>
-                                        <p:attrNameLst>
-                                          <p:attrName>style.visibility</p:attrName>
-                                        </p:attrNameLst>
-                                      </p:cBhvr>
-                                      <p:to>
-                                        <p:strVal val="visible"/>
-                                      </p:to>
-                                    </p:set>
-                                    <p:animEffect transition="in" filter="fade">
-                                      <p:cBhvr>
-                                        <p:cTn id="29" dur="1000"/>
-                                        <p:tgtEl>
-                                          <p:spTgt spid="9"/>
-                                        </p:tgtEl>
-                                      </p:cBhvr>
-                                    </p:animEffect>
-                                    <p:anim calcmode="lin" valueType="num">
-                                      <p:cBhvr>
-                                        <p:cTn id="30" dur="1000" fill="hold"/>
-                                        <p:tgtEl>
-                                          <p:spTgt spid="9"/>
-                                        </p:tgtEl>
-                                        <p:attrNameLst>
-                                          <p:attrName>ppt_x</p:attrName>
-                                        </p:attrNameLst>
-                                      </p:cBhvr>
-                                      <p:tavLst>
-                                        <p:tav tm="0">
-                                          <p:val>
-                                            <p:strVal val="#ppt_x"/>
-                                          </p:val>
-                                        </p:tav>
-                                        <p:tav tm="100000">
-                                          <p:val>
-                                            <p:strVal val="#ppt_x"/>
-                                          </p:val>
-                                        </p:tav>
-                                      </p:tavLst>
-                                    </p:anim>
-                                    <p:anim calcmode="lin" valueType="num">
-                                      <p:cBhvr>
-                                        <p:cTn id="31" dur="1000" fill="hold"/>
-                                        <p:tgtEl>
-                                          <p:spTgt spid="9"/>
-                                        </p:tgtEl>
-                                        <p:attrNameLst>
-                                          <p:attrName>ppt_y</p:attrName>
-                                        </p:attrNameLst>
-                                      </p:cBhvr>
-                                      <p:tavLst>
-                                        <p:tav tm="0">
-                                          <p:val>
-                                            <p:strVal val="#ppt_y+.1"/>
-                                          </p:val>
-                                        </p:tav>
-                                        <p:tav tm="100000">
-                                          <p:val>
-                                            <p:strVal val="#ppt_y"/>
-                                          </p:val>
-                                        </p:tav>
-                                      </p:tavLst>
-                                    </p:anim>
-                                  </p:childTnLst>
-                                </p:cTn>
-                              </p:par>
-                            </p:childTnLst>
-                          </p:cTn>
-                        </p:par>
-                      </p:childTnLst>
-                    </p:cTn>
-                  </p:par>
-                  <p:par>
-                    <p:cTn id="32" fill="hold">
-                      <p:stCondLst>
-                        <p:cond delay="indefinite"/>
-                      </p:stCondLst>
-                      <p:childTnLst>
-                        <p:par>
-                          <p:cTn id="33" fill="hold">
-                            <p:stCondLst>
-                              <p:cond delay="0"/>
-                            </p:stCondLst>
-                            <p:childTnLst>
-                              <p:par>
-                                <p:cTn id="34" presetID="1" presetClass="exit" presetSubtype="0" fill="hold" grpId="1" nodeType="clickEffect">
-                                  <p:stCondLst>
-                                    <p:cond delay="0"/>
-                                  </p:stCondLst>
-                                  <p:childTnLst>
-                                    <p:set>
-                                      <p:cBhvr>
-                                        <p:cTn id="35" dur="1" fill="hold">
-                                          <p:stCondLst>
-                                            <p:cond delay="0"/>
-                                          </p:stCondLst>
-                                        </p:cTn>
-                                        <p:tgtEl>
-                                          <p:spTgt spid="7"/>
-                                        </p:tgtEl>
-                                        <p:attrNameLst>
-                                          <p:attrName>style.visibility</p:attrName>
-                                        </p:attrNameLst>
-                                      </p:cBhvr>
-                                      <p:to>
-                                        <p:strVal val="hidden"/>
-                                      </p:to>
-                                    </p:set>
-                                  </p:childTnLst>
-                                </p:cTn>
-                              </p:par>
-                              <p:par>
-                                <p:cTn id="36" presetID="1" presetClass="exit" presetSubtype="0" fill="hold" grpId="1" nodeType="withEffect">
-                                  <p:stCondLst>
-                                    <p:cond delay="0"/>
-                                  </p:stCondLst>
-                                  <p:childTnLst>
-                                    <p:set>
-                                      <p:cBhvr>
-                                        <p:cTn id="37" dur="1" fill="hold">
-                                          <p:stCondLst>
-                                            <p:cond delay="0"/>
-                                          </p:stCondLst>
-                                        </p:cTn>
-                                        <p:tgtEl>
-                                          <p:spTgt spid="9"/>
-                                        </p:tgtEl>
-                                        <p:attrNameLst>
-                                          <p:attrName>style.visibility</p:attrName>
-                                        </p:attrNameLst>
-                                      </p:cBhvr>
-                                      <p:to>
-                                        <p:strVal val="hidden"/>
-                                      </p:to>
-                                    </p:set>
-                                  </p:childTnLst>
-                                </p:cTn>
-                              </p:par>
-                            </p:childTnLst>
-                          </p:cTn>
-                        </p:par>
-                        <p:par>
-                          <p:cTn id="38" fill="hold">
-                            <p:stCondLst>
-                              <p:cond delay="0"/>
-                            </p:stCondLst>
-                            <p:childTnLst>
-                              <p:par>
-                                <p:cTn id="39" presetID="42" presetClass="entr" presetSubtype="0" fill="hold" grpId="0" nodeType="afterEffect">
-                                  <p:stCondLst>
-                                    <p:cond delay="0"/>
-                                  </p:stCondLst>
-                                  <p:childTnLst>
-                                    <p:set>
-                                      <p:cBhvr>
-                                        <p:cTn id="40" dur="1" fill="hold">
-                                          <p:stCondLst>
-                                            <p:cond delay="0"/>
-                                          </p:stCondLst>
-                                        </p:cTn>
-                                        <p:tgtEl>
-                                          <p:spTgt spid="8"/>
-                                        </p:tgtEl>
-                                        <p:attrNameLst>
-                                          <p:attrName>style.visibility</p:attrName>
-                                        </p:attrNameLst>
-                                      </p:cBhvr>
-                                      <p:to>
-                                        <p:strVal val="visible"/>
-                                      </p:to>
-                                    </p:set>
-                                    <p:animEffect transition="in" filter="fade">
-                                      <p:cBhvr>
-                                        <p:cTn id="41" dur="1000"/>
-                                        <p:tgtEl>
-                                          <p:spTgt spid="8"/>
-                                        </p:tgtEl>
-                                      </p:cBhvr>
-                                    </p:animEffect>
-                                    <p:anim calcmode="lin" valueType="num">
-                                      <p:cBhvr>
-                                        <p:cTn id="42" dur="1000" fill="hold"/>
-                                        <p:tgtEl>
-                                          <p:spTgt spid="8"/>
-                                        </p:tgtEl>
-                                        <p:attrNameLst>
-                                          <p:attrName>ppt_x</p:attrName>
-                                        </p:attrNameLst>
-                                      </p:cBhvr>
-                                      <p:tavLst>
-                                        <p:tav tm="0">
-                                          <p:val>
-                                            <p:strVal val="#ppt_x"/>
-                                          </p:val>
-                                        </p:tav>
-                                        <p:tav tm="100000">
-                                          <p:val>
-                                            <p:strVal val="#ppt_x"/>
-                                          </p:val>
-                                        </p:tav>
-                                      </p:tavLst>
-                                    </p:anim>
-                                    <p:anim calcmode="lin" valueType="num">
-                                      <p:cBhvr>
-                                        <p:cTn id="43" dur="1000" fill="hold"/>
-                                        <p:tgtEl>
-                                          <p:spTgt spid="8"/>
-                                        </p:tgtEl>
-                                        <p:attrNameLst>
-                                          <p:attrName>ppt_y</p:attrName>
-                                        </p:attrNameLst>
-                                      </p:cBhvr>
-                                      <p:tavLst>
-                                        <p:tav tm="0">
-                                          <p:val>
-                                            <p:strVal val="#ppt_y+.1"/>
-                                          </p:val>
-                                        </p:tav>
-                                        <p:tav tm="100000">
-                                          <p:val>
-                                            <p:strVal val="#ppt_y"/>
-                                          </p:val>
-                                        </p:tav>
-                                      </p:tavLst>
-                                    </p:anim>
-                                  </p:childTnLst>
-                                </p:cTn>
-                              </p:par>
-                              <p:par>
-                                <p:cTn id="44" presetID="42" presetClass="entr" presetSubtype="0" fill="hold" grpId="0" nodeType="withEffect">
-                                  <p:stCondLst>
-                                    <p:cond delay="0"/>
-                                  </p:stCondLst>
-                                  <p:childTnLst>
-                                    <p:set>
-                                      <p:cBhvr>
-                                        <p:cTn id="45" dur="1" fill="hold">
-                                          <p:stCondLst>
-                                            <p:cond delay="0"/>
-                                          </p:stCondLst>
-                                        </p:cTn>
-                                        <p:tgtEl>
-                                          <p:spTgt spid="11"/>
-                                        </p:tgtEl>
-                                        <p:attrNameLst>
-                                          <p:attrName>style.visibility</p:attrName>
-                                        </p:attrNameLst>
-                                      </p:cBhvr>
-                                      <p:to>
-                                        <p:strVal val="visible"/>
-                                      </p:to>
-                                    </p:set>
-                                    <p:animEffect transition="in" filter="fade">
-                                      <p:cBhvr>
-                                        <p:cTn id="46" dur="1000"/>
-                                        <p:tgtEl>
-                                          <p:spTgt spid="11"/>
-                                        </p:tgtEl>
-                                      </p:cBhvr>
-                                    </p:animEffect>
-                                    <p:anim calcmode="lin" valueType="num">
-                                      <p:cBhvr>
-                                        <p:cTn id="47" dur="1000" fill="hold"/>
-                                        <p:tgtEl>
-                                          <p:spTgt spid="11"/>
-                                        </p:tgtEl>
-                                        <p:attrNameLst>
-                                          <p:attrName>ppt_x</p:attrName>
-                                        </p:attrNameLst>
-                                      </p:cBhvr>
-                                      <p:tavLst>
-                                        <p:tav tm="0">
-                                          <p:val>
-                                            <p:strVal val="#ppt_x"/>
-                                          </p:val>
-                                        </p:tav>
-                                        <p:tav tm="100000">
-                                          <p:val>
-                                            <p:strVal val="#ppt_x"/>
-                                          </p:val>
-                                        </p:tav>
-                                      </p:tavLst>
-                                    </p:anim>
-                                    <p:anim calcmode="lin" valueType="num">
-                                      <p:cBhvr>
-                                        <p:cTn id="48" dur="1000" fill="hold"/>
-                                        <p:tgtEl>
-                                          <p:spTgt spid="11"/>
-                                        </p:tgtEl>
-                                        <p:attrNameLst>
-                                          <p:attrName>ppt_y</p:attrName>
-                                        </p:attrNameLst>
-                                      </p:cBhvr>
-                                      <p:tavLst>
-                                        <p:tav tm="0">
-                                          <p:val>
-                                            <p:strVal val="#ppt_y+.1"/>
-                                          </p:val>
-                                        </p:tav>
-                                        <p:tav tm="100000">
-                                          <p:val>
-                                            <p:strVal val="#ppt_y"/>
-                                          </p:val>
-                                        </p:tav>
-                                      </p:tavLst>
-                                    </p:anim>
-                                  </p:childTnLst>
-                                </p:cTn>
-                              </p:par>
-                            </p:childTnLst>
-                          </p:cTn>
-                        </p:par>
-                      </p:childTnLst>
-                    </p:cTn>
-                  </p:par>
-                  <p:par>
-                    <p:cTn id="49" fill="hold">
-                      <p:stCondLst>
-                        <p:cond delay="indefinite"/>
-                      </p:stCondLst>
-                      <p:childTnLst>
-                        <p:par>
-                          <p:cTn id="50" fill="hold">
-                            <p:stCondLst>
-                              <p:cond delay="0"/>
-                            </p:stCondLst>
-                            <p:childTnLst>
-                              <p:par>
-                                <p:cTn id="51" presetID="1" presetClass="exit" presetSubtype="0" fill="hold" grpId="1" nodeType="clickEffect">
-                                  <p:stCondLst>
-                                    <p:cond delay="0"/>
-                                  </p:stCondLst>
-                                  <p:childTnLst>
-                                    <p:set>
-                                      <p:cBhvr>
-                                        <p:cTn id="52" dur="1" fill="hold">
-                                          <p:stCondLst>
-                                            <p:cond delay="0"/>
-                                          </p:stCondLst>
-                                        </p:cTn>
-                                        <p:tgtEl>
-                                          <p:spTgt spid="8"/>
-                                        </p:tgtEl>
-                                        <p:attrNameLst>
-                                          <p:attrName>style.visibility</p:attrName>
-                                        </p:attrNameLst>
-                                      </p:cBhvr>
-                                      <p:to>
-                                        <p:strVal val="hidden"/>
-                                      </p:to>
-                                    </p:set>
-                                  </p:childTnLst>
-                                </p:cTn>
-                              </p:par>
-                              <p:par>
-                                <p:cTn id="53" presetID="1" presetClass="exit" presetSubtype="0" fill="hold" grpId="1" nodeType="withEffect">
-                                  <p:stCondLst>
-                                    <p:cond delay="0"/>
-                                  </p:stCondLst>
-                                  <p:childTnLst>
-                                    <p:set>
-                                      <p:cBhvr>
-                                        <p:cTn id="54" dur="1" fill="hold">
-                                          <p:stCondLst>
-                                            <p:cond delay="0"/>
-                                          </p:stCondLst>
-                                        </p:cTn>
-                                        <p:tgtEl>
-                                          <p:spTgt spid="11"/>
-                                        </p:tgtEl>
-                                        <p:attrNameLst>
-                                          <p:attrName>style.visibility</p:attrName>
-                                        </p:attrNameLst>
-                                      </p:cBhvr>
-                                      <p:to>
-                                        <p:strVal val="hidden"/>
-                                      </p:to>
-                                    </p:set>
-                                  </p:childTnLst>
-                                </p:cTn>
-                              </p:par>
-                            </p:childTnLst>
-                          </p:cTn>
-                        </p:par>
-                        <p:par>
-                          <p:cTn id="55" fill="hold">
-                            <p:stCondLst>
-                              <p:cond delay="0"/>
-                            </p:stCondLst>
-                            <p:childTnLst>
-                              <p:par>
-                                <p:cTn id="56" presetID="42" presetClass="entr" presetSubtype="0" fill="hold" grpId="0" nodeType="afterEffect">
-                                  <p:stCondLst>
-                                    <p:cond delay="0"/>
-                                  </p:stCondLst>
-                                  <p:childTnLst>
-                                    <p:set>
-                                      <p:cBhvr>
-                                        <p:cTn id="57" dur="1" fill="hold">
-                                          <p:stCondLst>
-                                            <p:cond delay="0"/>
-                                          </p:stCondLst>
-                                        </p:cTn>
-                                        <p:tgtEl>
-                                          <p:spTgt spid="17"/>
-                                        </p:tgtEl>
-                                        <p:attrNameLst>
-                                          <p:attrName>style.visibility</p:attrName>
-                                        </p:attrNameLst>
-                                      </p:cBhvr>
-                                      <p:to>
-                                        <p:strVal val="visible"/>
-                                      </p:to>
-                                    </p:set>
-                                    <p:animEffect transition="in" filter="fade">
-                                      <p:cBhvr>
-                                        <p:cTn id="58" dur="1000"/>
-                                        <p:tgtEl>
-                                          <p:spTgt spid="17"/>
-                                        </p:tgtEl>
-                                      </p:cBhvr>
-                                    </p:animEffect>
-                                    <p:anim calcmode="lin" valueType="num">
-                                      <p:cBhvr>
-                                        <p:cTn id="59" dur="1000" fill="hold"/>
-                                        <p:tgtEl>
-                                          <p:spTgt spid="17"/>
-                                        </p:tgtEl>
-                                        <p:attrNameLst>
-                                          <p:attrName>ppt_x</p:attrName>
-                                        </p:attrNameLst>
-                                      </p:cBhvr>
-                                      <p:tavLst>
-                                        <p:tav tm="0">
-                                          <p:val>
-                                            <p:strVal val="#ppt_x"/>
-                                          </p:val>
-                                        </p:tav>
-                                        <p:tav tm="100000">
-                                          <p:val>
-                                            <p:strVal val="#ppt_x"/>
-                                          </p:val>
-                                        </p:tav>
-                                      </p:tavLst>
-                                    </p:anim>
-                                    <p:anim calcmode="lin" valueType="num">
-                                      <p:cBhvr>
-                                        <p:cTn id="60" dur="1000" fill="hold"/>
-                                        <p:tgtEl>
-                                          <p:spTgt spid="17"/>
-                                        </p:tgtEl>
-                                        <p:attrNameLst>
-                                          <p:attrName>ppt_y</p:attrName>
-                                        </p:attrNameLst>
-                                      </p:cBhvr>
-                                      <p:tavLst>
-                                        <p:tav tm="0">
-                                          <p:val>
-                                            <p:strVal val="#ppt_y+.1"/>
-                                          </p:val>
-                                        </p:tav>
-                                        <p:tav tm="100000">
-                                          <p:val>
-                                            <p:strVal val="#ppt_y"/>
-                                          </p:val>
-                                        </p:tav>
-                                      </p:tavLst>
-                                    </p:anim>
-                                  </p:childTnLst>
-                                </p:cTn>
-                              </p:par>
-                              <p:par>
-                                <p:cTn id="61" presetID="42" presetClass="entr" presetSubtype="0" fill="hold" grpId="0" nodeType="withEffect">
-                                  <p:stCondLst>
-                                    <p:cond delay="0"/>
-                                  </p:stCondLst>
-                                  <p:childTnLst>
-                                    <p:set>
-                                      <p:cBhvr>
-                                        <p:cTn id="62" dur="1" fill="hold">
-                                          <p:stCondLst>
-                                            <p:cond delay="0"/>
-                                          </p:stCondLst>
-                                        </p:cTn>
-                                        <p:tgtEl>
-                                          <p:spTgt spid="12"/>
-                                        </p:tgtEl>
-                                        <p:attrNameLst>
-                                          <p:attrName>style.visibility</p:attrName>
-                                        </p:attrNameLst>
-                                      </p:cBhvr>
-                                      <p:to>
-                                        <p:strVal val="visible"/>
-                                      </p:to>
-                                    </p:set>
-                                    <p:animEffect transition="in" filter="fade">
-                                      <p:cBhvr>
-                                        <p:cTn id="63" dur="1000"/>
-                                        <p:tgtEl>
-                                          <p:spTgt spid="12"/>
-                                        </p:tgtEl>
-                                      </p:cBhvr>
-                                    </p:animEffect>
-                                    <p:anim calcmode="lin" valueType="num">
-                                      <p:cBhvr>
-                                        <p:cTn id="64" dur="1000" fill="hold"/>
-                                        <p:tgtEl>
-                                          <p:spTgt spid="12"/>
-                                        </p:tgtEl>
-                                        <p:attrNameLst>
-                                          <p:attrName>ppt_x</p:attrName>
-                                        </p:attrNameLst>
-                                      </p:cBhvr>
-                                      <p:tavLst>
-                                        <p:tav tm="0">
-                                          <p:val>
-                                            <p:strVal val="#ppt_x"/>
-                                          </p:val>
-                                        </p:tav>
-                                        <p:tav tm="100000">
-                                          <p:val>
-                                            <p:strVal val="#ppt_x"/>
-                                          </p:val>
-                                        </p:tav>
-                                      </p:tavLst>
-                                    </p:anim>
-                                    <p:anim calcmode="lin" valueType="num">
-                                      <p:cBhvr>
-                                        <p:cTn id="65" dur="1000" fill="hold"/>
-                                        <p:tgtEl>
-                                          <p:spTgt spid="12"/>
-                                        </p:tgtEl>
-                                        <p:attrNameLst>
-                                          <p:attrName>ppt_y</p:attrName>
-                                        </p:attrNameLst>
-                                      </p:cBhvr>
-                                      <p:tavLst>
-                                        <p:tav tm="0">
-                                          <p:val>
-                                            <p:strVal val="#ppt_y+.1"/>
-                                          </p:val>
-                                        </p:tav>
-                                        <p:tav tm="100000">
-                                          <p:val>
-                                            <p:strVal val="#ppt_y"/>
-                                          </p:val>
-                                        </p:tav>
-                                      </p:tavLst>
-                                    </p:anim>
-                                  </p:childTnLst>
-                                </p:cTn>
-                              </p:par>
-                            </p:childTnLst>
-                          </p:cTn>
-                        </p:par>
-                      </p:childTnLst>
-                    </p:cTn>
-                  </p:par>
-                  <p:par>
-                    <p:cTn id="66" fill="hold">
-                      <p:stCondLst>
-                        <p:cond delay="indefinite"/>
-                      </p:stCondLst>
-                      <p:childTnLst>
-                        <p:par>
-                          <p:cTn id="67" fill="hold">
-                            <p:stCondLst>
-                              <p:cond delay="0"/>
-                            </p:stCondLst>
-                            <p:childTnLst>
-                              <p:par>
-                                <p:cTn id="68" presetID="1" presetClass="exit" presetSubtype="0" fill="hold" grpId="1" nodeType="clickEffect">
-                                  <p:stCondLst>
-                                    <p:cond delay="0"/>
-                                  </p:stCondLst>
-                                  <p:childTnLst>
-                                    <p:set>
-                                      <p:cBhvr>
-                                        <p:cTn id="69" dur="1" fill="hold">
-                                          <p:stCondLst>
-                                            <p:cond delay="0"/>
-                                          </p:stCondLst>
-                                        </p:cTn>
-                                        <p:tgtEl>
-                                          <p:spTgt spid="17"/>
-                                        </p:tgtEl>
-                                        <p:attrNameLst>
-                                          <p:attrName>style.visibility</p:attrName>
-                                        </p:attrNameLst>
-                                      </p:cBhvr>
-                                      <p:to>
-                                        <p:strVal val="hidden"/>
-                                      </p:to>
-                                    </p:set>
-                                  </p:childTnLst>
-                                </p:cTn>
-                              </p:par>
-                              <p:par>
-                                <p:cTn id="70" presetID="1" presetClass="exit" presetSubtype="0" fill="hold" grpId="1" nodeType="withEffect">
-                                  <p:stCondLst>
-                                    <p:cond delay="0"/>
-                                  </p:stCondLst>
-                                  <p:childTnLst>
-                                    <p:set>
-                                      <p:cBhvr>
-                                        <p:cTn id="71" dur="1" fill="hold">
-                                          <p:stCondLst>
-                                            <p:cond delay="0"/>
-                                          </p:stCondLst>
-                                        </p:cTn>
-                                        <p:tgtEl>
-                                          <p:spTgt spid="12"/>
-                                        </p:tgtEl>
-                                        <p:attrNameLst>
-                                          <p:attrName>style.visibility</p:attrName>
-                                        </p:attrNameLst>
-                                      </p:cBhvr>
-                                      <p:to>
-                                        <p:strVal val="hidden"/>
-                                      </p:to>
-                                    </p:set>
-                                  </p:childTnLst>
-                                </p:cTn>
-                              </p:par>
-                            </p:childTnLst>
-                          </p:cTn>
-                        </p:par>
-                        <p:par>
-                          <p:cTn id="72" fill="hold">
-                            <p:stCondLst>
-                              <p:cond delay="0"/>
-                            </p:stCondLst>
-                            <p:childTnLst>
-                              <p:par>
-                                <p:cTn id="73" presetID="42" presetClass="entr" presetSubtype="0" fill="hold" grpId="0" nodeType="afterEffect">
-                                  <p:stCondLst>
-                                    <p:cond delay="0"/>
-                                  </p:stCondLst>
-                                  <p:childTnLst>
-                                    <p:set>
-                                      <p:cBhvr>
-                                        <p:cTn id="74" dur="1" fill="hold">
-                                          <p:stCondLst>
-                                            <p:cond delay="0"/>
-                                          </p:stCondLst>
-                                        </p:cTn>
-                                        <p:tgtEl>
-                                          <p:spTgt spid="18"/>
-                                        </p:tgtEl>
-                                        <p:attrNameLst>
-                                          <p:attrName>style.visibility</p:attrName>
-                                        </p:attrNameLst>
-                                      </p:cBhvr>
-                                      <p:to>
-                                        <p:strVal val="visible"/>
-                                      </p:to>
-                                    </p:set>
-                                    <p:animEffect transition="in" filter="fade">
-                                      <p:cBhvr>
-                                        <p:cTn id="75" dur="1000"/>
-                                        <p:tgtEl>
-                                          <p:spTgt spid="18"/>
-                                        </p:tgtEl>
-                                      </p:cBhvr>
-                                    </p:animEffect>
-                                    <p:anim calcmode="lin" valueType="num">
-                                      <p:cBhvr>
-                                        <p:cTn id="76" dur="1000" fill="hold"/>
-                                        <p:tgtEl>
-                                          <p:spTgt spid="18"/>
-                                        </p:tgtEl>
-                                        <p:attrNameLst>
-                                          <p:attrName>ppt_x</p:attrName>
-                                        </p:attrNameLst>
-                                      </p:cBhvr>
-                                      <p:tavLst>
-                                        <p:tav tm="0">
-                                          <p:val>
-                                            <p:strVal val="#ppt_x"/>
-                                          </p:val>
-                                        </p:tav>
-                                        <p:tav tm="100000">
-                                          <p:val>
-                                            <p:strVal val="#ppt_x"/>
-                                          </p:val>
-                                        </p:tav>
-                                      </p:tavLst>
-                                    </p:anim>
-                                    <p:anim calcmode="lin" valueType="num">
-                                      <p:cBhvr>
-                                        <p:cTn id="77" dur="1000" fill="hold"/>
-                                        <p:tgtEl>
-                                          <p:spTgt spid="18"/>
-                                        </p:tgtEl>
-                                        <p:attrNameLst>
-                                          <p:attrName>ppt_y</p:attrName>
-                                        </p:attrNameLst>
-                                      </p:cBhvr>
-                                      <p:tavLst>
-                                        <p:tav tm="0">
-                                          <p:val>
-                                            <p:strVal val="#ppt_y+.1"/>
-                                          </p:val>
-                                        </p:tav>
-                                        <p:tav tm="100000">
-                                          <p:val>
-                                            <p:strVal val="#ppt_y"/>
-                                          </p:val>
-                                        </p:tav>
-                                      </p:tavLst>
-                                    </p:anim>
-                                  </p:childTnLst>
-                                </p:cTn>
-                              </p:par>
-                              <p:par>
-                                <p:cTn id="78" presetID="42" presetClass="entr" presetSubtype="0" fill="hold" grpId="0" nodeType="withEffect">
-                                  <p:stCondLst>
-                                    <p:cond delay="0"/>
-                                  </p:stCondLst>
-                                  <p:childTnLst>
-                                    <p:set>
-                                      <p:cBhvr>
-                                        <p:cTn id="79" dur="1" fill="hold">
-                                          <p:stCondLst>
-                                            <p:cond delay="0"/>
-                                          </p:stCondLst>
-                                        </p:cTn>
-                                        <p:tgtEl>
-                                          <p:spTgt spid="13"/>
-                                        </p:tgtEl>
-                                        <p:attrNameLst>
-                                          <p:attrName>style.visibility</p:attrName>
-                                        </p:attrNameLst>
-                                      </p:cBhvr>
-                                      <p:to>
-                                        <p:strVal val="visible"/>
-                                      </p:to>
-                                    </p:set>
-                                    <p:animEffect transition="in" filter="fade">
-                                      <p:cBhvr>
-                                        <p:cTn id="80" dur="1000"/>
-                                        <p:tgtEl>
-                                          <p:spTgt spid="13"/>
-                                        </p:tgtEl>
-                                      </p:cBhvr>
-                                    </p:animEffect>
-                                    <p:anim calcmode="lin" valueType="num">
-                                      <p:cBhvr>
-                                        <p:cTn id="81" dur="1000" fill="hold"/>
-                                        <p:tgtEl>
-                                          <p:spTgt spid="13"/>
-                                        </p:tgtEl>
-                                        <p:attrNameLst>
-                                          <p:attrName>ppt_x</p:attrName>
-                                        </p:attrNameLst>
-                                      </p:cBhvr>
-                                      <p:tavLst>
-                                        <p:tav tm="0">
-                                          <p:val>
-                                            <p:strVal val="#ppt_x"/>
-                                          </p:val>
-                                        </p:tav>
-                                        <p:tav tm="100000">
-                                          <p:val>
-                                            <p:strVal val="#ppt_x"/>
-                                          </p:val>
-                                        </p:tav>
-                                      </p:tavLst>
-                                    </p:anim>
-                                    <p:anim calcmode="lin" valueType="num">
-                                      <p:cBhvr>
-                                        <p:cTn id="82" dur="1000" fill="hold"/>
-                                        <p:tgtEl>
-                                          <p:spTgt spid="13"/>
-                                        </p:tgtEl>
-                                        <p:attrNameLst>
-                                          <p:attrName>ppt_y</p:attrName>
-                                        </p:attrNameLst>
-                                      </p:cBhvr>
-                                      <p:tavLst>
-                                        <p:tav tm="0">
-                                          <p:val>
-                                            <p:strVal val="#ppt_y+.1"/>
-                                          </p:val>
-                                        </p:tav>
-                                        <p:tav tm="100000">
-                                          <p:val>
-                                            <p:strVal val="#ppt_y"/>
-                                          </p:val>
-                                        </p:tav>
-                                      </p:tavLst>
-                                    </p:anim>
-                                  </p:childTnLst>
-                                </p:cTn>
-                              </p:par>
-                            </p:childTnLst>
-                          </p:cTn>
-                        </p:par>
-                      </p:childTnLst>
-                    </p:cTn>
-                  </p:par>
-                  <p:par>
-                    <p:cTn id="83" fill="hold">
-                      <p:stCondLst>
-                        <p:cond delay="indefinite"/>
-                      </p:stCondLst>
-                      <p:childTnLst>
-                        <p:par>
-                          <p:cTn id="84" fill="hold">
-                            <p:stCondLst>
-                              <p:cond delay="0"/>
-                            </p:stCondLst>
-                            <p:childTnLst>
-                              <p:par>
-                                <p:cTn id="85" presetID="1" presetClass="exit" presetSubtype="0" fill="hold" grpId="1" nodeType="clickEffect">
-                                  <p:stCondLst>
-                                    <p:cond delay="0"/>
-                                  </p:stCondLst>
-                                  <p:childTnLst>
-                                    <p:set>
-                                      <p:cBhvr>
-                                        <p:cTn id="86" dur="1" fill="hold">
-                                          <p:stCondLst>
-                                            <p:cond delay="0"/>
-                                          </p:stCondLst>
-                                        </p:cTn>
-                                        <p:tgtEl>
-                                          <p:spTgt spid="18"/>
-                                        </p:tgtEl>
-                                        <p:attrNameLst>
-                                          <p:attrName>style.visibility</p:attrName>
-                                        </p:attrNameLst>
-                                      </p:cBhvr>
-                                      <p:to>
-                                        <p:strVal val="hidden"/>
-                                      </p:to>
-                                    </p:set>
-                                  </p:childTnLst>
-                                </p:cTn>
-                              </p:par>
-                              <p:par>
-                                <p:cTn id="87" presetID="1" presetClass="exit" presetSubtype="0" fill="hold" grpId="1" nodeType="withEffect">
-                                  <p:stCondLst>
-                                    <p:cond delay="0"/>
-                                  </p:stCondLst>
-                                  <p:childTnLst>
-                                    <p:set>
-                                      <p:cBhvr>
-                                        <p:cTn id="88" dur="1" fill="hold">
-                                          <p:stCondLst>
-                                            <p:cond delay="0"/>
-                                          </p:stCondLst>
-                                        </p:cTn>
-                                        <p:tgtEl>
-                                          <p:spTgt spid="13"/>
-                                        </p:tgtEl>
-                                        <p:attrNameLst>
-                                          <p:attrName>style.visibility</p:attrName>
-                                        </p:attrNameLst>
-                                      </p:cBhvr>
-                                      <p:to>
-                                        <p:strVal val="hidden"/>
-                                      </p:to>
-                                    </p:set>
-                                  </p:childTnLst>
-                                </p:cTn>
-                              </p:par>
-                            </p:childTnLst>
-                          </p:cTn>
-                        </p:par>
-                        <p:par>
-                          <p:cTn id="89" fill="hold">
-                            <p:stCondLst>
-                              <p:cond delay="0"/>
-                            </p:stCondLst>
-                            <p:childTnLst>
-                              <p:par>
-                                <p:cTn id="90" presetID="42" presetClass="entr" presetSubtype="0" fill="hold" grpId="0" nodeType="afterEffect">
-                                  <p:stCondLst>
-                                    <p:cond delay="0"/>
-                                  </p:stCondLst>
-                                  <p:childTnLst>
-                                    <p:set>
-                                      <p:cBhvr>
-                                        <p:cTn id="91" dur="1" fill="hold">
-                                          <p:stCondLst>
-                                            <p:cond delay="0"/>
-                                          </p:stCondLst>
-                                        </p:cTn>
-                                        <p:tgtEl>
-                                          <p:spTgt spid="19"/>
-                                        </p:tgtEl>
-                                        <p:attrNameLst>
-                                          <p:attrName>style.visibility</p:attrName>
-                                        </p:attrNameLst>
-                                      </p:cBhvr>
-                                      <p:to>
-                                        <p:strVal val="visible"/>
-                                      </p:to>
-                                    </p:set>
-                                    <p:animEffect transition="in" filter="fade">
-                                      <p:cBhvr>
-                                        <p:cTn id="92" dur="1000"/>
-                                        <p:tgtEl>
-                                          <p:spTgt spid="19"/>
-                                        </p:tgtEl>
-                                      </p:cBhvr>
-                                    </p:animEffect>
-                                    <p:anim calcmode="lin" valueType="num">
-                                      <p:cBhvr>
-                                        <p:cTn id="93" dur="1000" fill="hold"/>
-                                        <p:tgtEl>
-                                          <p:spTgt spid="19"/>
-                                        </p:tgtEl>
-                                        <p:attrNameLst>
-                                          <p:attrName>ppt_x</p:attrName>
-                                        </p:attrNameLst>
-                                      </p:cBhvr>
-                                      <p:tavLst>
-                                        <p:tav tm="0">
-                                          <p:val>
-                                            <p:strVal val="#ppt_x"/>
-                                          </p:val>
-                                        </p:tav>
-                                        <p:tav tm="100000">
-                                          <p:val>
-                                            <p:strVal val="#ppt_x"/>
-                                          </p:val>
-                                        </p:tav>
-                                      </p:tavLst>
-                                    </p:anim>
-                                    <p:anim calcmode="lin" valueType="num">
-                                      <p:cBhvr>
-                                        <p:cTn id="94" dur="1000" fill="hold"/>
-                                        <p:tgtEl>
-                                          <p:spTgt spid="19"/>
-                                        </p:tgtEl>
-                                        <p:attrNameLst>
-                                          <p:attrName>ppt_y</p:attrName>
-                                        </p:attrNameLst>
-                                      </p:cBhvr>
-                                      <p:tavLst>
-                                        <p:tav tm="0">
-                                          <p:val>
-                                            <p:strVal val="#ppt_y+.1"/>
-                                          </p:val>
-                                        </p:tav>
-                                        <p:tav tm="100000">
-                                          <p:val>
-                                            <p:strVal val="#ppt_y"/>
-                                          </p:val>
-                                        </p:tav>
-                                      </p:tavLst>
-                                    </p:anim>
-                                  </p:childTnLst>
-                                </p:cTn>
-                              </p:par>
-                              <p:par>
-                                <p:cTn id="95" presetID="42" presetClass="entr" presetSubtype="0" fill="hold" grpId="0" nodeType="withEffect">
-                                  <p:stCondLst>
-                                    <p:cond delay="0"/>
-                                  </p:stCondLst>
-                                  <p:childTnLst>
-                                    <p:set>
-                                      <p:cBhvr>
-                                        <p:cTn id="96" dur="1" fill="hold">
-                                          <p:stCondLst>
-                                            <p:cond delay="0"/>
-                                          </p:stCondLst>
-                                        </p:cTn>
-                                        <p:tgtEl>
-                                          <p:spTgt spid="14"/>
-                                        </p:tgtEl>
-                                        <p:attrNameLst>
-                                          <p:attrName>style.visibility</p:attrName>
-                                        </p:attrNameLst>
-                                      </p:cBhvr>
-                                      <p:to>
-                                        <p:strVal val="visible"/>
-                                      </p:to>
-                                    </p:set>
-                                    <p:animEffect transition="in" filter="fade">
-                                      <p:cBhvr>
-                                        <p:cTn id="97" dur="1000"/>
-                                        <p:tgtEl>
-                                          <p:spTgt spid="14"/>
-                                        </p:tgtEl>
-                                      </p:cBhvr>
-                                    </p:animEffect>
-                                    <p:anim calcmode="lin" valueType="num">
-                                      <p:cBhvr>
-                                        <p:cTn id="98" dur="1000" fill="hold"/>
-                                        <p:tgtEl>
-                                          <p:spTgt spid="14"/>
-                                        </p:tgtEl>
-                                        <p:attrNameLst>
-                                          <p:attrName>ppt_x</p:attrName>
-                                        </p:attrNameLst>
-                                      </p:cBhvr>
-                                      <p:tavLst>
-                                        <p:tav tm="0">
-                                          <p:val>
-                                            <p:strVal val="#ppt_x"/>
-                                          </p:val>
-                                        </p:tav>
-                                        <p:tav tm="100000">
-                                          <p:val>
-                                            <p:strVal val="#ppt_x"/>
-                                          </p:val>
-                                        </p:tav>
-                                      </p:tavLst>
-                                    </p:anim>
-                                    <p:anim calcmode="lin" valueType="num">
-                                      <p:cBhvr>
-                                        <p:cTn id="99" dur="1000" fill="hold"/>
-                                        <p:tgtEl>
-                                          <p:spTgt spid="14"/>
-                                        </p:tgtEl>
-                                        <p:attrNameLst>
-                                          <p:attrName>ppt_y</p:attrName>
-                                        </p:attrNameLst>
-                                      </p:cBhvr>
-                                      <p:tavLst>
-                                        <p:tav tm="0">
-                                          <p:val>
-                                            <p:strVal val="#ppt_y+.1"/>
-                                          </p:val>
-                                        </p:tav>
-                                        <p:tav tm="100000">
-                                          <p:val>
-                                            <p:strVal val="#ppt_y"/>
-                                          </p:val>
-                                        </p:tav>
-                                      </p:tavLst>
-                                    </p:anim>
-                                  </p:childTnLst>
-                                </p:cTn>
-                              </p:par>
-                            </p:childTnLst>
-                          </p:cTn>
-                        </p:par>
-                      </p:childTnLst>
-                    </p:cTn>
-                  </p:par>
-                  <p:par>
-                    <p:cTn id="100" fill="hold">
-                      <p:stCondLst>
-                        <p:cond delay="indefinite"/>
-                      </p:stCondLst>
-                      <p:childTnLst>
-                        <p:par>
-                          <p:cTn id="101" fill="hold">
-                            <p:stCondLst>
-                              <p:cond delay="0"/>
-                            </p:stCondLst>
-                            <p:childTnLst>
-                              <p:par>
-                                <p:cTn id="102" presetID="1" presetClass="exit" presetSubtype="0" fill="hold" grpId="1" nodeType="clickEffect">
-                                  <p:stCondLst>
-                                    <p:cond delay="0"/>
-                                  </p:stCondLst>
-                                  <p:childTnLst>
-                                    <p:set>
-                                      <p:cBhvr>
-                                        <p:cTn id="103" dur="1" fill="hold">
-                                          <p:stCondLst>
-                                            <p:cond delay="0"/>
-                                          </p:stCondLst>
-                                        </p:cTn>
-                                        <p:tgtEl>
-                                          <p:spTgt spid="19"/>
-                                        </p:tgtEl>
-                                        <p:attrNameLst>
-                                          <p:attrName>style.visibility</p:attrName>
-                                        </p:attrNameLst>
-                                      </p:cBhvr>
-                                      <p:to>
-                                        <p:strVal val="hidden"/>
-                                      </p:to>
-                                    </p:set>
-                                  </p:childTnLst>
-                                </p:cTn>
-                              </p:par>
-                              <p:par>
-                                <p:cTn id="104" presetID="1" presetClass="exit" presetSubtype="0" fill="hold" grpId="1" nodeType="withEffect">
-                                  <p:stCondLst>
-                                    <p:cond delay="0"/>
-                                  </p:stCondLst>
-                                  <p:childTnLst>
-                                    <p:set>
-                                      <p:cBhvr>
-                                        <p:cTn id="105" dur="1" fill="hold">
-                                          <p:stCondLst>
-                                            <p:cond delay="0"/>
-                                          </p:stCondLst>
-                                        </p:cTn>
-                                        <p:tgtEl>
-                                          <p:spTgt spid="14"/>
-                                        </p:tgtEl>
-                                        <p:attrNameLst>
-                                          <p:attrName>style.visibility</p:attrName>
-                                        </p:attrNameLst>
-                                      </p:cBhvr>
-                                      <p:to>
-                                        <p:strVal val="hidden"/>
-                                      </p:to>
-                                    </p:set>
-                                  </p:childTnLst>
-                                </p:cTn>
-                              </p:par>
-                            </p:childTnLst>
-                          </p:cTn>
-                        </p:par>
-                        <p:par>
-                          <p:cTn id="106" fill="hold">
-                            <p:stCondLst>
-                              <p:cond delay="0"/>
-                            </p:stCondLst>
-                            <p:childTnLst>
-                              <p:par>
-                                <p:cTn id="107" presetID="42" presetClass="entr" presetSubtype="0" fill="hold" grpId="0" nodeType="afterEffect">
-                                  <p:stCondLst>
-                                    <p:cond delay="0"/>
-                                  </p:stCondLst>
-                                  <p:childTnLst>
-                                    <p:set>
-                                      <p:cBhvr>
-                                        <p:cTn id="108" dur="1" fill="hold">
-                                          <p:stCondLst>
-                                            <p:cond delay="0"/>
-                                          </p:stCondLst>
-                                        </p:cTn>
-                                        <p:tgtEl>
-                                          <p:spTgt spid="20"/>
-                                        </p:tgtEl>
-                                        <p:attrNameLst>
-                                          <p:attrName>style.visibility</p:attrName>
-                                        </p:attrNameLst>
-                                      </p:cBhvr>
-                                      <p:to>
-                                        <p:strVal val="visible"/>
-                                      </p:to>
-                                    </p:set>
-                                    <p:animEffect transition="in" filter="fade">
-                                      <p:cBhvr>
-                                        <p:cTn id="109" dur="1000"/>
-                                        <p:tgtEl>
-                                          <p:spTgt spid="20"/>
-                                        </p:tgtEl>
-                                      </p:cBhvr>
-                                    </p:animEffect>
-                                    <p:anim calcmode="lin" valueType="num">
-                                      <p:cBhvr>
-                                        <p:cTn id="110" dur="1000" fill="hold"/>
-                                        <p:tgtEl>
-                                          <p:spTgt spid="20"/>
-                                        </p:tgtEl>
-                                        <p:attrNameLst>
-                                          <p:attrName>ppt_x</p:attrName>
-                                        </p:attrNameLst>
-                                      </p:cBhvr>
-                                      <p:tavLst>
-                                        <p:tav tm="0">
-                                          <p:val>
-                                            <p:strVal val="#ppt_x"/>
-                                          </p:val>
-                                        </p:tav>
-                                        <p:tav tm="100000">
-                                          <p:val>
-                                            <p:strVal val="#ppt_x"/>
-                                          </p:val>
-                                        </p:tav>
-                                      </p:tavLst>
-                                    </p:anim>
-                                    <p:anim calcmode="lin" valueType="num">
-                                      <p:cBhvr>
-                                        <p:cTn id="111" dur="1000" fill="hold"/>
-                                        <p:tgtEl>
-                                          <p:spTgt spid="20"/>
-                                        </p:tgtEl>
-                                        <p:attrNameLst>
-                                          <p:attrName>ppt_y</p:attrName>
-                                        </p:attrNameLst>
-                                      </p:cBhvr>
-                                      <p:tavLst>
-                                        <p:tav tm="0">
-                                          <p:val>
-                                            <p:strVal val="#ppt_y+.1"/>
-                                          </p:val>
-                                        </p:tav>
-                                        <p:tav tm="100000">
-                                          <p:val>
-                                            <p:strVal val="#ppt_y"/>
-                                          </p:val>
-                                        </p:tav>
-                                      </p:tavLst>
-                                    </p:anim>
-                                  </p:childTnLst>
-                                </p:cTn>
-                              </p:par>
-                              <p:par>
-                                <p:cTn id="112" presetID="42" presetClass="entr" presetSubtype="0" fill="hold" grpId="0" nodeType="withEffect">
-                                  <p:stCondLst>
-                                    <p:cond delay="0"/>
-                                  </p:stCondLst>
-                                  <p:childTnLst>
-                                    <p:set>
-                                      <p:cBhvr>
-                                        <p:cTn id="113" dur="1" fill="hold">
-                                          <p:stCondLst>
-                                            <p:cond delay="0"/>
-                                          </p:stCondLst>
-                                        </p:cTn>
-                                        <p:tgtEl>
-                                          <p:spTgt spid="15"/>
-                                        </p:tgtEl>
-                                        <p:attrNameLst>
-                                          <p:attrName>style.visibility</p:attrName>
-                                        </p:attrNameLst>
-                                      </p:cBhvr>
-                                      <p:to>
-                                        <p:strVal val="visible"/>
-                                      </p:to>
-                                    </p:set>
-                                    <p:animEffect transition="in" filter="fade">
-                                      <p:cBhvr>
-                                        <p:cTn id="114" dur="1000"/>
-                                        <p:tgtEl>
-                                          <p:spTgt spid="15"/>
-                                        </p:tgtEl>
-                                      </p:cBhvr>
-                                    </p:animEffect>
-                                    <p:anim calcmode="lin" valueType="num">
-                                      <p:cBhvr>
-                                        <p:cTn id="115" dur="1000" fill="hold"/>
-                                        <p:tgtEl>
-                                          <p:spTgt spid="15"/>
-                                        </p:tgtEl>
-                                        <p:attrNameLst>
-                                          <p:attrName>ppt_x</p:attrName>
-                                        </p:attrNameLst>
-                                      </p:cBhvr>
-                                      <p:tavLst>
-                                        <p:tav tm="0">
-                                          <p:val>
-                                            <p:strVal val="#ppt_x"/>
-                                          </p:val>
-                                        </p:tav>
-                                        <p:tav tm="100000">
-                                          <p:val>
-                                            <p:strVal val="#ppt_x"/>
-                                          </p:val>
-                                        </p:tav>
-                                      </p:tavLst>
-                                    </p:anim>
-                                    <p:anim calcmode="lin" valueType="num">
-                                      <p:cBhvr>
-                                        <p:cTn id="116" dur="1000" fill="hold"/>
-                                        <p:tgtEl>
-                                          <p:spTgt spid="15"/>
-                                        </p:tgtEl>
-                                        <p:attrNameLst>
-                                          <p:attrName>ppt_y</p:attrName>
-                                        </p:attrNameLst>
-                                      </p:cBhvr>
-                                      <p:tavLst>
-                                        <p:tav tm="0">
-                                          <p:val>
-                                            <p:strVal val="#ppt_y+.1"/>
-                                          </p:val>
-                                        </p:tav>
-                                        <p:tav tm="100000">
-                                          <p:val>
-                                            <p:strVal val="#ppt_y"/>
-                                          </p:val>
-                                        </p:tav>
-                                      </p:tavLst>
-                                    </p:anim>
-                                  </p:childTnLst>
-                                </p:cTn>
-                              </p:par>
-                            </p:childTnLst>
-                          </p:cTn>
-                        </p:par>
-                      </p:childTnLst>
-                    </p:cTn>
-                  </p:par>
-                  <p:par>
-                    <p:cTn id="117" fill="hold">
-                      <p:stCondLst>
-                        <p:cond delay="indefinite"/>
-                      </p:stCondLst>
-                      <p:childTnLst>
-                        <p:par>
-                          <p:cTn id="118" fill="hold">
-                            <p:stCondLst>
-                              <p:cond delay="0"/>
-                            </p:stCondLst>
-                            <p:childTnLst>
-                              <p:par>
-                                <p:cTn id="119" presetID="1" presetClass="exit" presetSubtype="0" fill="hold" grpId="1" nodeType="clickEffect">
-                                  <p:stCondLst>
-                                    <p:cond delay="0"/>
-                                  </p:stCondLst>
-                                  <p:childTnLst>
-                                    <p:set>
-                                      <p:cBhvr>
-                                        <p:cTn id="120" dur="1" fill="hold">
-                                          <p:stCondLst>
-                                            <p:cond delay="0"/>
-                                          </p:stCondLst>
-                                        </p:cTn>
-                                        <p:tgtEl>
-                                          <p:spTgt spid="20"/>
-                                        </p:tgtEl>
-                                        <p:attrNameLst>
-                                          <p:attrName>style.visibility</p:attrName>
-                                        </p:attrNameLst>
-                                      </p:cBhvr>
-                                      <p:to>
-                                        <p:strVal val="hidden"/>
-                                      </p:to>
-                                    </p:set>
-                                  </p:childTnLst>
-                                </p:cTn>
-                              </p:par>
-                              <p:par>
-                                <p:cTn id="121" presetID="1" presetClass="exit" presetSubtype="0" fill="hold" grpId="1" nodeType="withEffect">
-                                  <p:stCondLst>
-                                    <p:cond delay="0"/>
-                                  </p:stCondLst>
-                                  <p:childTnLst>
-                                    <p:set>
-                                      <p:cBhvr>
-                                        <p:cTn id="122" dur="1" fill="hold">
-                                          <p:stCondLst>
-                                            <p:cond delay="0"/>
-                                          </p:stCondLst>
-                                        </p:cTn>
-                                        <p:tgtEl>
-                                          <p:spTgt spid="15"/>
-                                        </p:tgtEl>
-                                        <p:attrNameLst>
-                                          <p:attrName>style.visibility</p:attrName>
-                                        </p:attrNameLst>
-                                      </p:cBhvr>
-                                      <p:to>
-                                        <p:strVal val="hidden"/>
-                                      </p:to>
-                                    </p:set>
-                                  </p:childTnLst>
-                                </p:cTn>
-                              </p:par>
-                            </p:childTnLst>
-                          </p:cTn>
-                        </p:par>
-                        <p:par>
-                          <p:cTn id="123" fill="hold">
-                            <p:stCondLst>
-                              <p:cond delay="0"/>
-                            </p:stCondLst>
-                            <p:childTnLst>
-                              <p:par>
-                                <p:cTn id="124" presetID="42" presetClass="entr" presetSubtype="0" fill="hold" grpId="0" nodeType="afterEffect">
-                                  <p:stCondLst>
-                                    <p:cond delay="0"/>
-                                  </p:stCondLst>
-                                  <p:childTnLst>
-                                    <p:set>
-                                      <p:cBhvr>
-                                        <p:cTn id="125" dur="1" fill="hold">
-                                          <p:stCondLst>
-                                            <p:cond delay="0"/>
-                                          </p:stCondLst>
-                                        </p:cTn>
-                                        <p:tgtEl>
-                                          <p:spTgt spid="21"/>
-                                        </p:tgtEl>
-                                        <p:attrNameLst>
-                                          <p:attrName>style.visibility</p:attrName>
-                                        </p:attrNameLst>
-                                      </p:cBhvr>
-                                      <p:to>
-                                        <p:strVal val="visible"/>
-                                      </p:to>
-                                    </p:set>
-                                    <p:animEffect transition="in" filter="fade">
-                                      <p:cBhvr>
-                                        <p:cTn id="126" dur="1000"/>
-                                        <p:tgtEl>
-                                          <p:spTgt spid="21"/>
-                                        </p:tgtEl>
-                                      </p:cBhvr>
-                                    </p:animEffect>
-                                    <p:anim calcmode="lin" valueType="num">
-                                      <p:cBhvr>
-                                        <p:cTn id="127" dur="1000" fill="hold"/>
-                                        <p:tgtEl>
-                                          <p:spTgt spid="21"/>
-                                        </p:tgtEl>
-                                        <p:attrNameLst>
-                                          <p:attrName>ppt_x</p:attrName>
-                                        </p:attrNameLst>
-                                      </p:cBhvr>
-                                      <p:tavLst>
-                                        <p:tav tm="0">
-                                          <p:val>
-                                            <p:strVal val="#ppt_x"/>
-                                          </p:val>
-                                        </p:tav>
-                                        <p:tav tm="100000">
-                                          <p:val>
-                                            <p:strVal val="#ppt_x"/>
-                                          </p:val>
-                                        </p:tav>
-                                      </p:tavLst>
-                                    </p:anim>
-                                    <p:anim calcmode="lin" valueType="num">
-                                      <p:cBhvr>
-                                        <p:cTn id="128" dur="1000" fill="hold"/>
-                                        <p:tgtEl>
-                                          <p:spTgt spid="21"/>
-                                        </p:tgtEl>
-                                        <p:attrNameLst>
-                                          <p:attrName>ppt_y</p:attrName>
-                                        </p:attrNameLst>
-                                      </p:cBhvr>
-                                      <p:tavLst>
-                                        <p:tav tm="0">
-                                          <p:val>
-                                            <p:strVal val="#ppt_y+.1"/>
-                                          </p:val>
-                                        </p:tav>
-                                        <p:tav tm="100000">
-                                          <p:val>
-                                            <p:strVal val="#ppt_y"/>
-                                          </p:val>
-                                        </p:tav>
-                                      </p:tavLst>
-                                    </p:anim>
-                                  </p:childTnLst>
-                                </p:cTn>
-                              </p:par>
-                              <p:par>
-                                <p:cTn id="129" presetID="42" presetClass="entr" presetSubtype="0" fill="hold" grpId="0" nodeType="withEffect">
-                                  <p:stCondLst>
-                                    <p:cond delay="0"/>
-                                  </p:stCondLst>
-                                  <p:childTnLst>
-                                    <p:set>
-                                      <p:cBhvr>
-                                        <p:cTn id="130" dur="1" fill="hold">
-                                          <p:stCondLst>
-                                            <p:cond delay="0"/>
-                                          </p:stCondLst>
-                                        </p:cTn>
-                                        <p:tgtEl>
-                                          <p:spTgt spid="16"/>
-                                        </p:tgtEl>
-                                        <p:attrNameLst>
-                                          <p:attrName>style.visibility</p:attrName>
-                                        </p:attrNameLst>
-                                      </p:cBhvr>
-                                      <p:to>
-                                        <p:strVal val="visible"/>
-                                      </p:to>
-                                    </p:set>
-                                    <p:animEffect transition="in" filter="fade">
-                                      <p:cBhvr>
-                                        <p:cTn id="131" dur="1000"/>
-                                        <p:tgtEl>
-                                          <p:spTgt spid="16"/>
-                                        </p:tgtEl>
-                                      </p:cBhvr>
-                                    </p:animEffect>
-                                    <p:anim calcmode="lin" valueType="num">
-                                      <p:cBhvr>
-                                        <p:cTn id="132" dur="1000" fill="hold"/>
-                                        <p:tgtEl>
-                                          <p:spTgt spid="16"/>
-                                        </p:tgtEl>
-                                        <p:attrNameLst>
-                                          <p:attrName>ppt_x</p:attrName>
-                                        </p:attrNameLst>
-                                      </p:cBhvr>
-                                      <p:tavLst>
-                                        <p:tav tm="0">
-                                          <p:val>
-                                            <p:strVal val="#ppt_x"/>
-                                          </p:val>
-                                        </p:tav>
-                                        <p:tav tm="100000">
-                                          <p:val>
-                                            <p:strVal val="#ppt_x"/>
-                                          </p:val>
-                                        </p:tav>
-                                      </p:tavLst>
-                                    </p:anim>
-                                    <p:anim calcmode="lin" valueType="num">
-                                      <p:cBhvr>
-                                        <p:cTn id="133" dur="1000" fill="hold"/>
-                                        <p:tgtEl>
-                                          <p:spTgt spid="16"/>
-                                        </p:tgtEl>
-                                        <p:attrNameLst>
-                                          <p:attrName>ppt_y</p:attrName>
-                                        </p:attrNameLst>
-                                      </p:cBhvr>
-                                      <p:tavLst>
-                                        <p:tav tm="0">
-                                          <p:val>
-                                            <p:strVal val="#ppt_y+.1"/>
-                                          </p:val>
-                                        </p:tav>
-                                        <p:tav tm="100000">
-                                          <p:val>
-                                            <p:strVal val="#ppt_y"/>
-                                          </p:val>
-                                        </p:tav>
-                                      </p:tavLst>
-                                    </p:anim>
-                                  </p:childTnLst>
-                                </p:cTn>
-                              </p:par>
-                            </p:childTnLst>
-                          </p:cTn>
-                        </p:par>
-                      </p:childTnLst>
-                    </p:cTn>
-                  </p:par>
-                </p:childTnLst>
-              </p:cTn>
-              <p:prevCondLst>
-                <p:cond evt="onPrev" delay="0">
-                  <p:tgtEl>
-                    <p:sldTgt/>
-                  </p:tgtEl>
-                </p:cond>
-              </p:prevCondLst>
-              <p:nextCondLst>
-                <p:cond evt="onNext" delay="0">
-                  <p:tgtEl>
-                    <p:sldTgt/>
-                  </p:tgtEl>
-                </p:cond>
-              </p:nextCondLst>
-            </p:seq>
-          </p:childTnLst>
-        </p:cTn>
-      </p:par>
-    </p:tnLst>
-    <p:bldLst>
-      <p:bldP spid="6" grpId="0" build="p"/>
-      <p:bldP spid="6" grpId="1" build="p"/>
-      <p:bldP spid="4" grpId="0" animBg="1"/>
-      <p:bldP spid="4" grpId="1" animBg="1"/>
-      <p:bldP spid="7" grpId="0"/>
-      <p:bldP spid="7" grpId="1"/>
-      <p:bldP spid="8" grpId="0"/>
-      <p:bldP spid="8" grpId="1"/>
-      <p:bldP spid="9" grpId="0" animBg="1"/>
-      <p:bldP spid="9" grpId="1" animBg="1"/>
-      <p:bldP spid="11" grpId="0" animBg="1"/>
-      <p:bldP spid="11" grpId="1" animBg="1"/>
-      <p:bldP spid="12" grpId="0" animBg="1"/>
-      <p:bldP spid="12" grpId="1" animBg="1"/>
-      <p:bldP spid="13" grpId="0" animBg="1"/>
-      <p:bldP spid="13" grpId="1" animBg="1"/>
-      <p:bldP spid="14" grpId="0" animBg="1"/>
-      <p:bldP spid="14" grpId="1" animBg="1"/>
-      <p:bldP spid="15" grpId="0" animBg="1"/>
-      <p:bldP spid="15" grpId="1" animBg="1"/>
-      <p:bldP spid="16" grpId="0" animBg="1"/>
-      <p:bldP spid="17" grpId="0"/>
-      <p:bldP spid="17" grpId="1"/>
-      <p:bldP spid="18" grpId="0"/>
-      <p:bldP spid="18" grpId="1"/>
-      <p:bldP spid="19" grpId="0"/>
-      <p:bldP spid="19" grpId="1"/>
-      <p:bldP spid="20" grpId="0"/>
-      <p:bldP spid="20" grpId="1"/>
-      <p:bldP spid="21" grpId="0"/>
-    </p:bldLst>
-  </p:timing>
 </p:sld>
 </file>
 
-<file path=ppt/slides/slide2.xml><?xml version="1.0" encoding="utf-8"?>
+<file path=ppt/slides/slide3.xml><?xml version="1.0" encoding="utf-8"?>
 <p:sld xmlns:a="http://schemas.openxmlformats.org/drawingml/2006/main" xmlns:r="http://schemas.openxmlformats.org/officeDocument/2006/relationships" xmlns:p="http://schemas.openxmlformats.org/presentationml/2006/main">
   <p:cSld>
     <p:spTree>
@@ -6684,10 +3527,10 @@
       </p:grpSpPr>
       <p:pic>
         <p:nvPicPr>
-          <p:cNvPr id="7" name="圖片 6">
+          <p:cNvPr id="2" name="圖片 1">
             <a:extLst>
               <a:ext uri="{FF2B5EF4-FFF2-40B4-BE49-F238E27FC236}">
-                <a16:creationId xmlns:a16="http://schemas.microsoft.com/office/drawing/2014/main" id="{EB0D067C-A029-47F6-8B63-19446510724A}"/>
+                <a16:creationId xmlns:a16="http://schemas.microsoft.com/office/drawing/2014/main" id="{83F5015B-9D52-4DEB-B919-D9320D5F3E53}"/>
               </a:ext>
             </a:extLst>
           </p:cNvPr>
@@ -6704,8 +3547,8 @@
         </p:blipFill>
         <p:spPr>
           <a:xfrm>
-            <a:off x="225975" y="1296595"/>
-            <a:ext cx="7080144" cy="5007907"/>
+            <a:off x="128464" y="1304456"/>
+            <a:ext cx="7295247" cy="4591846"/>
           </a:xfrm>
           <a:prstGeom prst="rect">
             <a:avLst/>
@@ -6761,7 +3604,7 @@
         </p:nvSpPr>
         <p:spPr>
           <a:xfrm>
-            <a:off x="7401272" y="1270644"/>
+            <a:off x="7533020" y="1758687"/>
             <a:ext cx="2408748" cy="684076"/>
           </a:xfrm>
           <a:prstGeom prst="rect">
@@ -6974,7 +3817,7 @@
         </p:nvSpPr>
         <p:spPr>
           <a:xfrm>
-            <a:off x="704528" y="2276872"/>
+            <a:off x="560512" y="2357522"/>
             <a:ext cx="1152128" cy="1800200"/>
           </a:xfrm>
           <a:prstGeom prst="roundRect">
@@ -7025,8 +3868,8 @@
         </p:nvSpPr>
         <p:spPr>
           <a:xfrm>
-            <a:off x="2504728" y="2420888"/>
-            <a:ext cx="4248472" cy="440432"/>
+            <a:off x="2101000" y="2515752"/>
+            <a:ext cx="4868224" cy="337184"/>
           </a:xfrm>
           <a:prstGeom prst="roundRect">
             <a:avLst/>
@@ -7078,7 +3921,7 @@
         </p:nvSpPr>
         <p:spPr bwMode="ltGray">
           <a:xfrm>
-            <a:off x="7401272" y="1934005"/>
+            <a:off x="7531228" y="2617676"/>
             <a:ext cx="2066467" cy="684076"/>
           </a:xfrm>
           <a:prstGeom prst="rect">
@@ -7297,8 +4140,8 @@
         </p:nvSpPr>
         <p:spPr>
           <a:xfrm>
-            <a:off x="2117775" y="3061215"/>
-            <a:ext cx="4635425" cy="2312001"/>
+            <a:off x="2045772" y="3068960"/>
+            <a:ext cx="5031463" cy="2827342"/>
           </a:xfrm>
           <a:prstGeom prst="roundRect">
             <a:avLst/>
@@ -7348,280 +4191,8 @@
         </p:nvSpPr>
         <p:spPr>
           <a:xfrm>
-            <a:off x="385612" y="1689497"/>
+            <a:off x="215766" y="1660293"/>
             <a:ext cx="5375097" cy="440432"/>
-          </a:xfrm>
-          <a:prstGeom prst="roundRect">
-            <a:avLst/>
-          </a:prstGeom>
-          <a:noFill/>
-          <a:ln w="19050">
-            <a:solidFill>
-              <a:srgbClr val="FF0000"/>
-            </a:solidFill>
-            <a:prstDash val="lgDashDot"/>
-          </a:ln>
-        </p:spPr>
-        <p:style>
-          <a:lnRef idx="1">
-            <a:schemeClr val="accent4"/>
-          </a:lnRef>
-          <a:fillRef idx="3">
-            <a:schemeClr val="accent4"/>
-          </a:fillRef>
-          <a:effectRef idx="2">
-            <a:schemeClr val="accent4"/>
-          </a:effectRef>
-          <a:fontRef idx="minor">
-            <a:schemeClr val="lt1"/>
-          </a:fontRef>
-        </p:style>
-        <p:txBody>
-          <a:bodyPr rtlCol="0" anchor="ctr"/>
-          <a:lstStyle/>
-          <a:p>
-            <a:pPr algn="ctr"/>
-            <a:endParaRPr lang="zh-TW" altLang="en-US"/>
-          </a:p>
-        </p:txBody>
-      </p:sp>
-      <p:sp>
-        <p:nvSpPr>
-          <p:cNvPr id="20" name="內容版面配置區 5">
-            <a:extLst>
-              <a:ext uri="{FF2B5EF4-FFF2-40B4-BE49-F238E27FC236}">
-                <a16:creationId xmlns:a16="http://schemas.microsoft.com/office/drawing/2014/main" id="{122E95E6-27B0-4816-965E-D336C3BA560D}"/>
-              </a:ext>
-            </a:extLst>
-          </p:cNvPr>
-          <p:cNvSpPr txBox="1">
-            <a:spLocks/>
-          </p:cNvSpPr>
-          <p:nvPr/>
-        </p:nvSpPr>
-        <p:spPr bwMode="ltGray">
-          <a:xfrm>
-            <a:off x="7401272" y="2573546"/>
-            <a:ext cx="2066467" cy="684076"/>
-          </a:xfrm>
-          <a:prstGeom prst="rect">
-            <a:avLst/>
-          </a:prstGeom>
-          <a:noFill/>
-        </p:spPr>
-        <p:txBody>
-          <a:bodyPr vert="horz" lIns="91440" tIns="45720" rIns="91440" bIns="45720" rtlCol="0">
-            <a:normAutofit/>
-          </a:bodyPr>
-          <a:lstStyle>
-            <a:lvl1pPr marL="342900" indent="-342900" algn="l" defTabSz="914400" rtl="0" eaLnBrk="1" latinLnBrk="0" hangingPunct="1">
-              <a:lnSpc>
-                <a:spcPct val="100000"/>
-              </a:lnSpc>
-              <a:spcBef>
-                <a:spcPts val="600"/>
-              </a:spcBef>
-              <a:spcAft>
-                <a:spcPts val="600"/>
-              </a:spcAft>
-              <a:buClr>
-                <a:schemeClr val="accent1"/>
-              </a:buClr>
-              <a:buFont typeface="Wingdings" panose="05000000000000000000" pitchFamily="2" charset="2"/>
-              <a:buChar char="l"/>
-              <a:defRPr sz="2800" b="1" kern="1200">
-                <a:solidFill>
-                  <a:srgbClr val="FFFFFF"/>
-                </a:solidFill>
-                <a:latin typeface="微軟正黑體" pitchFamily="34" charset="-120"/>
-                <a:ea typeface="微軟正黑體" pitchFamily="34" charset="-120"/>
-                <a:cs typeface="+mn-cs"/>
-              </a:defRPr>
-            </a:lvl1pPr>
-            <a:lvl2pPr marL="714375" indent="-352425" algn="l" defTabSz="914400" rtl="0" eaLnBrk="1" latinLnBrk="0" hangingPunct="1">
-              <a:lnSpc>
-                <a:spcPct val="100000"/>
-              </a:lnSpc>
-              <a:spcBef>
-                <a:spcPts val="600"/>
-              </a:spcBef>
-              <a:spcAft>
-                <a:spcPts val="600"/>
-              </a:spcAft>
-              <a:buClr>
-                <a:schemeClr val="accent2"/>
-              </a:buClr>
-              <a:buFont typeface="Wingdings" panose="05000000000000000000" pitchFamily="2" charset="2"/>
-              <a:buChar char="u"/>
-              <a:defRPr sz="2400" b="0" kern="1200">
-                <a:solidFill>
-                  <a:srgbClr val="FFFFFF"/>
-                </a:solidFill>
-                <a:latin typeface="微軟正黑體" pitchFamily="34" charset="-120"/>
-                <a:ea typeface="微軟正黑體" pitchFamily="34" charset="-120"/>
-                <a:cs typeface="+mn-cs"/>
-              </a:defRPr>
-            </a:lvl2pPr>
-            <a:lvl3pPr marL="1076325" indent="-266700" algn="l" defTabSz="914400" rtl="0" eaLnBrk="1" latinLnBrk="0" hangingPunct="1">
-              <a:lnSpc>
-                <a:spcPct val="100000"/>
-              </a:lnSpc>
-              <a:spcBef>
-                <a:spcPts val="600"/>
-              </a:spcBef>
-              <a:spcAft>
-                <a:spcPts val="600"/>
-              </a:spcAft>
-              <a:buClr>
-                <a:schemeClr val="accent3"/>
-              </a:buClr>
-              <a:buFont typeface="Wingdings" panose="05000000000000000000" pitchFamily="2" charset="2"/>
-              <a:buChar char="p"/>
-              <a:defRPr sz="2000" kern="1200">
-                <a:solidFill>
-                  <a:srgbClr val="FFFFFF"/>
-                </a:solidFill>
-                <a:latin typeface="微軟正黑體" pitchFamily="34" charset="-120"/>
-                <a:ea typeface="微軟正黑體" pitchFamily="34" charset="-120"/>
-                <a:cs typeface="+mn-cs"/>
-              </a:defRPr>
-            </a:lvl3pPr>
-            <a:lvl4pPr marL="1343025" indent="-180975" algn="l" defTabSz="914400" rtl="0" eaLnBrk="1" latinLnBrk="0" hangingPunct="1">
-              <a:lnSpc>
-                <a:spcPct val="100000"/>
-              </a:lnSpc>
-              <a:spcBef>
-                <a:spcPts val="600"/>
-              </a:spcBef>
-              <a:spcAft>
-                <a:spcPts val="600"/>
-              </a:spcAft>
-              <a:buClr>
-                <a:schemeClr val="accent4"/>
-              </a:buClr>
-              <a:buFont typeface="Wingdings" panose="05000000000000000000" pitchFamily="2" charset="2"/>
-              <a:buChar char="n"/>
-              <a:defRPr sz="1800" kern="1200">
-                <a:solidFill>
-                  <a:srgbClr val="FFFFFF"/>
-                </a:solidFill>
-                <a:latin typeface="微軟正黑體" pitchFamily="34" charset="-120"/>
-                <a:ea typeface="微軟正黑體" pitchFamily="34" charset="-120"/>
-                <a:cs typeface="+mn-cs"/>
-              </a:defRPr>
-            </a:lvl4pPr>
-            <a:lvl5pPr marL="1619250" indent="-276225" algn="l" defTabSz="914400" rtl="0" eaLnBrk="1" latinLnBrk="0" hangingPunct="1">
-              <a:lnSpc>
-                <a:spcPct val="100000"/>
-              </a:lnSpc>
-              <a:spcBef>
-                <a:spcPts val="600"/>
-              </a:spcBef>
-              <a:spcAft>
-                <a:spcPts val="600"/>
-              </a:spcAft>
-              <a:buClr>
-                <a:schemeClr val="accent5"/>
-              </a:buClr>
-              <a:buFont typeface="Arial" pitchFamily="34" charset="0"/>
-              <a:buChar char="»"/>
-              <a:tabLst>
-                <a:tab pos="7981950" algn="l"/>
-              </a:tabLst>
-              <a:defRPr sz="1800" kern="1200">
-                <a:solidFill>
-                  <a:srgbClr val="FFFFFF"/>
-                </a:solidFill>
-                <a:latin typeface="微軟正黑體" pitchFamily="34" charset="-120"/>
-                <a:ea typeface="微軟正黑體" pitchFamily="34" charset="-120"/>
-                <a:cs typeface="+mn-cs"/>
-              </a:defRPr>
-            </a:lvl5pPr>
-            <a:lvl6pPr marL="2514600" indent="-228600" algn="l" defTabSz="914400" rtl="0" eaLnBrk="1" latinLnBrk="0" hangingPunct="1">
-              <a:spcBef>
-                <a:spcPct val="20000"/>
-              </a:spcBef>
-              <a:buFont typeface="Arial" pitchFamily="34" charset="0"/>
-              <a:buChar char="•"/>
-              <a:defRPr sz="2000" kern="1200">
-                <a:solidFill>
-                  <a:schemeClr val="tx1"/>
-                </a:solidFill>
-                <a:latin typeface="+mn-lt"/>
-                <a:ea typeface="+mn-ea"/>
-                <a:cs typeface="+mn-cs"/>
-              </a:defRPr>
-            </a:lvl6pPr>
-            <a:lvl7pPr marL="2971800" indent="-228600" algn="l" defTabSz="914400" rtl="0" eaLnBrk="1" latinLnBrk="0" hangingPunct="1">
-              <a:spcBef>
-                <a:spcPct val="20000"/>
-              </a:spcBef>
-              <a:buFont typeface="Arial" pitchFamily="34" charset="0"/>
-              <a:buChar char="•"/>
-              <a:defRPr sz="2000" kern="1200">
-                <a:solidFill>
-                  <a:schemeClr val="tx1"/>
-                </a:solidFill>
-                <a:latin typeface="+mn-lt"/>
-                <a:ea typeface="+mn-ea"/>
-                <a:cs typeface="+mn-cs"/>
-              </a:defRPr>
-            </a:lvl7pPr>
-            <a:lvl8pPr marL="3429000" indent="-228600" algn="l" defTabSz="914400" rtl="0" eaLnBrk="1" latinLnBrk="0" hangingPunct="1">
-              <a:spcBef>
-                <a:spcPct val="20000"/>
-              </a:spcBef>
-              <a:buFont typeface="Arial" pitchFamily="34" charset="0"/>
-              <a:buChar char="•"/>
-              <a:defRPr sz="2000" kern="1200">
-                <a:solidFill>
-                  <a:schemeClr val="tx1"/>
-                </a:solidFill>
-                <a:latin typeface="+mn-lt"/>
-                <a:ea typeface="+mn-ea"/>
-                <a:cs typeface="+mn-cs"/>
-              </a:defRPr>
-            </a:lvl8pPr>
-            <a:lvl9pPr marL="3886200" indent="-228600" algn="l" defTabSz="914400" rtl="0" eaLnBrk="1" latinLnBrk="0" hangingPunct="1">
-              <a:spcBef>
-                <a:spcPct val="20000"/>
-              </a:spcBef>
-              <a:buFont typeface="Arial" pitchFamily="34" charset="0"/>
-              <a:buChar char="•"/>
-              <a:defRPr sz="2000" kern="1200">
-                <a:solidFill>
-                  <a:schemeClr val="tx1"/>
-                </a:solidFill>
-                <a:latin typeface="+mn-lt"/>
-                <a:ea typeface="+mn-ea"/>
-                <a:cs typeface="+mn-cs"/>
-              </a:defRPr>
-            </a:lvl9pPr>
-          </a:lstStyle>
-          <a:p>
-            <a:r>
-              <a:rPr lang="zh-TW" altLang="en-US" dirty="0"/>
-              <a:t>留言資訊</a:t>
-            </a:r>
-          </a:p>
-        </p:txBody>
-      </p:sp>
-      <p:sp>
-        <p:nvSpPr>
-          <p:cNvPr id="21" name="矩形: 圓角 20">
-            <a:extLst>
-              <a:ext uri="{FF2B5EF4-FFF2-40B4-BE49-F238E27FC236}">
-                <a16:creationId xmlns:a16="http://schemas.microsoft.com/office/drawing/2014/main" id="{8A13AC72-B901-4B36-A143-4B76E46E15D3}"/>
-              </a:ext>
-            </a:extLst>
-          </p:cNvPr>
-          <p:cNvSpPr/>
-          <p:nvPr/>
-        </p:nvSpPr>
-        <p:spPr>
-          <a:xfrm>
-            <a:off x="2117775" y="5733256"/>
-            <a:ext cx="4491409" cy="571246"/>
           </a:xfrm>
           <a:prstGeom prst="roundRect">
             <a:avLst/>
@@ -8403,27 +4974,817 @@
                             </p:childTnLst>
                           </p:cTn>
                         </p:par>
+                      </p:childTnLst>
+                    </p:cTn>
+                  </p:par>
+                </p:childTnLst>
+              </p:cTn>
+              <p:prevCondLst>
+                <p:cond evt="onPrev" delay="0">
+                  <p:tgtEl>
+                    <p:sldTgt/>
+                  </p:tgtEl>
+                </p:cond>
+              </p:prevCondLst>
+              <p:nextCondLst>
+                <p:cond evt="onNext" delay="0">
+                  <p:tgtEl>
+                    <p:sldTgt/>
+                  </p:tgtEl>
+                </p:cond>
+              </p:nextCondLst>
+            </p:seq>
+          </p:childTnLst>
+        </p:cTn>
+      </p:par>
+    </p:tnLst>
+    <p:bldLst>
+      <p:bldP spid="14" grpId="0" build="p"/>
+      <p:bldP spid="14" grpId="1" build="p"/>
+      <p:bldP spid="15" grpId="0" animBg="1"/>
+      <p:bldP spid="15" grpId="1" animBg="1"/>
+      <p:bldP spid="16" grpId="0" animBg="1"/>
+      <p:bldP spid="16" grpId="1" animBg="1"/>
+      <p:bldP spid="17" grpId="0"/>
+      <p:bldP spid="17" grpId="1"/>
+      <p:bldP spid="18" grpId="0" animBg="1"/>
+      <p:bldP spid="18" grpId="1" animBg="1"/>
+      <p:bldP spid="19" grpId="0" animBg="1"/>
+      <p:bldP spid="19" grpId="1" animBg="1"/>
+    </p:bldLst>
+  </p:timing>
+</p:sld>
+</file>
+
+<file path=ppt/slides/slide4.xml><?xml version="1.0" encoding="utf-8"?>
+<p:sld xmlns:a="http://schemas.openxmlformats.org/drawingml/2006/main" xmlns:r="http://schemas.openxmlformats.org/officeDocument/2006/relationships" xmlns:p="http://schemas.openxmlformats.org/presentationml/2006/main">
+  <p:cSld>
+    <p:spTree>
+      <p:nvGrpSpPr>
+        <p:cNvPr id="1" name=""/>
+        <p:cNvGrpSpPr/>
+        <p:nvPr/>
+      </p:nvGrpSpPr>
+      <p:grpSpPr>
+        <a:xfrm>
+          <a:off x="0" y="0"/>
+          <a:ext cx="0" cy="0"/>
+          <a:chOff x="0" y="0"/>
+          <a:chExt cx="0" cy="0"/>
+        </a:xfrm>
+      </p:grpSpPr>
+      <p:pic>
+        <p:nvPicPr>
+          <p:cNvPr id="6" name="圖片 5">
+            <a:extLst>
+              <a:ext uri="{FF2B5EF4-FFF2-40B4-BE49-F238E27FC236}">
+                <a16:creationId xmlns:a16="http://schemas.microsoft.com/office/drawing/2014/main" id="{8578A11F-8804-419E-9AE4-4122BECD0540}"/>
+              </a:ext>
+            </a:extLst>
+          </p:cNvPr>
+          <p:cNvPicPr>
+            <a:picLocks noChangeAspect="1"/>
+          </p:cNvPicPr>
+          <p:nvPr/>
+        </p:nvPicPr>
+        <p:blipFill>
+          <a:blip r:embed="rId2"/>
+          <a:stretch>
+            <a:fillRect/>
+          </a:stretch>
+        </p:blipFill>
+        <p:spPr>
+          <a:xfrm>
+            <a:off x="355171" y="1628800"/>
+            <a:ext cx="6725589" cy="4553585"/>
+          </a:xfrm>
+          <a:prstGeom prst="rect">
+            <a:avLst/>
+          </a:prstGeom>
+        </p:spPr>
+      </p:pic>
+      <p:sp>
+        <p:nvSpPr>
+          <p:cNvPr id="7" name="標題 2">
+            <a:extLst>
+              <a:ext uri="{FF2B5EF4-FFF2-40B4-BE49-F238E27FC236}">
+                <a16:creationId xmlns:a16="http://schemas.microsoft.com/office/drawing/2014/main" id="{2B923221-A4E3-46C0-9C99-4D5571950D1D}"/>
+              </a:ext>
+            </a:extLst>
+          </p:cNvPr>
+          <p:cNvSpPr>
+            <a:spLocks noGrp="1"/>
+          </p:cNvSpPr>
+          <p:nvPr>
+            <p:ph type="title"/>
+          </p:nvPr>
+        </p:nvSpPr>
+        <p:spPr>
+          <a:xfrm>
+            <a:off x="2828763" y="91552"/>
+            <a:ext cx="4248472" cy="764704"/>
+          </a:xfrm>
+        </p:spPr>
+        <p:txBody>
+          <a:bodyPr/>
+          <a:lstStyle/>
+          <a:p>
+            <a:r>
+              <a:rPr lang="zh-TW" altLang="en-US" dirty="0"/>
+              <a:t>文章頁面</a:t>
+            </a:r>
+          </a:p>
+        </p:txBody>
+      </p:sp>
+      <p:sp>
+        <p:nvSpPr>
+          <p:cNvPr id="8" name="內容版面配置區 5">
+            <a:extLst>
+              <a:ext uri="{FF2B5EF4-FFF2-40B4-BE49-F238E27FC236}">
+                <a16:creationId xmlns:a16="http://schemas.microsoft.com/office/drawing/2014/main" id="{4AEF341E-18D4-4C76-AA74-2E859A0DE1FC}"/>
+              </a:ext>
+            </a:extLst>
+          </p:cNvPr>
+          <p:cNvSpPr txBox="1">
+            <a:spLocks/>
+          </p:cNvSpPr>
+          <p:nvPr/>
+        </p:nvSpPr>
+        <p:spPr>
+          <a:xfrm>
+            <a:off x="7533020" y="1758687"/>
+            <a:ext cx="2408748" cy="684076"/>
+          </a:xfrm>
+          <a:prstGeom prst="rect">
+            <a:avLst/>
+          </a:prstGeom>
+        </p:spPr>
+        <p:txBody>
+          <a:bodyPr/>
+          <a:lstStyle>
+            <a:lvl1pPr marL="342900" indent="-342900" algn="l" defTabSz="914400" rtl="0" eaLnBrk="1" latinLnBrk="0" hangingPunct="1">
+              <a:lnSpc>
+                <a:spcPct val="100000"/>
+              </a:lnSpc>
+              <a:spcBef>
+                <a:spcPts val="600"/>
+              </a:spcBef>
+              <a:spcAft>
+                <a:spcPts val="600"/>
+              </a:spcAft>
+              <a:buClr>
+                <a:schemeClr val="accent1"/>
+              </a:buClr>
+              <a:buFont typeface="Wingdings" panose="05000000000000000000" pitchFamily="2" charset="2"/>
+              <a:buChar char="l"/>
+              <a:defRPr sz="2800" b="1" kern="1200">
+                <a:solidFill>
+                  <a:schemeClr val="bg1"/>
+                </a:solidFill>
+                <a:latin typeface="微軟正黑體" pitchFamily="34" charset="-120"/>
+                <a:ea typeface="微軟正黑體" pitchFamily="34" charset="-120"/>
+                <a:cs typeface="+mn-cs"/>
+              </a:defRPr>
+            </a:lvl1pPr>
+            <a:lvl2pPr marL="714375" indent="-352425" algn="l" defTabSz="914400" rtl="0" eaLnBrk="1" latinLnBrk="0" hangingPunct="1">
+              <a:lnSpc>
+                <a:spcPct val="100000"/>
+              </a:lnSpc>
+              <a:spcBef>
+                <a:spcPts val="600"/>
+              </a:spcBef>
+              <a:spcAft>
+                <a:spcPts val="600"/>
+              </a:spcAft>
+              <a:buClr>
+                <a:schemeClr val="accent2"/>
+              </a:buClr>
+              <a:buFont typeface="Wingdings" panose="05000000000000000000" pitchFamily="2" charset="2"/>
+              <a:buChar char="u"/>
+              <a:defRPr sz="2400" b="0" kern="1200">
+                <a:solidFill>
+                  <a:schemeClr val="bg1"/>
+                </a:solidFill>
+                <a:latin typeface="微軟正黑體" pitchFamily="34" charset="-120"/>
+                <a:ea typeface="微軟正黑體" pitchFamily="34" charset="-120"/>
+                <a:cs typeface="+mn-cs"/>
+              </a:defRPr>
+            </a:lvl2pPr>
+            <a:lvl3pPr marL="990600" indent="-276225" algn="l" defTabSz="914400" rtl="0" eaLnBrk="1" latinLnBrk="0" hangingPunct="1">
+              <a:lnSpc>
+                <a:spcPct val="100000"/>
+              </a:lnSpc>
+              <a:spcBef>
+                <a:spcPts val="600"/>
+              </a:spcBef>
+              <a:spcAft>
+                <a:spcPts val="600"/>
+              </a:spcAft>
+              <a:buClr>
+                <a:schemeClr val="accent3"/>
+              </a:buClr>
+              <a:buFont typeface="Wingdings" panose="05000000000000000000" pitchFamily="2" charset="2"/>
+              <a:buChar char="p"/>
+              <a:defRPr sz="2000" kern="1200">
+                <a:solidFill>
+                  <a:schemeClr val="bg1"/>
+                </a:solidFill>
+                <a:latin typeface="微軟正黑體" pitchFamily="34" charset="-120"/>
+                <a:ea typeface="微軟正黑體" pitchFamily="34" charset="-120"/>
+                <a:cs typeface="+mn-cs"/>
+              </a:defRPr>
+            </a:lvl3pPr>
+            <a:lvl4pPr marL="1257300" indent="-266700" algn="l" defTabSz="914400" rtl="0" eaLnBrk="1" latinLnBrk="0" hangingPunct="1">
+              <a:lnSpc>
+                <a:spcPct val="100000"/>
+              </a:lnSpc>
+              <a:spcBef>
+                <a:spcPts val="600"/>
+              </a:spcBef>
+              <a:spcAft>
+                <a:spcPts val="600"/>
+              </a:spcAft>
+              <a:buClr>
+                <a:schemeClr val="accent4"/>
+              </a:buClr>
+              <a:buFont typeface="Wingdings" panose="05000000000000000000" pitchFamily="2" charset="2"/>
+              <a:buChar char="n"/>
+              <a:defRPr sz="1800" kern="1200">
+                <a:solidFill>
+                  <a:schemeClr val="bg1"/>
+                </a:solidFill>
+                <a:latin typeface="微軟正黑體" pitchFamily="34" charset="-120"/>
+                <a:ea typeface="微軟正黑體" pitchFamily="34" charset="-120"/>
+                <a:cs typeface="+mn-cs"/>
+              </a:defRPr>
+            </a:lvl4pPr>
+            <a:lvl5pPr marL="1524000" indent="-266700" algn="l" defTabSz="914400" rtl="0" eaLnBrk="1" latinLnBrk="0" hangingPunct="1">
+              <a:lnSpc>
+                <a:spcPct val="100000"/>
+              </a:lnSpc>
+              <a:spcBef>
+                <a:spcPts val="600"/>
+              </a:spcBef>
+              <a:spcAft>
+                <a:spcPts val="600"/>
+              </a:spcAft>
+              <a:buClr>
+                <a:schemeClr val="accent5"/>
+              </a:buClr>
+              <a:buFont typeface="Arial" pitchFamily="34" charset="0"/>
+              <a:buChar char="»"/>
+              <a:defRPr sz="1800" kern="1200">
+                <a:solidFill>
+                  <a:schemeClr val="bg1"/>
+                </a:solidFill>
+                <a:latin typeface="微軟正黑體" pitchFamily="34" charset="-120"/>
+                <a:ea typeface="微軟正黑體" pitchFamily="34" charset="-120"/>
+                <a:cs typeface="+mn-cs"/>
+              </a:defRPr>
+            </a:lvl5pPr>
+            <a:lvl6pPr marL="2514600" indent="-228600" algn="l" defTabSz="914400" rtl="0" eaLnBrk="1" latinLnBrk="0" hangingPunct="1">
+              <a:spcBef>
+                <a:spcPct val="20000"/>
+              </a:spcBef>
+              <a:buFont typeface="Arial" pitchFamily="34" charset="0"/>
+              <a:buChar char="•"/>
+              <a:defRPr sz="2000" kern="1200">
+                <a:solidFill>
+                  <a:schemeClr val="tx1"/>
+                </a:solidFill>
+                <a:latin typeface="+mn-lt"/>
+                <a:ea typeface="+mn-ea"/>
+                <a:cs typeface="+mn-cs"/>
+              </a:defRPr>
+            </a:lvl6pPr>
+            <a:lvl7pPr marL="2971800" indent="-228600" algn="l" defTabSz="914400" rtl="0" eaLnBrk="1" latinLnBrk="0" hangingPunct="1">
+              <a:spcBef>
+                <a:spcPct val="20000"/>
+              </a:spcBef>
+              <a:buFont typeface="Arial" pitchFamily="34" charset="0"/>
+              <a:buChar char="•"/>
+              <a:defRPr sz="2000" kern="1200">
+                <a:solidFill>
+                  <a:schemeClr val="tx1"/>
+                </a:solidFill>
+                <a:latin typeface="+mn-lt"/>
+                <a:ea typeface="+mn-ea"/>
+                <a:cs typeface="+mn-cs"/>
+              </a:defRPr>
+            </a:lvl7pPr>
+            <a:lvl8pPr marL="3429000" indent="-228600" algn="l" defTabSz="914400" rtl="0" eaLnBrk="1" latinLnBrk="0" hangingPunct="1">
+              <a:spcBef>
+                <a:spcPct val="20000"/>
+              </a:spcBef>
+              <a:buFont typeface="Arial" pitchFamily="34" charset="0"/>
+              <a:buChar char="•"/>
+              <a:defRPr sz="2000" kern="1200">
+                <a:solidFill>
+                  <a:schemeClr val="tx1"/>
+                </a:solidFill>
+                <a:latin typeface="+mn-lt"/>
+                <a:ea typeface="+mn-ea"/>
+                <a:cs typeface="+mn-cs"/>
+              </a:defRPr>
+            </a:lvl8pPr>
+            <a:lvl9pPr marL="3886200" indent="-228600" algn="l" defTabSz="914400" rtl="0" eaLnBrk="1" latinLnBrk="0" hangingPunct="1">
+              <a:spcBef>
+                <a:spcPct val="20000"/>
+              </a:spcBef>
+              <a:buFont typeface="Arial" pitchFamily="34" charset="0"/>
+              <a:buChar char="•"/>
+              <a:defRPr sz="2000" kern="1200">
+                <a:solidFill>
+                  <a:schemeClr val="tx1"/>
+                </a:solidFill>
+                <a:latin typeface="+mn-lt"/>
+                <a:ea typeface="+mn-ea"/>
+                <a:cs typeface="+mn-cs"/>
+              </a:defRPr>
+            </a:lvl9pPr>
+          </a:lstStyle>
+          <a:p>
+            <a:r>
+              <a:rPr lang="zh-TW" altLang="en-US" dirty="0"/>
+              <a:t>使用者資訊</a:t>
+            </a:r>
+          </a:p>
+        </p:txBody>
+      </p:sp>
+      <p:sp>
+        <p:nvSpPr>
+          <p:cNvPr id="9" name="矩形: 圓角 8">
+            <a:extLst>
+              <a:ext uri="{FF2B5EF4-FFF2-40B4-BE49-F238E27FC236}">
+                <a16:creationId xmlns:a16="http://schemas.microsoft.com/office/drawing/2014/main" id="{CB411F34-FCD7-4B7E-A569-3B35291059C3}"/>
+              </a:ext>
+            </a:extLst>
+          </p:cNvPr>
+          <p:cNvSpPr/>
+          <p:nvPr/>
+        </p:nvSpPr>
+        <p:spPr>
+          <a:xfrm>
+            <a:off x="560512" y="2357522"/>
+            <a:ext cx="1152128" cy="1800200"/>
+          </a:xfrm>
+          <a:prstGeom prst="roundRect">
+            <a:avLst/>
+          </a:prstGeom>
+          <a:noFill/>
+          <a:ln w="19050">
+            <a:solidFill>
+              <a:srgbClr val="FF0000"/>
+            </a:solidFill>
+            <a:prstDash val="lgDashDot"/>
+          </a:ln>
+        </p:spPr>
+        <p:style>
+          <a:lnRef idx="1">
+            <a:schemeClr val="accent4"/>
+          </a:lnRef>
+          <a:fillRef idx="3">
+            <a:schemeClr val="accent4"/>
+          </a:fillRef>
+          <a:effectRef idx="2">
+            <a:schemeClr val="accent4"/>
+          </a:effectRef>
+          <a:fontRef idx="minor">
+            <a:schemeClr val="lt1"/>
+          </a:fontRef>
+        </p:style>
+        <p:txBody>
+          <a:bodyPr rtlCol="0" anchor="ctr"/>
+          <a:lstStyle/>
+          <a:p>
+            <a:pPr algn="ctr"/>
+            <a:endParaRPr lang="zh-TW" altLang="en-US"/>
+          </a:p>
+        </p:txBody>
+      </p:sp>
+      <p:sp>
+        <p:nvSpPr>
+          <p:cNvPr id="10" name="矩形: 圓角 9">
+            <a:extLst>
+              <a:ext uri="{FF2B5EF4-FFF2-40B4-BE49-F238E27FC236}">
+                <a16:creationId xmlns:a16="http://schemas.microsoft.com/office/drawing/2014/main" id="{27F5970D-ADD8-4CED-BBF2-0C9B5F316D84}"/>
+              </a:ext>
+            </a:extLst>
+          </p:cNvPr>
+          <p:cNvSpPr/>
+          <p:nvPr/>
+        </p:nvSpPr>
+        <p:spPr>
+          <a:xfrm>
+            <a:off x="2101000" y="2515752"/>
+            <a:ext cx="4868224" cy="337184"/>
+          </a:xfrm>
+          <a:prstGeom prst="roundRect">
+            <a:avLst/>
+          </a:prstGeom>
+          <a:noFill/>
+          <a:ln w="19050">
+            <a:solidFill>
+              <a:srgbClr val="FF0000"/>
+            </a:solidFill>
+            <a:prstDash val="lgDashDot"/>
+          </a:ln>
+        </p:spPr>
+        <p:style>
+          <a:lnRef idx="1">
+            <a:schemeClr val="accent4"/>
+          </a:lnRef>
+          <a:fillRef idx="3">
+            <a:schemeClr val="accent4"/>
+          </a:fillRef>
+          <a:effectRef idx="2">
+            <a:schemeClr val="accent4"/>
+          </a:effectRef>
+          <a:fontRef idx="minor">
+            <a:schemeClr val="lt1"/>
+          </a:fontRef>
+        </p:style>
+        <p:txBody>
+          <a:bodyPr rtlCol="0" anchor="ctr"/>
+          <a:lstStyle/>
+          <a:p>
+            <a:pPr algn="ctr"/>
+            <a:endParaRPr lang="zh-TW" altLang="en-US"/>
+          </a:p>
+        </p:txBody>
+      </p:sp>
+      <p:sp>
+        <p:nvSpPr>
+          <p:cNvPr id="11" name="內容版面配置區 5">
+            <a:extLst>
+              <a:ext uri="{FF2B5EF4-FFF2-40B4-BE49-F238E27FC236}">
+                <a16:creationId xmlns:a16="http://schemas.microsoft.com/office/drawing/2014/main" id="{56A76130-25B8-42C3-B770-5F774E9B955E}"/>
+              </a:ext>
+            </a:extLst>
+          </p:cNvPr>
+          <p:cNvSpPr txBox="1">
+            <a:spLocks/>
+          </p:cNvSpPr>
+          <p:nvPr/>
+        </p:nvSpPr>
+        <p:spPr bwMode="ltGray">
+          <a:xfrm>
+            <a:off x="7531228" y="2617676"/>
+            <a:ext cx="2066467" cy="684076"/>
+          </a:xfrm>
+          <a:prstGeom prst="rect">
+            <a:avLst/>
+          </a:prstGeom>
+          <a:noFill/>
+        </p:spPr>
+        <p:txBody>
+          <a:bodyPr vert="horz" lIns="91440" tIns="45720" rIns="91440" bIns="45720" rtlCol="0">
+            <a:normAutofit/>
+          </a:bodyPr>
+          <a:lstStyle>
+            <a:lvl1pPr marL="342900" indent="-342900" algn="l" defTabSz="914400" rtl="0" eaLnBrk="1" latinLnBrk="0" hangingPunct="1">
+              <a:lnSpc>
+                <a:spcPct val="100000"/>
+              </a:lnSpc>
+              <a:spcBef>
+                <a:spcPts val="600"/>
+              </a:spcBef>
+              <a:spcAft>
+                <a:spcPts val="600"/>
+              </a:spcAft>
+              <a:buClr>
+                <a:schemeClr val="accent1"/>
+              </a:buClr>
+              <a:buFont typeface="Wingdings" panose="05000000000000000000" pitchFamily="2" charset="2"/>
+              <a:buChar char="l"/>
+              <a:defRPr sz="2800" b="1" kern="1200">
+                <a:solidFill>
+                  <a:srgbClr val="FFFFFF"/>
+                </a:solidFill>
+                <a:latin typeface="微軟正黑體" pitchFamily="34" charset="-120"/>
+                <a:ea typeface="微軟正黑體" pitchFamily="34" charset="-120"/>
+                <a:cs typeface="+mn-cs"/>
+              </a:defRPr>
+            </a:lvl1pPr>
+            <a:lvl2pPr marL="714375" indent="-352425" algn="l" defTabSz="914400" rtl="0" eaLnBrk="1" latinLnBrk="0" hangingPunct="1">
+              <a:lnSpc>
+                <a:spcPct val="100000"/>
+              </a:lnSpc>
+              <a:spcBef>
+                <a:spcPts val="600"/>
+              </a:spcBef>
+              <a:spcAft>
+                <a:spcPts val="600"/>
+              </a:spcAft>
+              <a:buClr>
+                <a:schemeClr val="accent2"/>
+              </a:buClr>
+              <a:buFont typeface="Wingdings" panose="05000000000000000000" pitchFamily="2" charset="2"/>
+              <a:buChar char="u"/>
+              <a:defRPr sz="2400" b="0" kern="1200">
+                <a:solidFill>
+                  <a:srgbClr val="FFFFFF"/>
+                </a:solidFill>
+                <a:latin typeface="微軟正黑體" pitchFamily="34" charset="-120"/>
+                <a:ea typeface="微軟正黑體" pitchFamily="34" charset="-120"/>
+                <a:cs typeface="+mn-cs"/>
+              </a:defRPr>
+            </a:lvl2pPr>
+            <a:lvl3pPr marL="1076325" indent="-266700" algn="l" defTabSz="914400" rtl="0" eaLnBrk="1" latinLnBrk="0" hangingPunct="1">
+              <a:lnSpc>
+                <a:spcPct val="100000"/>
+              </a:lnSpc>
+              <a:spcBef>
+                <a:spcPts val="600"/>
+              </a:spcBef>
+              <a:spcAft>
+                <a:spcPts val="600"/>
+              </a:spcAft>
+              <a:buClr>
+                <a:schemeClr val="accent3"/>
+              </a:buClr>
+              <a:buFont typeface="Wingdings" panose="05000000000000000000" pitchFamily="2" charset="2"/>
+              <a:buChar char="p"/>
+              <a:defRPr sz="2000" kern="1200">
+                <a:solidFill>
+                  <a:srgbClr val="FFFFFF"/>
+                </a:solidFill>
+                <a:latin typeface="微軟正黑體" pitchFamily="34" charset="-120"/>
+                <a:ea typeface="微軟正黑體" pitchFamily="34" charset="-120"/>
+                <a:cs typeface="+mn-cs"/>
+              </a:defRPr>
+            </a:lvl3pPr>
+            <a:lvl4pPr marL="1343025" indent="-180975" algn="l" defTabSz="914400" rtl="0" eaLnBrk="1" latinLnBrk="0" hangingPunct="1">
+              <a:lnSpc>
+                <a:spcPct val="100000"/>
+              </a:lnSpc>
+              <a:spcBef>
+                <a:spcPts val="600"/>
+              </a:spcBef>
+              <a:spcAft>
+                <a:spcPts val="600"/>
+              </a:spcAft>
+              <a:buClr>
+                <a:schemeClr val="accent4"/>
+              </a:buClr>
+              <a:buFont typeface="Wingdings" panose="05000000000000000000" pitchFamily="2" charset="2"/>
+              <a:buChar char="n"/>
+              <a:defRPr sz="1800" kern="1200">
+                <a:solidFill>
+                  <a:srgbClr val="FFFFFF"/>
+                </a:solidFill>
+                <a:latin typeface="微軟正黑體" pitchFamily="34" charset="-120"/>
+                <a:ea typeface="微軟正黑體" pitchFamily="34" charset="-120"/>
+                <a:cs typeface="+mn-cs"/>
+              </a:defRPr>
+            </a:lvl4pPr>
+            <a:lvl5pPr marL="1619250" indent="-276225" algn="l" defTabSz="914400" rtl="0" eaLnBrk="1" latinLnBrk="0" hangingPunct="1">
+              <a:lnSpc>
+                <a:spcPct val="100000"/>
+              </a:lnSpc>
+              <a:spcBef>
+                <a:spcPts val="600"/>
+              </a:spcBef>
+              <a:spcAft>
+                <a:spcPts val="600"/>
+              </a:spcAft>
+              <a:buClr>
+                <a:schemeClr val="accent5"/>
+              </a:buClr>
+              <a:buFont typeface="Arial" pitchFamily="34" charset="0"/>
+              <a:buChar char="»"/>
+              <a:tabLst>
+                <a:tab pos="7981950" algn="l"/>
+              </a:tabLst>
+              <a:defRPr sz="1800" kern="1200">
+                <a:solidFill>
+                  <a:srgbClr val="FFFFFF"/>
+                </a:solidFill>
+                <a:latin typeface="微軟正黑體" pitchFamily="34" charset="-120"/>
+                <a:ea typeface="微軟正黑體" pitchFamily="34" charset="-120"/>
+                <a:cs typeface="+mn-cs"/>
+              </a:defRPr>
+            </a:lvl5pPr>
+            <a:lvl6pPr marL="2514600" indent="-228600" algn="l" defTabSz="914400" rtl="0" eaLnBrk="1" latinLnBrk="0" hangingPunct="1">
+              <a:spcBef>
+                <a:spcPct val="20000"/>
+              </a:spcBef>
+              <a:buFont typeface="Arial" pitchFamily="34" charset="0"/>
+              <a:buChar char="•"/>
+              <a:defRPr sz="2000" kern="1200">
+                <a:solidFill>
+                  <a:schemeClr val="tx1"/>
+                </a:solidFill>
+                <a:latin typeface="+mn-lt"/>
+                <a:ea typeface="+mn-ea"/>
+                <a:cs typeface="+mn-cs"/>
+              </a:defRPr>
+            </a:lvl6pPr>
+            <a:lvl7pPr marL="2971800" indent="-228600" algn="l" defTabSz="914400" rtl="0" eaLnBrk="1" latinLnBrk="0" hangingPunct="1">
+              <a:spcBef>
+                <a:spcPct val="20000"/>
+              </a:spcBef>
+              <a:buFont typeface="Arial" pitchFamily="34" charset="0"/>
+              <a:buChar char="•"/>
+              <a:defRPr sz="2000" kern="1200">
+                <a:solidFill>
+                  <a:schemeClr val="tx1"/>
+                </a:solidFill>
+                <a:latin typeface="+mn-lt"/>
+                <a:ea typeface="+mn-ea"/>
+                <a:cs typeface="+mn-cs"/>
+              </a:defRPr>
+            </a:lvl7pPr>
+            <a:lvl8pPr marL="3429000" indent="-228600" algn="l" defTabSz="914400" rtl="0" eaLnBrk="1" latinLnBrk="0" hangingPunct="1">
+              <a:spcBef>
+                <a:spcPct val="20000"/>
+              </a:spcBef>
+              <a:buFont typeface="Arial" pitchFamily="34" charset="0"/>
+              <a:buChar char="•"/>
+              <a:defRPr sz="2000" kern="1200">
+                <a:solidFill>
+                  <a:schemeClr val="tx1"/>
+                </a:solidFill>
+                <a:latin typeface="+mn-lt"/>
+                <a:ea typeface="+mn-ea"/>
+                <a:cs typeface="+mn-cs"/>
+              </a:defRPr>
+            </a:lvl8pPr>
+            <a:lvl9pPr marL="3886200" indent="-228600" algn="l" defTabSz="914400" rtl="0" eaLnBrk="1" latinLnBrk="0" hangingPunct="1">
+              <a:spcBef>
+                <a:spcPct val="20000"/>
+              </a:spcBef>
+              <a:buFont typeface="Arial" pitchFamily="34" charset="0"/>
+              <a:buChar char="•"/>
+              <a:defRPr sz="2000" kern="1200">
+                <a:solidFill>
+                  <a:schemeClr val="tx1"/>
+                </a:solidFill>
+                <a:latin typeface="+mn-lt"/>
+                <a:ea typeface="+mn-ea"/>
+                <a:cs typeface="+mn-cs"/>
+              </a:defRPr>
+            </a:lvl9pPr>
+          </a:lstStyle>
+          <a:p>
+            <a:r>
+              <a:rPr lang="zh-TW" altLang="en-US" dirty="0"/>
+              <a:t>文章資訊</a:t>
+            </a:r>
+          </a:p>
+        </p:txBody>
+      </p:sp>
+      <p:sp>
+        <p:nvSpPr>
+          <p:cNvPr id="12" name="矩形: 圓角 11">
+            <a:extLst>
+              <a:ext uri="{FF2B5EF4-FFF2-40B4-BE49-F238E27FC236}">
+                <a16:creationId xmlns:a16="http://schemas.microsoft.com/office/drawing/2014/main" id="{4C392E92-5729-413A-82B9-440DBF227DE5}"/>
+              </a:ext>
+            </a:extLst>
+          </p:cNvPr>
+          <p:cNvSpPr/>
+          <p:nvPr/>
+        </p:nvSpPr>
+        <p:spPr>
+          <a:xfrm>
+            <a:off x="2045772" y="3068960"/>
+            <a:ext cx="5031463" cy="2827342"/>
+          </a:xfrm>
+          <a:prstGeom prst="roundRect">
+            <a:avLst/>
+          </a:prstGeom>
+          <a:noFill/>
+          <a:ln w="19050">
+            <a:solidFill>
+              <a:srgbClr val="FF0000"/>
+            </a:solidFill>
+            <a:prstDash val="lgDashDot"/>
+          </a:ln>
+        </p:spPr>
+        <p:style>
+          <a:lnRef idx="1">
+            <a:schemeClr val="accent4"/>
+          </a:lnRef>
+          <a:fillRef idx="3">
+            <a:schemeClr val="accent4"/>
+          </a:fillRef>
+          <a:effectRef idx="2">
+            <a:schemeClr val="accent4"/>
+          </a:effectRef>
+          <a:fontRef idx="minor">
+            <a:schemeClr val="lt1"/>
+          </a:fontRef>
+        </p:style>
+        <p:txBody>
+          <a:bodyPr rtlCol="0" anchor="ctr"/>
+          <a:lstStyle/>
+          <a:p>
+            <a:pPr algn="ctr"/>
+            <a:endParaRPr lang="zh-TW" altLang="en-US"/>
+          </a:p>
+        </p:txBody>
+      </p:sp>
+      <p:sp>
+        <p:nvSpPr>
+          <p:cNvPr id="13" name="矩形: 圓角 12">
+            <a:extLst>
+              <a:ext uri="{FF2B5EF4-FFF2-40B4-BE49-F238E27FC236}">
+                <a16:creationId xmlns:a16="http://schemas.microsoft.com/office/drawing/2014/main" id="{CE2B544C-8B17-4763-9386-F9BC74816FA6}"/>
+              </a:ext>
+            </a:extLst>
+          </p:cNvPr>
+          <p:cNvSpPr/>
+          <p:nvPr/>
+        </p:nvSpPr>
+        <p:spPr>
+          <a:xfrm>
+            <a:off x="215766" y="1660293"/>
+            <a:ext cx="5375097" cy="440432"/>
+          </a:xfrm>
+          <a:prstGeom prst="roundRect">
+            <a:avLst/>
+          </a:prstGeom>
+          <a:noFill/>
+          <a:ln w="19050">
+            <a:solidFill>
+              <a:srgbClr val="FF0000"/>
+            </a:solidFill>
+            <a:prstDash val="lgDashDot"/>
+          </a:ln>
+        </p:spPr>
+        <p:style>
+          <a:lnRef idx="1">
+            <a:schemeClr val="accent4"/>
+          </a:lnRef>
+          <a:fillRef idx="3">
+            <a:schemeClr val="accent4"/>
+          </a:fillRef>
+          <a:effectRef idx="2">
+            <a:schemeClr val="accent4"/>
+          </a:effectRef>
+          <a:fontRef idx="minor">
+            <a:schemeClr val="lt1"/>
+          </a:fontRef>
+        </p:style>
+        <p:txBody>
+          <a:bodyPr rtlCol="0" anchor="ctr"/>
+          <a:lstStyle/>
+          <a:p>
+            <a:pPr algn="ctr"/>
+            <a:endParaRPr lang="zh-TW" altLang="en-US"/>
+          </a:p>
+        </p:txBody>
+      </p:sp>
+    </p:spTree>
+    <p:extLst>
+      <p:ext uri="{BB962C8B-B14F-4D97-AF65-F5344CB8AC3E}">
+        <p14:creationId xmlns:p14="http://schemas.microsoft.com/office/powerpoint/2010/main" val="934090460"/>
+      </p:ext>
+    </p:extLst>
+  </p:cSld>
+  <p:clrMapOvr>
+    <a:masterClrMapping/>
+  </p:clrMapOvr>
+  <p:timing>
+    <p:tnLst>
+      <p:par>
+        <p:cTn id="1" dur="indefinite" restart="never" nodeType="tmRoot">
+          <p:childTnLst>
+            <p:seq concurrent="1" nextAc="seek">
+              <p:cTn id="2" dur="indefinite" nodeType="mainSeq">
+                <p:childTnLst>
+                  <p:par>
+                    <p:cTn id="3" fill="hold">
+                      <p:stCondLst>
+                        <p:cond delay="indefinite"/>
+                      </p:stCondLst>
+                      <p:childTnLst>
                         <p:par>
-                          <p:cTn id="52" fill="hold">
+                          <p:cTn id="4" fill="hold">
                             <p:stCondLst>
                               <p:cond delay="0"/>
                             </p:stCondLst>
                             <p:childTnLst>
                               <p:par>
-                                <p:cTn id="53" presetID="42" presetClass="entr" presetSubtype="0" fill="hold" grpId="0" nodeType="afterEffect">
+                                <p:cTn id="5" presetID="42" presetClass="entr" presetSubtype="0" fill="hold" grpId="0" nodeType="clickEffect">
                                   <p:stCondLst>
                                     <p:cond delay="0"/>
                                   </p:stCondLst>
                                   <p:childTnLst>
                                     <p:set>
                                       <p:cBhvr>
-                                        <p:cTn id="54" dur="1" fill="hold">
+                                        <p:cTn id="6" dur="1" fill="hold">
                                           <p:stCondLst>
                                             <p:cond delay="0"/>
                                           </p:stCondLst>
                                         </p:cTn>
                                         <p:tgtEl>
-                                          <p:spTgt spid="20"/>
+                                          <p:spTgt spid="8">
+                                            <p:txEl>
+                                              <p:pRg st="0" end="0"/>
+                                            </p:txEl>
+                                          </p:spTgt>
                                         </p:tgtEl>
                                         <p:attrNameLst>
                                           <p:attrName>style.visibility</p:attrName>
@@ -8435,17 +5796,25 @@
                                     </p:set>
                                     <p:animEffect transition="in" filter="fade">
                                       <p:cBhvr>
-                                        <p:cTn id="55" dur="1000"/>
+                                        <p:cTn id="7" dur="1000"/>
                                         <p:tgtEl>
-                                          <p:spTgt spid="20"/>
+                                          <p:spTgt spid="8">
+                                            <p:txEl>
+                                              <p:pRg st="0" end="0"/>
+                                            </p:txEl>
+                                          </p:spTgt>
                                         </p:tgtEl>
                                       </p:cBhvr>
                                     </p:animEffect>
                                     <p:anim calcmode="lin" valueType="num">
                                       <p:cBhvr>
-                                        <p:cTn id="56" dur="1000" fill="hold"/>
+                                        <p:cTn id="8" dur="1000" fill="hold"/>
                                         <p:tgtEl>
-                                          <p:spTgt spid="20"/>
+                                          <p:spTgt spid="8">
+                                            <p:txEl>
+                                              <p:pRg st="0" end="0"/>
+                                            </p:txEl>
+                                          </p:spTgt>
                                         </p:tgtEl>
                                         <p:attrNameLst>
                                           <p:attrName>ppt_x</p:attrName>
@@ -8466,9 +5835,13 @@
                                     </p:anim>
                                     <p:anim calcmode="lin" valueType="num">
                                       <p:cBhvr>
-                                        <p:cTn id="57" dur="1000" fill="hold"/>
+                                        <p:cTn id="9" dur="1000" fill="hold"/>
                                         <p:tgtEl>
-                                          <p:spTgt spid="20"/>
+                                          <p:spTgt spid="8">
+                                            <p:txEl>
+                                              <p:pRg st="0" end="0"/>
+                                            </p:txEl>
+                                          </p:spTgt>
                                         </p:tgtEl>
                                         <p:attrNameLst>
                                           <p:attrName>ppt_y</p:attrName>
@@ -8491,20 +5864,20 @@
                                 </p:cTn>
                               </p:par>
                               <p:par>
-                                <p:cTn id="58" presetID="42" presetClass="entr" presetSubtype="0" fill="hold" grpId="0" nodeType="withEffect">
+                                <p:cTn id="10" presetID="42" presetClass="entr" presetSubtype="0" fill="hold" grpId="0" nodeType="withEffect">
                                   <p:stCondLst>
                                     <p:cond delay="0"/>
                                   </p:stCondLst>
                                   <p:childTnLst>
                                     <p:set>
                                       <p:cBhvr>
-                                        <p:cTn id="59" dur="1" fill="hold">
+                                        <p:cTn id="11" dur="1" fill="hold">
                                           <p:stCondLst>
                                             <p:cond delay="0"/>
                                           </p:stCondLst>
                                         </p:cTn>
                                         <p:tgtEl>
-                                          <p:spTgt spid="21"/>
+                                          <p:spTgt spid="9"/>
                                         </p:tgtEl>
                                         <p:attrNameLst>
                                           <p:attrName>style.visibility</p:attrName>
@@ -8516,17 +5889,17 @@
                                     </p:set>
                                     <p:animEffect transition="in" filter="fade">
                                       <p:cBhvr>
-                                        <p:cTn id="60" dur="1000"/>
+                                        <p:cTn id="12" dur="1000"/>
                                         <p:tgtEl>
-                                          <p:spTgt spid="21"/>
+                                          <p:spTgt spid="9"/>
                                         </p:tgtEl>
                                       </p:cBhvr>
                                     </p:animEffect>
                                     <p:anim calcmode="lin" valueType="num">
                                       <p:cBhvr>
-                                        <p:cTn id="61" dur="1000" fill="hold"/>
+                                        <p:cTn id="13" dur="1000" fill="hold"/>
                                         <p:tgtEl>
-                                          <p:spTgt spid="21"/>
+                                          <p:spTgt spid="9"/>
                                         </p:tgtEl>
                                         <p:attrNameLst>
                                           <p:attrName>ppt_x</p:attrName>
@@ -8547,9 +5920,90 @@
                                     </p:anim>
                                     <p:anim calcmode="lin" valueType="num">
                                       <p:cBhvr>
-                                        <p:cTn id="62" dur="1000" fill="hold"/>
+                                        <p:cTn id="14" dur="1000" fill="hold"/>
                                         <p:tgtEl>
-                                          <p:spTgt spid="21"/>
+                                          <p:spTgt spid="9"/>
+                                        </p:tgtEl>
+                                        <p:attrNameLst>
+                                          <p:attrName>ppt_y</p:attrName>
+                                        </p:attrNameLst>
+                                      </p:cBhvr>
+                                      <p:tavLst>
+                                        <p:tav tm="0">
+                                          <p:val>
+                                            <p:strVal val="#ppt_y+.1"/>
+                                          </p:val>
+                                        </p:tav>
+                                        <p:tav tm="100000">
+                                          <p:val>
+                                            <p:strVal val="#ppt_y"/>
+                                          </p:val>
+                                        </p:tav>
+                                      </p:tavLst>
+                                    </p:anim>
+                                  </p:childTnLst>
+                                </p:cTn>
+                              </p:par>
+                              <p:par>
+                                <p:cTn id="15" presetID="42" presetClass="entr" presetSubtype="0" fill="hold" grpId="0" nodeType="withEffect">
+                                  <p:stCondLst>
+                                    <p:cond delay="0"/>
+                                  </p:stCondLst>
+                                  <p:childTnLst>
+                                    <p:set>
+                                      <p:cBhvr>
+                                        <p:cTn id="16" dur="1" fill="hold">
+                                          <p:stCondLst>
+                                            <p:cond delay="0"/>
+                                          </p:stCondLst>
+                                        </p:cTn>
+                                        <p:tgtEl>
+                                          <p:spTgt spid="10"/>
+                                        </p:tgtEl>
+                                        <p:attrNameLst>
+                                          <p:attrName>style.visibility</p:attrName>
+                                        </p:attrNameLst>
+                                      </p:cBhvr>
+                                      <p:to>
+                                        <p:strVal val="visible"/>
+                                      </p:to>
+                                    </p:set>
+                                    <p:animEffect transition="in" filter="fade">
+                                      <p:cBhvr>
+                                        <p:cTn id="17" dur="1000"/>
+                                        <p:tgtEl>
+                                          <p:spTgt spid="10"/>
+                                        </p:tgtEl>
+                                      </p:cBhvr>
+                                    </p:animEffect>
+                                    <p:anim calcmode="lin" valueType="num">
+                                      <p:cBhvr>
+                                        <p:cTn id="18" dur="1000" fill="hold"/>
+                                        <p:tgtEl>
+                                          <p:spTgt spid="10"/>
+                                        </p:tgtEl>
+                                        <p:attrNameLst>
+                                          <p:attrName>ppt_x</p:attrName>
+                                        </p:attrNameLst>
+                                      </p:cBhvr>
+                                      <p:tavLst>
+                                        <p:tav tm="0">
+                                          <p:val>
+                                            <p:strVal val="#ppt_x"/>
+                                          </p:val>
+                                        </p:tav>
+                                        <p:tav tm="100000">
+                                          <p:val>
+                                            <p:strVal val="#ppt_x"/>
+                                          </p:val>
+                                        </p:tav>
+                                      </p:tavLst>
+                                    </p:anim>
+                                    <p:anim calcmode="lin" valueType="num">
+                                      <p:cBhvr>
+                                        <p:cTn id="19" dur="1000" fill="hold"/>
+                                        <p:tgtEl>
+                                          <p:spTgt spid="10"/>
                                         </p:tgtEl>
                                         <p:attrNameLst>
                                           <p:attrName>ppt_y</p:attrName>
@@ -8578,32 +6032,36 @@
                     </p:cTn>
                   </p:par>
                   <p:par>
-                    <p:cTn id="63" fill="hold">
+                    <p:cTn id="20" fill="hold">
                       <p:stCondLst>
                         <p:cond delay="indefinite"/>
                       </p:stCondLst>
                       <p:childTnLst>
                         <p:par>
-                          <p:cTn id="64" fill="hold">
+                          <p:cTn id="21" fill="hold">
                             <p:stCondLst>
                               <p:cond delay="0"/>
                             </p:stCondLst>
                             <p:childTnLst>
                               <p:par>
-                                <p:cTn id="65" presetID="1" presetClass="exit" presetSubtype="0" fill="hold" grpId="1" nodeType="clickEffect">
+                                <p:cTn id="22" presetID="1" presetClass="exit" presetSubtype="0" fill="hold" grpId="1" nodeType="clickEffect">
                                   <p:stCondLst>
                                     <p:cond delay="0"/>
                                   </p:stCondLst>
                                   <p:childTnLst>
                                     <p:set>
                                       <p:cBhvr>
-                                        <p:cTn id="66" dur="1" fill="hold">
+                                        <p:cTn id="23" dur="1" fill="hold">
                                           <p:stCondLst>
                                             <p:cond delay="0"/>
                                           </p:stCondLst>
                                         </p:cTn>
                                         <p:tgtEl>
-                                          <p:spTgt spid="20"/>
+                                          <p:spTgt spid="8">
+                                            <p:txEl>
+                                              <p:pRg st="0" end="0"/>
+                                            </p:txEl>
+                                          </p:spTgt>
                                         </p:tgtEl>
                                         <p:attrNameLst>
                                           <p:attrName>style.visibility</p:attrName>
@@ -8617,20 +6075,398 @@
                                 </p:cTn>
                               </p:par>
                               <p:par>
-                                <p:cTn id="67" presetID="1" presetClass="exit" presetSubtype="0" fill="hold" grpId="1" nodeType="withEffect">
+                                <p:cTn id="24" presetID="1" presetClass="exit" presetSubtype="0" fill="hold" grpId="1" nodeType="withEffect">
                                   <p:stCondLst>
                                     <p:cond delay="0"/>
                                   </p:stCondLst>
                                   <p:childTnLst>
                                     <p:set>
                                       <p:cBhvr>
-                                        <p:cTn id="68" dur="1" fill="hold">
+                                        <p:cTn id="25" dur="1" fill="hold">
                                           <p:stCondLst>
                                             <p:cond delay="0"/>
                                           </p:stCondLst>
                                         </p:cTn>
                                         <p:tgtEl>
-                                          <p:spTgt spid="21"/>
+                                          <p:spTgt spid="9"/>
+                                        </p:tgtEl>
+                                        <p:attrNameLst>
+                                          <p:attrName>style.visibility</p:attrName>
+                                        </p:attrNameLst>
+                                      </p:cBhvr>
+                                      <p:to>
+                                        <p:strVal val="hidden"/>
+                                      </p:to>
+                                    </p:set>
+                                  </p:childTnLst>
+                                </p:cTn>
+                              </p:par>
+                              <p:par>
+                                <p:cTn id="26" presetID="1" presetClass="exit" presetSubtype="0" fill="hold" grpId="1" nodeType="withEffect">
+                                  <p:stCondLst>
+                                    <p:cond delay="0"/>
+                                  </p:stCondLst>
+                                  <p:childTnLst>
+                                    <p:set>
+                                      <p:cBhvr>
+                                        <p:cTn id="27" dur="1" fill="hold">
+                                          <p:stCondLst>
+                                            <p:cond delay="0"/>
+                                          </p:stCondLst>
+                                        </p:cTn>
+                                        <p:tgtEl>
+                                          <p:spTgt spid="10"/>
+                                        </p:tgtEl>
+                                        <p:attrNameLst>
+                                          <p:attrName>style.visibility</p:attrName>
+                                        </p:attrNameLst>
+                                      </p:cBhvr>
+                                      <p:to>
+                                        <p:strVal val="hidden"/>
+                                      </p:to>
+                                    </p:set>
+                                  </p:childTnLst>
+                                </p:cTn>
+                              </p:par>
+                            </p:childTnLst>
+                          </p:cTn>
+                        </p:par>
+                        <p:par>
+                          <p:cTn id="28" fill="hold">
+                            <p:stCondLst>
+                              <p:cond delay="0"/>
+                            </p:stCondLst>
+                            <p:childTnLst>
+                              <p:par>
+                                <p:cTn id="29" presetID="42" presetClass="entr" presetSubtype="0" fill="hold" grpId="0" nodeType="afterEffect">
+                                  <p:stCondLst>
+                                    <p:cond delay="0"/>
+                                  </p:stCondLst>
+                                  <p:childTnLst>
+                                    <p:set>
+                                      <p:cBhvr>
+                                        <p:cTn id="30" dur="1" fill="hold">
+                                          <p:stCondLst>
+                                            <p:cond delay="0"/>
+                                          </p:stCondLst>
+                                        </p:cTn>
+                                        <p:tgtEl>
+                                          <p:spTgt spid="11"/>
+                                        </p:tgtEl>
+                                        <p:attrNameLst>
+                                          <p:attrName>style.visibility</p:attrName>
+                                        </p:attrNameLst>
+                                      </p:cBhvr>
+                                      <p:to>
+                                        <p:strVal val="visible"/>
+                                      </p:to>
+                                    </p:set>
+                                    <p:animEffect transition="in" filter="fade">
+                                      <p:cBhvr>
+                                        <p:cTn id="31" dur="1000"/>
+                                        <p:tgtEl>
+                                          <p:spTgt spid="11"/>
+                                        </p:tgtEl>
+                                      </p:cBhvr>
+                                    </p:animEffect>
+                                    <p:anim calcmode="lin" valueType="num">
+                                      <p:cBhvr>
+                                        <p:cTn id="32" dur="1000" fill="hold"/>
+                                        <p:tgtEl>
+                                          <p:spTgt spid="11"/>
+                                        </p:tgtEl>
+                                        <p:attrNameLst>
+                                          <p:attrName>ppt_x</p:attrName>
+                                        </p:attrNameLst>
+                                      </p:cBhvr>
+                                      <p:tavLst>
+                                        <p:tav tm="0">
+                                          <p:val>
+                                            <p:strVal val="#ppt_x"/>
+                                          </p:val>
+                                        </p:tav>
+                                        <p:tav tm="100000">
+                                          <p:val>
+                                            <p:strVal val="#ppt_x"/>
+                                          </p:val>
+                                        </p:tav>
+                                      </p:tavLst>
+                                    </p:anim>
+                                    <p:anim calcmode="lin" valueType="num">
+                                      <p:cBhvr>
+                                        <p:cTn id="33" dur="1000" fill="hold"/>
+                                        <p:tgtEl>
+                                          <p:spTgt spid="11"/>
+                                        </p:tgtEl>
+                                        <p:attrNameLst>
+                                          <p:attrName>ppt_y</p:attrName>
+                                        </p:attrNameLst>
+                                      </p:cBhvr>
+                                      <p:tavLst>
+                                        <p:tav tm="0">
+                                          <p:val>
+                                            <p:strVal val="#ppt_y+.1"/>
+                                          </p:val>
+                                        </p:tav>
+                                        <p:tav tm="100000">
+                                          <p:val>
+                                            <p:strVal val="#ppt_y"/>
+                                          </p:val>
+                                        </p:tav>
+                                      </p:tavLst>
+                                    </p:anim>
+                                  </p:childTnLst>
+                                </p:cTn>
+                              </p:par>
+                              <p:par>
+                                <p:cTn id="34" presetID="42" presetClass="entr" presetSubtype="0" fill="hold" grpId="0" nodeType="withEffect">
+                                  <p:stCondLst>
+                                    <p:cond delay="0"/>
+                                  </p:stCondLst>
+                                  <p:childTnLst>
+                                    <p:set>
+                                      <p:cBhvr>
+                                        <p:cTn id="35" dur="1" fill="hold">
+                                          <p:stCondLst>
+                                            <p:cond delay="0"/>
+                                          </p:stCondLst>
+                                        </p:cTn>
+                                        <p:tgtEl>
+                                          <p:spTgt spid="12"/>
+                                        </p:tgtEl>
+                                        <p:attrNameLst>
+                                          <p:attrName>style.visibility</p:attrName>
+                                        </p:attrNameLst>
+                                      </p:cBhvr>
+                                      <p:to>
+                                        <p:strVal val="visible"/>
+                                      </p:to>
+                                    </p:set>
+                                    <p:animEffect transition="in" filter="fade">
+                                      <p:cBhvr>
+                                        <p:cTn id="36" dur="1000"/>
+                                        <p:tgtEl>
+                                          <p:spTgt spid="12"/>
+                                        </p:tgtEl>
+                                      </p:cBhvr>
+                                    </p:animEffect>
+                                    <p:anim calcmode="lin" valueType="num">
+                                      <p:cBhvr>
+                                        <p:cTn id="37" dur="1000" fill="hold"/>
+                                        <p:tgtEl>
+                                          <p:spTgt spid="12"/>
+                                        </p:tgtEl>
+                                        <p:attrNameLst>
+                                          <p:attrName>ppt_x</p:attrName>
+                                        </p:attrNameLst>
+                                      </p:cBhvr>
+                                      <p:tavLst>
+                                        <p:tav tm="0">
+                                          <p:val>
+                                            <p:strVal val="#ppt_x"/>
+                                          </p:val>
+                                        </p:tav>
+                                        <p:tav tm="100000">
+                                          <p:val>
+                                            <p:strVal val="#ppt_x"/>
+                                          </p:val>
+                                        </p:tav>
+                                      </p:tavLst>
+                                    </p:anim>
+                                    <p:anim calcmode="lin" valueType="num">
+                                      <p:cBhvr>
+                                        <p:cTn id="38" dur="1000" fill="hold"/>
+                                        <p:tgtEl>
+                                          <p:spTgt spid="12"/>
+                                        </p:tgtEl>
+                                        <p:attrNameLst>
+                                          <p:attrName>ppt_y</p:attrName>
+                                        </p:attrNameLst>
+                                      </p:cBhvr>
+                                      <p:tavLst>
+                                        <p:tav tm="0">
+                                          <p:val>
+                                            <p:strVal val="#ppt_y+.1"/>
+                                          </p:val>
+                                        </p:tav>
+                                        <p:tav tm="100000">
+                                          <p:val>
+                                            <p:strVal val="#ppt_y"/>
+                                          </p:val>
+                                        </p:tav>
+                                      </p:tavLst>
+                                    </p:anim>
+                                  </p:childTnLst>
+                                </p:cTn>
+                              </p:par>
+                              <p:par>
+                                <p:cTn id="39" presetID="42" presetClass="entr" presetSubtype="0" fill="hold" grpId="0" nodeType="withEffect">
+                                  <p:stCondLst>
+                                    <p:cond delay="0"/>
+                                  </p:stCondLst>
+                                  <p:childTnLst>
+                                    <p:set>
+                                      <p:cBhvr>
+                                        <p:cTn id="40" dur="1" fill="hold">
+                                          <p:stCondLst>
+                                            <p:cond delay="0"/>
+                                          </p:stCondLst>
+                                        </p:cTn>
+                                        <p:tgtEl>
+                                          <p:spTgt spid="13"/>
+                                        </p:tgtEl>
+                                        <p:attrNameLst>
+                                          <p:attrName>style.visibility</p:attrName>
+                                        </p:attrNameLst>
+                                      </p:cBhvr>
+                                      <p:to>
+                                        <p:strVal val="visible"/>
+                                      </p:to>
+                                    </p:set>
+                                    <p:animEffect transition="in" filter="fade">
+                                      <p:cBhvr>
+                                        <p:cTn id="41" dur="1000"/>
+                                        <p:tgtEl>
+                                          <p:spTgt spid="13"/>
+                                        </p:tgtEl>
+                                      </p:cBhvr>
+                                    </p:animEffect>
+                                    <p:anim calcmode="lin" valueType="num">
+                                      <p:cBhvr>
+                                        <p:cTn id="42" dur="1000" fill="hold"/>
+                                        <p:tgtEl>
+                                          <p:spTgt spid="13"/>
+                                        </p:tgtEl>
+                                        <p:attrNameLst>
+                                          <p:attrName>ppt_x</p:attrName>
+                                        </p:attrNameLst>
+                                      </p:cBhvr>
+                                      <p:tavLst>
+                                        <p:tav tm="0">
+                                          <p:val>
+                                            <p:strVal val="#ppt_x"/>
+                                          </p:val>
+                                        </p:tav>
+                                        <p:tav tm="100000">
+                                          <p:val>
+                                            <p:strVal val="#ppt_x"/>
+                                          </p:val>
+                                        </p:tav>
+                                      </p:tavLst>
+                                    </p:anim>
+                                    <p:anim calcmode="lin" valueType="num">
+                                      <p:cBhvr>
+                                        <p:cTn id="43" dur="1000" fill="hold"/>
+                                        <p:tgtEl>
+                                          <p:spTgt spid="13"/>
+                                        </p:tgtEl>
+                                        <p:attrNameLst>
+                                          <p:attrName>ppt_y</p:attrName>
+                                        </p:attrNameLst>
+                                      </p:cBhvr>
+                                      <p:tavLst>
+                                        <p:tav tm="0">
+                                          <p:val>
+                                            <p:strVal val="#ppt_y+.1"/>
+                                          </p:val>
+                                        </p:tav>
+                                        <p:tav tm="100000">
+                                          <p:val>
+                                            <p:strVal val="#ppt_y"/>
+                                          </p:val>
+                                        </p:tav>
+                                      </p:tavLst>
+                                    </p:anim>
+                                  </p:childTnLst>
+                                </p:cTn>
+                              </p:par>
+                            </p:childTnLst>
+                          </p:cTn>
+                        </p:par>
+                      </p:childTnLst>
+                    </p:cTn>
+                  </p:par>
+                  <p:par>
+                    <p:cTn id="44" fill="hold">
+                      <p:stCondLst>
+                        <p:cond delay="indefinite"/>
+                      </p:stCondLst>
+                      <p:childTnLst>
+                        <p:par>
+                          <p:cTn id="45" fill="hold">
+                            <p:stCondLst>
+                              <p:cond delay="0"/>
+                            </p:stCondLst>
+                            <p:childTnLst>
+                              <p:par>
+                                <p:cTn id="46" presetID="1" presetClass="exit" presetSubtype="0" fill="hold" grpId="1" nodeType="clickEffect">
+                                  <p:stCondLst>
+                                    <p:cond delay="0"/>
+                                  </p:stCondLst>
+                                  <p:childTnLst>
+                                    <p:set>
+                                      <p:cBhvr>
+                                        <p:cTn id="47" dur="1" fill="hold">
+                                          <p:stCondLst>
+                                            <p:cond delay="0"/>
+                                          </p:stCondLst>
+                                        </p:cTn>
+                                        <p:tgtEl>
+                                          <p:spTgt spid="11"/>
+                                        </p:tgtEl>
+                                        <p:attrNameLst>
+                                          <p:attrName>style.visibility</p:attrName>
+                                        </p:attrNameLst>
+                                      </p:cBhvr>
+                                      <p:to>
+                                        <p:strVal val="hidden"/>
+                                      </p:to>
+                                    </p:set>
+                                  </p:childTnLst>
+                                </p:cTn>
+                              </p:par>
+                              <p:par>
+                                <p:cTn id="48" presetID="1" presetClass="exit" presetSubtype="0" fill="hold" grpId="1" nodeType="withEffect">
+                                  <p:stCondLst>
+                                    <p:cond delay="0"/>
+                                  </p:stCondLst>
+                                  <p:childTnLst>
+                                    <p:set>
+                                      <p:cBhvr>
+                                        <p:cTn id="49" dur="1" fill="hold">
+                                          <p:stCondLst>
+                                            <p:cond delay="0"/>
+                                          </p:stCondLst>
+                                        </p:cTn>
+                                        <p:tgtEl>
+                                          <p:spTgt spid="12"/>
+                                        </p:tgtEl>
+                                        <p:attrNameLst>
+                                          <p:attrName>style.visibility</p:attrName>
+                                        </p:attrNameLst>
+                                      </p:cBhvr>
+                                      <p:to>
+                                        <p:strVal val="hidden"/>
+                                      </p:to>
+                                    </p:set>
+                                  </p:childTnLst>
+                                </p:cTn>
+                              </p:par>
+                              <p:par>
+                                <p:cTn id="50" presetID="1" presetClass="exit" presetSubtype="0" fill="hold" grpId="1" nodeType="withEffect">
+                                  <p:stCondLst>
+                                    <p:cond delay="0"/>
+                                  </p:stCondLst>
+                                  <p:childTnLst>
+                                    <p:set>
+                                      <p:cBhvr>
+                                        <p:cTn id="51" dur="1" fill="hold">
+                                          <p:stCondLst>
+                                            <p:cond delay="0"/>
+                                          </p:stCondLst>
+                                        </p:cTn>
+                                        <p:tgtEl>
+                                          <p:spTgt spid="13"/>
                                         </p:tgtEl>
                                         <p:attrNameLst>
                                           <p:attrName>style.visibility</p:attrName>
@@ -8671,22 +6507,18 @@
       </p:par>
     </p:tnLst>
     <p:bldLst>
-      <p:bldP spid="14" grpId="0" build="p"/>
-      <p:bldP spid="14" grpId="1" build="p"/>
-      <p:bldP spid="15" grpId="0" animBg="1"/>
-      <p:bldP spid="15" grpId="1" animBg="1"/>
-      <p:bldP spid="16" grpId="0" animBg="1"/>
-      <p:bldP spid="16" grpId="1" animBg="1"/>
-      <p:bldP spid="17" grpId="0"/>
-      <p:bldP spid="17" grpId="1"/>
-      <p:bldP spid="18" grpId="0" animBg="1"/>
-      <p:bldP spid="18" grpId="1" animBg="1"/>
-      <p:bldP spid="19" grpId="0" animBg="1"/>
-      <p:bldP spid="19" grpId="1" animBg="1"/>
-      <p:bldP spid="20" grpId="0"/>
-      <p:bldP spid="20" grpId="1"/>
-      <p:bldP spid="21" grpId="0" animBg="1"/>
-      <p:bldP spid="21" grpId="1" animBg="1"/>
+      <p:bldP spid="8" grpId="0" build="p"/>
+      <p:bldP spid="8" grpId="1" build="p"/>
+      <p:bldP spid="9" grpId="0" animBg="1"/>
+      <p:bldP spid="9" grpId="1" animBg="1"/>
+      <p:bldP spid="10" grpId="0" animBg="1"/>
+      <p:bldP spid="10" grpId="1" animBg="1"/>
+      <p:bldP spid="11" grpId="0"/>
+      <p:bldP spid="11" grpId="1"/>
+      <p:bldP spid="12" grpId="0" animBg="1"/>
+      <p:bldP spid="12" grpId="1" animBg="1"/>
+      <p:bldP spid="13" grpId="0" animBg="1"/>
+      <p:bldP spid="13" grpId="1" animBg="1"/>
     </p:bldLst>
   </p:timing>
 </p:sld>

--- a/docs/ppt/Siyan.pptx
+++ b/docs/ppt/Siyan.pptx
@@ -5055,7 +5055,7 @@
         </p:blipFill>
         <p:spPr>
           <a:xfrm>
-            <a:off x="355171" y="1628800"/>
+            <a:off x="319763" y="1660293"/>
             <a:ext cx="6725589" cy="4553585"/>
           </a:xfrm>
           <a:prstGeom prst="rect">
@@ -5112,7 +5112,7 @@
         </p:nvSpPr>
         <p:spPr>
           <a:xfrm>
-            <a:off x="7533020" y="1758687"/>
+            <a:off x="7413805" y="1690344"/>
             <a:ext cx="2408748" cy="684076"/>
           </a:xfrm>
           <a:prstGeom prst="rect">
@@ -5325,8 +5325,8 @@
         </p:nvSpPr>
         <p:spPr>
           <a:xfrm>
-            <a:off x="560512" y="2357522"/>
-            <a:ext cx="1152128" cy="1800200"/>
+            <a:off x="632520" y="1733016"/>
+            <a:ext cx="1872208" cy="3071467"/>
           </a:xfrm>
           <a:prstGeom prst="roundRect">
             <a:avLst/>
@@ -5364,57 +5364,6 @@
       </p:sp>
       <p:sp>
         <p:nvSpPr>
-          <p:cNvPr id="10" name="矩形: 圓角 9">
-            <a:extLst>
-              <a:ext uri="{FF2B5EF4-FFF2-40B4-BE49-F238E27FC236}">
-                <a16:creationId xmlns:a16="http://schemas.microsoft.com/office/drawing/2014/main" id="{27F5970D-ADD8-4CED-BBF2-0C9B5F316D84}"/>
-              </a:ext>
-            </a:extLst>
-          </p:cNvPr>
-          <p:cNvSpPr/>
-          <p:nvPr/>
-        </p:nvSpPr>
-        <p:spPr>
-          <a:xfrm>
-            <a:off x="2101000" y="2515752"/>
-            <a:ext cx="4868224" cy="337184"/>
-          </a:xfrm>
-          <a:prstGeom prst="roundRect">
-            <a:avLst/>
-          </a:prstGeom>
-          <a:noFill/>
-          <a:ln w="19050">
-            <a:solidFill>
-              <a:srgbClr val="FF0000"/>
-            </a:solidFill>
-            <a:prstDash val="lgDashDot"/>
-          </a:ln>
-        </p:spPr>
-        <p:style>
-          <a:lnRef idx="1">
-            <a:schemeClr val="accent4"/>
-          </a:lnRef>
-          <a:fillRef idx="3">
-            <a:schemeClr val="accent4"/>
-          </a:fillRef>
-          <a:effectRef idx="2">
-            <a:schemeClr val="accent4"/>
-          </a:effectRef>
-          <a:fontRef idx="minor">
-            <a:schemeClr val="lt1"/>
-          </a:fontRef>
-        </p:style>
-        <p:txBody>
-          <a:bodyPr rtlCol="0" anchor="ctr"/>
-          <a:lstStyle/>
-          <a:p>
-            <a:pPr algn="ctr"/>
-            <a:endParaRPr lang="zh-TW" altLang="en-US"/>
-          </a:p>
-        </p:txBody>
-      </p:sp>
-      <p:sp>
-        <p:nvSpPr>
           <p:cNvPr id="11" name="內容版面配置區 5">
             <a:extLst>
               <a:ext uri="{FF2B5EF4-FFF2-40B4-BE49-F238E27FC236}">
@@ -5429,7 +5378,7 @@
         </p:nvSpPr>
         <p:spPr bwMode="ltGray">
           <a:xfrm>
-            <a:off x="7531228" y="2617676"/>
+            <a:off x="7413805" y="2584673"/>
             <a:ext cx="2066467" cy="684076"/>
           </a:xfrm>
           <a:prstGeom prst="rect">
@@ -5629,7 +5578,7 @@
           <a:p>
             <a:r>
               <a:rPr lang="zh-TW" altLang="en-US" dirty="0"/>
-              <a:t>文章資訊</a:t>
+              <a:t>留言資訊</a:t>
             </a:r>
           </a:p>
         </p:txBody>
@@ -5648,59 +5597,8 @@
         </p:nvSpPr>
         <p:spPr>
           <a:xfrm>
-            <a:off x="2045772" y="3068960"/>
-            <a:ext cx="5031463" cy="2827342"/>
-          </a:xfrm>
-          <a:prstGeom prst="roundRect">
-            <a:avLst/>
-          </a:prstGeom>
-          <a:noFill/>
-          <a:ln w="19050">
-            <a:solidFill>
-              <a:srgbClr val="FF0000"/>
-            </a:solidFill>
-            <a:prstDash val="lgDashDot"/>
-          </a:ln>
-        </p:spPr>
-        <p:style>
-          <a:lnRef idx="1">
-            <a:schemeClr val="accent4"/>
-          </a:lnRef>
-          <a:fillRef idx="3">
-            <a:schemeClr val="accent4"/>
-          </a:fillRef>
-          <a:effectRef idx="2">
-            <a:schemeClr val="accent4"/>
-          </a:effectRef>
-          <a:fontRef idx="minor">
-            <a:schemeClr val="lt1"/>
-          </a:fontRef>
-        </p:style>
-        <p:txBody>
-          <a:bodyPr rtlCol="0" anchor="ctr"/>
-          <a:lstStyle/>
-          <a:p>
-            <a:pPr algn="ctr"/>
-            <a:endParaRPr lang="zh-TW" altLang="en-US"/>
-          </a:p>
-        </p:txBody>
-      </p:sp>
-      <p:sp>
-        <p:nvSpPr>
-          <p:cNvPr id="13" name="矩形: 圓角 12">
-            <a:extLst>
-              <a:ext uri="{FF2B5EF4-FFF2-40B4-BE49-F238E27FC236}">
-                <a16:creationId xmlns:a16="http://schemas.microsoft.com/office/drawing/2014/main" id="{CE2B544C-8B17-4763-9386-F9BC74816FA6}"/>
-              </a:ext>
-            </a:extLst>
-          </p:cNvPr>
-          <p:cNvSpPr/>
-          <p:nvPr/>
-        </p:nvSpPr>
-        <p:spPr>
-          <a:xfrm>
-            <a:off x="215766" y="1660293"/>
-            <a:ext cx="5375097" cy="440432"/>
+            <a:off x="2988794" y="2996952"/>
+            <a:ext cx="4088441" cy="1800200"/>
           </a:xfrm>
           <a:prstGeom prst="roundRect">
             <a:avLst/>
@@ -5944,21 +5842,106 @@
                                   </p:childTnLst>
                                 </p:cTn>
                               </p:par>
+                            </p:childTnLst>
+                          </p:cTn>
+                        </p:par>
+                      </p:childTnLst>
+                    </p:cTn>
+                  </p:par>
+                  <p:par>
+                    <p:cTn id="15" fill="hold">
+                      <p:stCondLst>
+                        <p:cond delay="indefinite"/>
+                      </p:stCondLst>
+                      <p:childTnLst>
+                        <p:par>
+                          <p:cTn id="16" fill="hold">
+                            <p:stCondLst>
+                              <p:cond delay="0"/>
+                            </p:stCondLst>
+                            <p:childTnLst>
                               <p:par>
-                                <p:cTn id="15" presetID="42" presetClass="entr" presetSubtype="0" fill="hold" grpId="0" nodeType="withEffect">
+                                <p:cTn id="17" presetID="1" presetClass="exit" presetSubtype="0" fill="hold" grpId="1" nodeType="clickEffect">
                                   <p:stCondLst>
                                     <p:cond delay="0"/>
                                   </p:stCondLst>
                                   <p:childTnLst>
                                     <p:set>
                                       <p:cBhvr>
-                                        <p:cTn id="16" dur="1" fill="hold">
+                                        <p:cTn id="18" dur="1" fill="hold">
                                           <p:stCondLst>
                                             <p:cond delay="0"/>
                                           </p:stCondLst>
                                         </p:cTn>
                                         <p:tgtEl>
-                                          <p:spTgt spid="10"/>
+                                          <p:spTgt spid="8">
+                                            <p:txEl>
+                                              <p:pRg st="0" end="0"/>
+                                            </p:txEl>
+                                          </p:spTgt>
+                                        </p:tgtEl>
+                                        <p:attrNameLst>
+                                          <p:attrName>style.visibility</p:attrName>
+                                        </p:attrNameLst>
+                                      </p:cBhvr>
+                                      <p:to>
+                                        <p:strVal val="hidden"/>
+                                      </p:to>
+                                    </p:set>
+                                  </p:childTnLst>
+                                </p:cTn>
+                              </p:par>
+                              <p:par>
+                                <p:cTn id="19" presetID="1" presetClass="exit" presetSubtype="0" fill="hold" grpId="1" nodeType="withEffect">
+                                  <p:stCondLst>
+                                    <p:cond delay="0"/>
+                                  </p:stCondLst>
+                                  <p:childTnLst>
+                                    <p:set>
+                                      <p:cBhvr>
+                                        <p:cTn id="20" dur="1" fill="hold">
+                                          <p:stCondLst>
+                                            <p:cond delay="0"/>
+                                          </p:stCondLst>
+                                        </p:cTn>
+                                        <p:tgtEl>
+                                          <p:spTgt spid="9"/>
+                                        </p:tgtEl>
+                                        <p:attrNameLst>
+                                          <p:attrName>style.visibility</p:attrName>
+                                        </p:attrNameLst>
+                                      </p:cBhvr>
+                                      <p:to>
+                                        <p:strVal val="hidden"/>
+                                      </p:to>
+                                    </p:set>
+                                  </p:childTnLst>
+                                </p:cTn>
+                              </p:par>
+                            </p:childTnLst>
+                          </p:cTn>
+                        </p:par>
+                        <p:par>
+                          <p:cTn id="21" fill="hold">
+                            <p:stCondLst>
+                              <p:cond delay="0"/>
+                            </p:stCondLst>
+                            <p:childTnLst>
+                              <p:par>
+                                <p:cTn id="22" presetID="42" presetClass="entr" presetSubtype="0" fill="hold" grpId="0" nodeType="afterEffect">
+                                  <p:stCondLst>
+                                    <p:cond delay="0"/>
+                                  </p:stCondLst>
+                                  <p:childTnLst>
+                                    <p:set>
+                                      <p:cBhvr>
+                                        <p:cTn id="23" dur="1" fill="hold">
+                                          <p:stCondLst>
+                                            <p:cond delay="0"/>
+                                          </p:stCondLst>
+                                        </p:cTn>
+                                        <p:tgtEl>
+                                          <p:spTgt spid="11"/>
                                         </p:tgtEl>
                                         <p:attrNameLst>
                                           <p:attrName>style.visibility</p:attrName>
@@ -5970,17 +5953,17 @@
                                     </p:set>
                                     <p:animEffect transition="in" filter="fade">
                                       <p:cBhvr>
-                                        <p:cTn id="17" dur="1000"/>
+                                        <p:cTn id="24" dur="1000"/>
                                         <p:tgtEl>
-                                          <p:spTgt spid="10"/>
+                                          <p:spTgt spid="11"/>
                                         </p:tgtEl>
                                       </p:cBhvr>
                                     </p:animEffect>
                                     <p:anim calcmode="lin" valueType="num">
                                       <p:cBhvr>
-                                        <p:cTn id="18" dur="1000" fill="hold"/>
+                                        <p:cTn id="25" dur="1000" fill="hold"/>
                                         <p:tgtEl>
-                                          <p:spTgt spid="10"/>
+                                          <p:spTgt spid="11"/>
                                         </p:tgtEl>
                                         <p:attrNameLst>
                                           <p:attrName>ppt_x</p:attrName>
@@ -6001,9 +5984,90 @@
                                     </p:anim>
                                     <p:anim calcmode="lin" valueType="num">
                                       <p:cBhvr>
-                                        <p:cTn id="19" dur="1000" fill="hold"/>
+                                        <p:cTn id="26" dur="1000" fill="hold"/>
                                         <p:tgtEl>
-                                          <p:spTgt spid="10"/>
+                                          <p:spTgt spid="11"/>
+                                        </p:tgtEl>
+                                        <p:attrNameLst>
+                                          <p:attrName>ppt_y</p:attrName>
+                                        </p:attrNameLst>
+                                      </p:cBhvr>
+                                      <p:tavLst>
+                                        <p:tav tm="0">
+                                          <p:val>
+                                            <p:strVal val="#ppt_y+.1"/>
+                                          </p:val>
+                                        </p:tav>
+                                        <p:tav tm="100000">
+                                          <p:val>
+                                            <p:strVal val="#ppt_y"/>
+                                          </p:val>
+                                        </p:tav>
+                                      </p:tavLst>
+                                    </p:anim>
+                                  </p:childTnLst>
+                                </p:cTn>
+                              </p:par>
+                              <p:par>
+                                <p:cTn id="27" presetID="42" presetClass="entr" presetSubtype="0" fill="hold" grpId="0" nodeType="withEffect">
+                                  <p:stCondLst>
+                                    <p:cond delay="0"/>
+                                  </p:stCondLst>
+                                  <p:childTnLst>
+                                    <p:set>
+                                      <p:cBhvr>
+                                        <p:cTn id="28" dur="1" fill="hold">
+                                          <p:stCondLst>
+                                            <p:cond delay="0"/>
+                                          </p:stCondLst>
+                                        </p:cTn>
+                                        <p:tgtEl>
+                                          <p:spTgt spid="12"/>
+                                        </p:tgtEl>
+                                        <p:attrNameLst>
+                                          <p:attrName>style.visibility</p:attrName>
+                                        </p:attrNameLst>
+                                      </p:cBhvr>
+                                      <p:to>
+                                        <p:strVal val="visible"/>
+                                      </p:to>
+                                    </p:set>
+                                    <p:animEffect transition="in" filter="fade">
+                                      <p:cBhvr>
+                                        <p:cTn id="29" dur="1000"/>
+                                        <p:tgtEl>
+                                          <p:spTgt spid="12"/>
+                                        </p:tgtEl>
+                                      </p:cBhvr>
+                                    </p:animEffect>
+                                    <p:anim calcmode="lin" valueType="num">
+                                      <p:cBhvr>
+                                        <p:cTn id="30" dur="1000" fill="hold"/>
+                                        <p:tgtEl>
+                                          <p:spTgt spid="12"/>
+                                        </p:tgtEl>
+                                        <p:attrNameLst>
+                                          <p:attrName>ppt_x</p:attrName>
+                                        </p:attrNameLst>
+                                      </p:cBhvr>
+                                      <p:tavLst>
+                                        <p:tav tm="0">
+                                          <p:val>
+                                            <p:strVal val="#ppt_x"/>
+                                          </p:val>
+                                        </p:tav>
+                                        <p:tav tm="100000">
+                                          <p:val>
+                                            <p:strVal val="#ppt_x"/>
+                                          </p:val>
+                                        </p:tav>
+                                      </p:tavLst>
+                                    </p:anim>
+                                    <p:anim calcmode="lin" valueType="num">
+                                      <p:cBhvr>
+                                        <p:cTn id="31" dur="1000" fill="hold"/>
+                                        <p:tgtEl>
+                                          <p:spTgt spid="12"/>
                                         </p:tgtEl>
                                         <p:attrNameLst>
                                           <p:attrName>ppt_y</p:attrName>
@@ -6032,194 +6096,19 @@
                     </p:cTn>
                   </p:par>
                   <p:par>
-                    <p:cTn id="20" fill="hold">
+                    <p:cTn id="32" fill="hold">
                       <p:stCondLst>
                         <p:cond delay="indefinite"/>
                       </p:stCondLst>
                       <p:childTnLst>
                         <p:par>
-                          <p:cTn id="21" fill="hold">
+                          <p:cTn id="33" fill="hold">
                             <p:stCondLst>
                               <p:cond delay="0"/>
                             </p:stCondLst>
                             <p:childTnLst>
                               <p:par>
-                                <p:cTn id="22" presetID="1" presetClass="exit" presetSubtype="0" fill="hold" grpId="1" nodeType="clickEffect">
-                                  <p:stCondLst>
-                                    <p:cond delay="0"/>
-                                  </p:stCondLst>
-                                  <p:childTnLst>
-                                    <p:set>
-                                      <p:cBhvr>
-                                        <p:cTn id="23" dur="1" fill="hold">
-                                          <p:stCondLst>
-                                            <p:cond delay="0"/>
-                                          </p:stCondLst>
-                                        </p:cTn>
-                                        <p:tgtEl>
-                                          <p:spTgt spid="8">
-                                            <p:txEl>
-                                              <p:pRg st="0" end="0"/>
-                                            </p:txEl>
-                                          </p:spTgt>
-                                        </p:tgtEl>
-                                        <p:attrNameLst>
-                                          <p:attrName>style.visibility</p:attrName>
-                                        </p:attrNameLst>
-                                      </p:cBhvr>
-                                      <p:to>
-                                        <p:strVal val="hidden"/>
-                                      </p:to>
-                                    </p:set>
-                                  </p:childTnLst>
-                                </p:cTn>
-                              </p:par>
-                              <p:par>
-                                <p:cTn id="24" presetID="1" presetClass="exit" presetSubtype="0" fill="hold" grpId="1" nodeType="withEffect">
-                                  <p:stCondLst>
-                                    <p:cond delay="0"/>
-                                  </p:stCondLst>
-                                  <p:childTnLst>
-                                    <p:set>
-                                      <p:cBhvr>
-                                        <p:cTn id="25" dur="1" fill="hold">
-                                          <p:stCondLst>
-                                            <p:cond delay="0"/>
-                                          </p:stCondLst>
-                                        </p:cTn>
-                                        <p:tgtEl>
-                                          <p:spTgt spid="9"/>
-                                        </p:tgtEl>
-                                        <p:attrNameLst>
-                                          <p:attrName>style.visibility</p:attrName>
-                                        </p:attrNameLst>
-                                      </p:cBhvr>
-                                      <p:to>
-                                        <p:strVal val="hidden"/>
-                                      </p:to>
-                                    </p:set>
-                                  </p:childTnLst>
-                                </p:cTn>
-                              </p:par>
-                              <p:par>
-                                <p:cTn id="26" presetID="1" presetClass="exit" presetSubtype="0" fill="hold" grpId="1" nodeType="withEffect">
-                                  <p:stCondLst>
-                                    <p:cond delay="0"/>
-                                  </p:stCondLst>
-                                  <p:childTnLst>
-                                    <p:set>
-                                      <p:cBhvr>
-                                        <p:cTn id="27" dur="1" fill="hold">
-                                          <p:stCondLst>
-                                            <p:cond delay="0"/>
-                                          </p:stCondLst>
-                                        </p:cTn>
-                                        <p:tgtEl>
-                                          <p:spTgt spid="10"/>
-                                        </p:tgtEl>
-                                        <p:attrNameLst>
-                                          <p:attrName>style.visibility</p:attrName>
-                                        </p:attrNameLst>
-                                      </p:cBhvr>
-                                      <p:to>
-                                        <p:strVal val="hidden"/>
-                                      </p:to>
-                                    </p:set>
-                                  </p:childTnLst>
-                                </p:cTn>
-                              </p:par>
-                            </p:childTnLst>
-                          </p:cTn>
-                        </p:par>
-                        <p:par>
-                          <p:cTn id="28" fill="hold">
-                            <p:stCondLst>
-                              <p:cond delay="0"/>
-                            </p:stCondLst>
-                            <p:childTnLst>
-                              <p:par>
-                                <p:cTn id="29" presetID="42" presetClass="entr" presetSubtype="0" fill="hold" grpId="0" nodeType="afterEffect">
-                                  <p:stCondLst>
-                                    <p:cond delay="0"/>
-                                  </p:stCondLst>
-                                  <p:childTnLst>
-                                    <p:set>
-                                      <p:cBhvr>
-                                        <p:cTn id="30" dur="1" fill="hold">
-                                          <p:stCondLst>
-                                            <p:cond delay="0"/>
-                                          </p:stCondLst>
-                                        </p:cTn>
-                                        <p:tgtEl>
-                                          <p:spTgt spid="11"/>
-                                        </p:tgtEl>
-                                        <p:attrNameLst>
-                                          <p:attrName>style.visibility</p:attrName>
-                                        </p:attrNameLst>
-                                      </p:cBhvr>
-                                      <p:to>
-                                        <p:strVal val="visible"/>
-                                      </p:to>
-                                    </p:set>
-                                    <p:animEffect transition="in" filter="fade">
-                                      <p:cBhvr>
-                                        <p:cTn id="31" dur="1000"/>
-                                        <p:tgtEl>
-                                          <p:spTgt spid="11"/>
-                                        </p:tgtEl>
-                                      </p:cBhvr>
-                                    </p:animEffect>
-                                    <p:anim calcmode="lin" valueType="num">
-                                      <p:cBhvr>
-                                        <p:cTn id="32" dur="1000" fill="hold"/>
-                                        <p:tgtEl>
-                                          <p:spTgt spid="11"/>
-                                        </p:tgtEl>
-                                        <p:attrNameLst>
-                                          <p:attrName>ppt_x</p:attrName>
-                                        </p:attrNameLst>
-                                      </p:cBhvr>
-                                      <p:tavLst>
-                                        <p:tav tm="0">
-                                          <p:val>
-                                            <p:strVal val="#ppt_x"/>
-                                          </p:val>
-                                        </p:tav>
-                                        <p:tav tm="100000">
-                                          <p:val>
-                                            <p:strVal val="#ppt_x"/>
-                                          </p:val>
-                                        </p:tav>
-                                      </p:tavLst>
-                                    </p:anim>
-                                    <p:anim calcmode="lin" valueType="num">
-                                      <p:cBhvr>
-                                        <p:cTn id="33" dur="1000" fill="hold"/>
-                                        <p:tgtEl>
-                                          <p:spTgt spid="11"/>
-                                        </p:tgtEl>
-                                        <p:attrNameLst>
-                                          <p:attrName>ppt_y</p:attrName>
-                                        </p:attrNameLst>
-                                      </p:cBhvr>
-                                      <p:tavLst>
-                                        <p:tav tm="0">
-                                          <p:val>
-                                            <p:strVal val="#ppt_y+.1"/>
-                                          </p:val>
-                                        </p:tav>
-                                        <p:tav tm="100000">
-                                          <p:val>
-                                            <p:strVal val="#ppt_y"/>
-                                          </p:val>
-                                        </p:tav>
-                                      </p:tavLst>
-                                    </p:anim>
-                                  </p:childTnLst>
-                                </p:cTn>
-                              </p:par>
-                              <p:par>
-                                <p:cTn id="34" presetID="42" presetClass="entr" presetSubtype="0" fill="hold" grpId="0" nodeType="withEffect">
+                                <p:cTn id="34" presetID="1" presetClass="exit" presetSubtype="0" fill="hold" grpId="1" nodeType="clickEffect">
                                   <p:stCondLst>
                                     <p:cond delay="0"/>
                                   </p:stCondLst>
@@ -6227,186 +6116,6 @@
                                     <p:set>
                                       <p:cBhvr>
                                         <p:cTn id="35" dur="1" fill="hold">
-                                          <p:stCondLst>
-                                            <p:cond delay="0"/>
-                                          </p:stCondLst>
-                                        </p:cTn>
-                                        <p:tgtEl>
-                                          <p:spTgt spid="12"/>
-                                        </p:tgtEl>
-                                        <p:attrNameLst>
-                                          <p:attrName>style.visibility</p:attrName>
-                                        </p:attrNameLst>
-                                      </p:cBhvr>
-                                      <p:to>
-                                        <p:strVal val="visible"/>
-                                      </p:to>
-                                    </p:set>
-                                    <p:animEffect transition="in" filter="fade">
-                                      <p:cBhvr>
-                                        <p:cTn id="36" dur="1000"/>
-                                        <p:tgtEl>
-                                          <p:spTgt spid="12"/>
-                                        </p:tgtEl>
-                                      </p:cBhvr>
-                                    </p:animEffect>
-                                    <p:anim calcmode="lin" valueType="num">
-                                      <p:cBhvr>
-                                        <p:cTn id="37" dur="1000" fill="hold"/>
-                                        <p:tgtEl>
-                                          <p:spTgt spid="12"/>
-                                        </p:tgtEl>
-                                        <p:attrNameLst>
-                                          <p:attrName>ppt_x</p:attrName>
-                                        </p:attrNameLst>
-                                      </p:cBhvr>
-                                      <p:tavLst>
-                                        <p:tav tm="0">
-                                          <p:val>
-                                            <p:strVal val="#ppt_x"/>
-                                          </p:val>
-                                        </p:tav>
-                                        <p:tav tm="100000">
-                                          <p:val>
-                                            <p:strVal val="#ppt_x"/>
-                                          </p:val>
-                                        </p:tav>
-                                      </p:tavLst>
-                                    </p:anim>
-                                    <p:anim calcmode="lin" valueType="num">
-                                      <p:cBhvr>
-                                        <p:cTn id="38" dur="1000" fill="hold"/>
-                                        <p:tgtEl>
-                                          <p:spTgt spid="12"/>
-                                        </p:tgtEl>
-                                        <p:attrNameLst>
-                                          <p:attrName>ppt_y</p:attrName>
-                                        </p:attrNameLst>
-                                      </p:cBhvr>
-                                      <p:tavLst>
-                                        <p:tav tm="0">
-                                          <p:val>
-                                            <p:strVal val="#ppt_y+.1"/>
-                                          </p:val>
-                                        </p:tav>
-                                        <p:tav tm="100000">
-                                          <p:val>
-                                            <p:strVal val="#ppt_y"/>
-                                          </p:val>
-                                        </p:tav>
-                                      </p:tavLst>
-                                    </p:anim>
-                                  </p:childTnLst>
-                                </p:cTn>
-                              </p:par>
-                              <p:par>
-                                <p:cTn id="39" presetID="42" presetClass="entr" presetSubtype="0" fill="hold" grpId="0" nodeType="withEffect">
-                                  <p:stCondLst>
-                                    <p:cond delay="0"/>
-                                  </p:stCondLst>
-                                  <p:childTnLst>
-                                    <p:set>
-                                      <p:cBhvr>
-                                        <p:cTn id="40" dur="1" fill="hold">
-                                          <p:stCondLst>
-                                            <p:cond delay="0"/>
-                                          </p:stCondLst>
-                                        </p:cTn>
-                                        <p:tgtEl>
-                                          <p:spTgt spid="13"/>
-                                        </p:tgtEl>
-                                        <p:attrNameLst>
-                                          <p:attrName>style.visibility</p:attrName>
-                                        </p:attrNameLst>
-                                      </p:cBhvr>
-                                      <p:to>
-                                        <p:strVal val="visible"/>
-                                      </p:to>
-                                    </p:set>
-                                    <p:animEffect transition="in" filter="fade">
-                                      <p:cBhvr>
-                                        <p:cTn id="41" dur="1000"/>
-                                        <p:tgtEl>
-                                          <p:spTgt spid="13"/>
-                                        </p:tgtEl>
-                                      </p:cBhvr>
-                                    </p:animEffect>
-                                    <p:anim calcmode="lin" valueType="num">
-                                      <p:cBhvr>
-                                        <p:cTn id="42" dur="1000" fill="hold"/>
-                                        <p:tgtEl>
-                                          <p:spTgt spid="13"/>
-                                        </p:tgtEl>
-                                        <p:attrNameLst>
-                                          <p:attrName>ppt_x</p:attrName>
-                                        </p:attrNameLst>
-                                      </p:cBhvr>
-                                      <p:tavLst>
-                                        <p:tav tm="0">
-                                          <p:val>
-                                            <p:strVal val="#ppt_x"/>
-                                          </p:val>
-                                        </p:tav>
-                                        <p:tav tm="100000">
-                                          <p:val>
-                                            <p:strVal val="#ppt_x"/>
-                                          </p:val>
-                                        </p:tav>
-                                      </p:tavLst>
-                                    </p:anim>
-                                    <p:anim calcmode="lin" valueType="num">
-                                      <p:cBhvr>
-                                        <p:cTn id="43" dur="1000" fill="hold"/>
-                                        <p:tgtEl>
-                                          <p:spTgt spid="13"/>
-                                        </p:tgtEl>
-                                        <p:attrNameLst>
-                                          <p:attrName>ppt_y</p:attrName>
-                                        </p:attrNameLst>
-                                      </p:cBhvr>
-                                      <p:tavLst>
-                                        <p:tav tm="0">
-                                          <p:val>
-                                            <p:strVal val="#ppt_y+.1"/>
-                                          </p:val>
-                                        </p:tav>
-                                        <p:tav tm="100000">
-                                          <p:val>
-                                            <p:strVal val="#ppt_y"/>
-                                          </p:val>
-                                        </p:tav>
-                                      </p:tavLst>
-                                    </p:anim>
-                                  </p:childTnLst>
-                                </p:cTn>
-                              </p:par>
-                            </p:childTnLst>
-                          </p:cTn>
-                        </p:par>
-                      </p:childTnLst>
-                    </p:cTn>
-                  </p:par>
-                  <p:par>
-                    <p:cTn id="44" fill="hold">
-                      <p:stCondLst>
-                        <p:cond delay="indefinite"/>
-                      </p:stCondLst>
-                      <p:childTnLst>
-                        <p:par>
-                          <p:cTn id="45" fill="hold">
-                            <p:stCondLst>
-                              <p:cond delay="0"/>
-                            </p:stCondLst>
-                            <p:childTnLst>
-                              <p:par>
-                                <p:cTn id="46" presetID="1" presetClass="exit" presetSubtype="0" fill="hold" grpId="1" nodeType="clickEffect">
-                                  <p:stCondLst>
-                                    <p:cond delay="0"/>
-                                  </p:stCondLst>
-                                  <p:childTnLst>
-                                    <p:set>
-                                      <p:cBhvr>
-                                        <p:cTn id="47" dur="1" fill="hold">
                                           <p:stCondLst>
                                             <p:cond delay="0"/>
                                           </p:stCondLst>
@@ -6426,47 +6135,20 @@
                                 </p:cTn>
                               </p:par>
                               <p:par>
-                                <p:cTn id="48" presetID="1" presetClass="exit" presetSubtype="0" fill="hold" grpId="1" nodeType="withEffect">
+                                <p:cTn id="36" presetID="1" presetClass="exit" presetSubtype="0" fill="hold" grpId="1" nodeType="withEffect">
                                   <p:stCondLst>
                                     <p:cond delay="0"/>
                                   </p:stCondLst>
                                   <p:childTnLst>
                                     <p:set>
                                       <p:cBhvr>
-                                        <p:cTn id="49" dur="1" fill="hold">
+                                        <p:cTn id="37" dur="1" fill="hold">
                                           <p:stCondLst>
                                             <p:cond delay="0"/>
                                           </p:stCondLst>
                                         </p:cTn>
                                         <p:tgtEl>
                                           <p:spTgt spid="12"/>
-                                        </p:tgtEl>
-                                        <p:attrNameLst>
-                                          <p:attrName>style.visibility</p:attrName>
-                                        </p:attrNameLst>
-                                      </p:cBhvr>
-                                      <p:to>
-                                        <p:strVal val="hidden"/>
-                                      </p:to>
-                                    </p:set>
-                                  </p:childTnLst>
-                                </p:cTn>
-                              </p:par>
-                              <p:par>
-                                <p:cTn id="50" presetID="1" presetClass="exit" presetSubtype="0" fill="hold" grpId="1" nodeType="withEffect">
-                                  <p:stCondLst>
-                                    <p:cond delay="0"/>
-                                  </p:stCondLst>
-                                  <p:childTnLst>
-                                    <p:set>
-                                      <p:cBhvr>
-                                        <p:cTn id="51" dur="1" fill="hold">
-                                          <p:stCondLst>
-                                            <p:cond delay="0"/>
-                                          </p:stCondLst>
-                                        </p:cTn>
-                                        <p:tgtEl>
-                                          <p:spTgt spid="13"/>
                                         </p:tgtEl>
                                         <p:attrNameLst>
                                           <p:attrName>style.visibility</p:attrName>
@@ -6511,14 +6193,10 @@
       <p:bldP spid="8" grpId="1" build="p"/>
       <p:bldP spid="9" grpId="0" animBg="1"/>
       <p:bldP spid="9" grpId="1" animBg="1"/>
-      <p:bldP spid="10" grpId="0" animBg="1"/>
-      <p:bldP spid="10" grpId="1" animBg="1"/>
       <p:bldP spid="11" grpId="0"/>
       <p:bldP spid="11" grpId="1"/>
       <p:bldP spid="12" grpId="0" animBg="1"/>
       <p:bldP spid="12" grpId="1" animBg="1"/>
-      <p:bldP spid="13" grpId="0" animBg="1"/>
-      <p:bldP spid="13" grpId="1" animBg="1"/>
     </p:bldLst>
   </p:timing>
 </p:sld>

--- a/docs/ppt/Siyan.pptx
+++ b/docs/ppt/Siyan.pptx
@@ -5,16 +5,17 @@
     <p:sldMasterId id="2147483664" r:id="rId1"/>
   </p:sldMasterIdLst>
   <p:notesMasterIdLst>
-    <p:notesMasterId r:id="rId6"/>
+    <p:notesMasterId r:id="rId7"/>
   </p:notesMasterIdLst>
   <p:handoutMasterIdLst>
-    <p:handoutMasterId r:id="rId7"/>
+    <p:handoutMasterId r:id="rId8"/>
   </p:handoutMasterIdLst>
   <p:sldIdLst>
     <p:sldId id="277" r:id="rId2"/>
-    <p:sldId id="274" r:id="rId3"/>
-    <p:sldId id="275" r:id="rId4"/>
-    <p:sldId id="278" r:id="rId5"/>
+    <p:sldId id="279" r:id="rId3"/>
+    <p:sldId id="274" r:id="rId4"/>
+    <p:sldId id="275" r:id="rId5"/>
+    <p:sldId id="278" r:id="rId6"/>
   </p:sldIdLst>
   <p:sldSz cx="9906000" cy="6858000" type="A4"/>
   <p:notesSz cx="6807200" cy="9939338"/>
@@ -215,7 +216,7 @@
             <a:fld id="{05BF5AB9-3463-4E65-AFD3-5431B79ADFDC}" type="datetimeFigureOut">
               <a:rPr lang="zh-TW" altLang="en-US" smtClean="0"/>
               <a:pPr/>
-              <a:t>2025/3/28</a:t>
+              <a:t>2025/3/31</a:t>
             </a:fld>
             <a:endParaRPr lang="zh-TW" altLang="en-US"/>
           </a:p>
@@ -382,7 +383,7 @@
             <a:fld id="{838FF680-7B6B-4655-B6A1-33A8AD0AE8B4}" type="datetimeFigureOut">
               <a:rPr lang="zh-TW" altLang="en-US" smtClean="0"/>
               <a:pPr/>
-              <a:t>2025/3/28</a:t>
+              <a:t>2025/3/31</a:t>
             </a:fld>
             <a:endParaRPr lang="zh-TW" altLang="en-US"/>
           </a:p>
@@ -2673,6 +2674,320 @@
           </a:p>
         </p:txBody>
       </p:sp>
+      <p:sp>
+        <p:nvSpPr>
+          <p:cNvPr id="24" name="內容版面配置區 5">
+            <a:extLst>
+              <a:ext uri="{FF2B5EF4-FFF2-40B4-BE49-F238E27FC236}">
+                <a16:creationId xmlns:a16="http://schemas.microsoft.com/office/drawing/2014/main" id="{96596F1E-82EC-4819-84C7-82D1F07A17D7}"/>
+              </a:ext>
+            </a:extLst>
+          </p:cNvPr>
+          <p:cNvSpPr txBox="1">
+            <a:spLocks/>
+          </p:cNvSpPr>
+          <p:nvPr/>
+        </p:nvSpPr>
+        <p:spPr bwMode="ltGray">
+          <a:xfrm>
+            <a:off x="416496" y="984262"/>
+            <a:ext cx="2066467" cy="684076"/>
+          </a:xfrm>
+          <a:prstGeom prst="rect">
+            <a:avLst/>
+          </a:prstGeom>
+          <a:noFill/>
+        </p:spPr>
+        <p:txBody>
+          <a:bodyPr vert="horz" lIns="91440" tIns="45720" rIns="91440" bIns="45720" rtlCol="0">
+            <a:normAutofit/>
+          </a:bodyPr>
+          <a:lstStyle>
+            <a:lvl1pPr marL="342900" indent="-342900" algn="l" defTabSz="914400" rtl="0" eaLnBrk="1" latinLnBrk="0" hangingPunct="1">
+              <a:lnSpc>
+                <a:spcPct val="100000"/>
+              </a:lnSpc>
+              <a:spcBef>
+                <a:spcPts val="600"/>
+              </a:spcBef>
+              <a:spcAft>
+                <a:spcPts val="600"/>
+              </a:spcAft>
+              <a:buClr>
+                <a:schemeClr val="accent1"/>
+              </a:buClr>
+              <a:buFont typeface="Wingdings" panose="05000000000000000000" pitchFamily="2" charset="2"/>
+              <a:buChar char="l"/>
+              <a:defRPr sz="2800" b="1" kern="1200">
+                <a:solidFill>
+                  <a:srgbClr val="FFFFFF"/>
+                </a:solidFill>
+                <a:latin typeface="微軟正黑體" pitchFamily="34" charset="-120"/>
+                <a:ea typeface="微軟正黑體" pitchFamily="34" charset="-120"/>
+                <a:cs typeface="+mn-cs"/>
+              </a:defRPr>
+            </a:lvl1pPr>
+            <a:lvl2pPr marL="714375" indent="-352425" algn="l" defTabSz="914400" rtl="0" eaLnBrk="1" latinLnBrk="0" hangingPunct="1">
+              <a:lnSpc>
+                <a:spcPct val="100000"/>
+              </a:lnSpc>
+              <a:spcBef>
+                <a:spcPts val="600"/>
+              </a:spcBef>
+              <a:spcAft>
+                <a:spcPts val="600"/>
+              </a:spcAft>
+              <a:buClr>
+                <a:schemeClr val="accent2"/>
+              </a:buClr>
+              <a:buFont typeface="Wingdings" panose="05000000000000000000" pitchFamily="2" charset="2"/>
+              <a:buChar char="u"/>
+              <a:defRPr sz="2400" b="0" kern="1200">
+                <a:solidFill>
+                  <a:srgbClr val="FFFFFF"/>
+                </a:solidFill>
+                <a:latin typeface="微軟正黑體" pitchFamily="34" charset="-120"/>
+                <a:ea typeface="微軟正黑體" pitchFamily="34" charset="-120"/>
+                <a:cs typeface="+mn-cs"/>
+              </a:defRPr>
+            </a:lvl2pPr>
+            <a:lvl3pPr marL="1076325" indent="-266700" algn="l" defTabSz="914400" rtl="0" eaLnBrk="1" latinLnBrk="0" hangingPunct="1">
+              <a:lnSpc>
+                <a:spcPct val="100000"/>
+              </a:lnSpc>
+              <a:spcBef>
+                <a:spcPts val="600"/>
+              </a:spcBef>
+              <a:spcAft>
+                <a:spcPts val="600"/>
+              </a:spcAft>
+              <a:buClr>
+                <a:schemeClr val="accent3"/>
+              </a:buClr>
+              <a:buFont typeface="Wingdings" panose="05000000000000000000" pitchFamily="2" charset="2"/>
+              <a:buChar char="p"/>
+              <a:defRPr sz="2000" kern="1200">
+                <a:solidFill>
+                  <a:srgbClr val="FFFFFF"/>
+                </a:solidFill>
+                <a:latin typeface="微軟正黑體" pitchFamily="34" charset="-120"/>
+                <a:ea typeface="微軟正黑體" pitchFamily="34" charset="-120"/>
+                <a:cs typeface="+mn-cs"/>
+              </a:defRPr>
+            </a:lvl3pPr>
+            <a:lvl4pPr marL="1343025" indent="-180975" algn="l" defTabSz="914400" rtl="0" eaLnBrk="1" latinLnBrk="0" hangingPunct="1">
+              <a:lnSpc>
+                <a:spcPct val="100000"/>
+              </a:lnSpc>
+              <a:spcBef>
+                <a:spcPts val="600"/>
+              </a:spcBef>
+              <a:spcAft>
+                <a:spcPts val="600"/>
+              </a:spcAft>
+              <a:buClr>
+                <a:schemeClr val="accent4"/>
+              </a:buClr>
+              <a:buFont typeface="Wingdings" panose="05000000000000000000" pitchFamily="2" charset="2"/>
+              <a:buChar char="n"/>
+              <a:defRPr sz="1800" kern="1200">
+                <a:solidFill>
+                  <a:srgbClr val="FFFFFF"/>
+                </a:solidFill>
+                <a:latin typeface="微軟正黑體" pitchFamily="34" charset="-120"/>
+                <a:ea typeface="微軟正黑體" pitchFamily="34" charset="-120"/>
+                <a:cs typeface="+mn-cs"/>
+              </a:defRPr>
+            </a:lvl4pPr>
+            <a:lvl5pPr marL="1619250" indent="-276225" algn="l" defTabSz="914400" rtl="0" eaLnBrk="1" latinLnBrk="0" hangingPunct="1">
+              <a:lnSpc>
+                <a:spcPct val="100000"/>
+              </a:lnSpc>
+              <a:spcBef>
+                <a:spcPts val="600"/>
+              </a:spcBef>
+              <a:spcAft>
+                <a:spcPts val="600"/>
+              </a:spcAft>
+              <a:buClr>
+                <a:schemeClr val="accent5"/>
+              </a:buClr>
+              <a:buFont typeface="Arial" pitchFamily="34" charset="0"/>
+              <a:buChar char="»"/>
+              <a:tabLst>
+                <a:tab pos="7981950" algn="l"/>
+              </a:tabLst>
+              <a:defRPr sz="1800" kern="1200">
+                <a:solidFill>
+                  <a:srgbClr val="FFFFFF"/>
+                </a:solidFill>
+                <a:latin typeface="微軟正黑體" pitchFamily="34" charset="-120"/>
+                <a:ea typeface="微軟正黑體" pitchFamily="34" charset="-120"/>
+                <a:cs typeface="+mn-cs"/>
+              </a:defRPr>
+            </a:lvl5pPr>
+            <a:lvl6pPr marL="2514600" indent="-228600" algn="l" defTabSz="914400" rtl="0" eaLnBrk="1" latinLnBrk="0" hangingPunct="1">
+              <a:spcBef>
+                <a:spcPct val="20000"/>
+              </a:spcBef>
+              <a:buFont typeface="Arial" pitchFamily="34" charset="0"/>
+              <a:buChar char="•"/>
+              <a:defRPr sz="2000" kern="1200">
+                <a:solidFill>
+                  <a:schemeClr val="tx1"/>
+                </a:solidFill>
+                <a:latin typeface="+mn-lt"/>
+                <a:ea typeface="+mn-ea"/>
+                <a:cs typeface="+mn-cs"/>
+              </a:defRPr>
+            </a:lvl6pPr>
+            <a:lvl7pPr marL="2971800" indent="-228600" algn="l" defTabSz="914400" rtl="0" eaLnBrk="1" latinLnBrk="0" hangingPunct="1">
+              <a:spcBef>
+                <a:spcPct val="20000"/>
+              </a:spcBef>
+              <a:buFont typeface="Arial" pitchFamily="34" charset="0"/>
+              <a:buChar char="•"/>
+              <a:defRPr sz="2000" kern="1200">
+                <a:solidFill>
+                  <a:schemeClr val="tx1"/>
+                </a:solidFill>
+                <a:latin typeface="+mn-lt"/>
+                <a:ea typeface="+mn-ea"/>
+                <a:cs typeface="+mn-cs"/>
+              </a:defRPr>
+            </a:lvl7pPr>
+            <a:lvl8pPr marL="3429000" indent="-228600" algn="l" defTabSz="914400" rtl="0" eaLnBrk="1" latinLnBrk="0" hangingPunct="1">
+              <a:spcBef>
+                <a:spcPct val="20000"/>
+              </a:spcBef>
+              <a:buFont typeface="Arial" pitchFamily="34" charset="0"/>
+              <a:buChar char="•"/>
+              <a:defRPr sz="2000" kern="1200">
+                <a:solidFill>
+                  <a:schemeClr val="tx1"/>
+                </a:solidFill>
+                <a:latin typeface="+mn-lt"/>
+                <a:ea typeface="+mn-ea"/>
+                <a:cs typeface="+mn-cs"/>
+              </a:defRPr>
+            </a:lvl8pPr>
+            <a:lvl9pPr marL="3886200" indent="-228600" algn="l" defTabSz="914400" rtl="0" eaLnBrk="1" latinLnBrk="0" hangingPunct="1">
+              <a:spcBef>
+                <a:spcPct val="20000"/>
+              </a:spcBef>
+              <a:buFont typeface="Arial" pitchFamily="34" charset="0"/>
+              <a:buChar char="•"/>
+              <a:defRPr sz="2000" kern="1200">
+                <a:solidFill>
+                  <a:schemeClr val="tx1"/>
+                </a:solidFill>
+                <a:latin typeface="+mn-lt"/>
+                <a:ea typeface="+mn-ea"/>
+                <a:cs typeface="+mn-cs"/>
+              </a:defRPr>
+            </a:lvl9pPr>
+          </a:lstStyle>
+          <a:p>
+            <a:r>
+              <a:rPr lang="zh-TW" altLang="en-US" dirty="0"/>
+              <a:t>問題索引</a:t>
+            </a:r>
+          </a:p>
+        </p:txBody>
+      </p:sp>
+      <p:pic>
+        <p:nvPicPr>
+          <p:cNvPr id="3" name="圖片 2">
+            <a:extLst>
+              <a:ext uri="{FF2B5EF4-FFF2-40B4-BE49-F238E27FC236}">
+                <a16:creationId xmlns:a16="http://schemas.microsoft.com/office/drawing/2014/main" id="{2C01521D-B92E-4214-8FB9-1AFC4209440E}"/>
+              </a:ext>
+            </a:extLst>
+          </p:cNvPr>
+          <p:cNvPicPr>
+            <a:picLocks noChangeAspect="1"/>
+          </p:cNvPicPr>
+          <p:nvPr/>
+        </p:nvPicPr>
+        <p:blipFill>
+          <a:blip r:embed="rId2"/>
+          <a:stretch>
+            <a:fillRect/>
+          </a:stretch>
+        </p:blipFill>
+        <p:spPr>
+          <a:xfrm>
+            <a:off x="416496" y="1796343"/>
+            <a:ext cx="7344816" cy="4419794"/>
+          </a:xfrm>
+          <a:prstGeom prst="rect">
+            <a:avLst/>
+          </a:prstGeom>
+        </p:spPr>
+      </p:pic>
+    </p:spTree>
+    <p:extLst>
+      <p:ext uri="{BB962C8B-B14F-4D97-AF65-F5344CB8AC3E}">
+        <p14:creationId xmlns:p14="http://schemas.microsoft.com/office/powerpoint/2010/main" val="4099761215"/>
+      </p:ext>
+    </p:extLst>
+  </p:cSld>
+  <p:clrMapOvr>
+    <a:masterClrMapping/>
+  </p:clrMapOvr>
+</p:sld>
+</file>
+
+<file path=ppt/slides/slide2.xml><?xml version="1.0" encoding="utf-8"?>
+<p:sld xmlns:a="http://schemas.openxmlformats.org/drawingml/2006/main" xmlns:r="http://schemas.openxmlformats.org/officeDocument/2006/relationships" xmlns:p="http://schemas.openxmlformats.org/presentationml/2006/main">
+  <p:cSld>
+    <p:spTree>
+      <p:nvGrpSpPr>
+        <p:cNvPr id="1" name=""/>
+        <p:cNvGrpSpPr/>
+        <p:nvPr/>
+      </p:nvGrpSpPr>
+      <p:grpSpPr>
+        <a:xfrm>
+          <a:off x="0" y="0"/>
+          <a:ext cx="0" cy="0"/>
+          <a:chOff x="0" y="0"/>
+          <a:chExt cx="0" cy="0"/>
+        </a:xfrm>
+      </p:grpSpPr>
+      <p:sp>
+        <p:nvSpPr>
+          <p:cNvPr id="8" name="標題 2">
+            <a:extLst>
+              <a:ext uri="{FF2B5EF4-FFF2-40B4-BE49-F238E27FC236}">
+                <a16:creationId xmlns:a16="http://schemas.microsoft.com/office/drawing/2014/main" id="{5C763C3B-F202-49CD-AB06-E15F713DDDB1}"/>
+              </a:ext>
+            </a:extLst>
+          </p:cNvPr>
+          <p:cNvSpPr>
+            <a:spLocks noGrp="1"/>
+          </p:cNvSpPr>
+          <p:nvPr>
+            <p:ph type="title"/>
+          </p:nvPr>
+        </p:nvSpPr>
+        <p:spPr>
+          <a:xfrm>
+            <a:off x="2828763" y="91552"/>
+            <a:ext cx="4248472" cy="764704"/>
+          </a:xfrm>
+        </p:spPr>
+        <p:txBody>
+          <a:bodyPr/>
+          <a:lstStyle/>
+          <a:p>
+            <a:r>
+              <a:rPr lang="zh-TW" altLang="en-US" dirty="0"/>
+              <a:t>客服頁面</a:t>
+            </a:r>
+          </a:p>
+        </p:txBody>
+      </p:sp>
       <p:pic>
         <p:nvPicPr>
           <p:cNvPr id="2" name="圖片 1">
@@ -3363,7 +3678,7 @@
     </p:spTree>
     <p:extLst>
       <p:ext uri="{BB962C8B-B14F-4D97-AF65-F5344CB8AC3E}">
-        <p14:creationId xmlns:p14="http://schemas.microsoft.com/office/powerpoint/2010/main" val="4099761215"/>
+        <p14:creationId xmlns:p14="http://schemas.microsoft.com/office/powerpoint/2010/main" val="2512604493"/>
       </p:ext>
     </p:extLst>
   </p:cSld>
@@ -3373,7 +3688,7 @@
 </p:sld>
 </file>
 
-<file path=ppt/slides/slide2.xml><?xml version="1.0" encoding="utf-8"?>
+<file path=ppt/slides/slide3.xml><?xml version="1.0" encoding="utf-8"?>
 <p:sld xmlns:a="http://schemas.openxmlformats.org/drawingml/2006/main" xmlns:r="http://schemas.openxmlformats.org/officeDocument/2006/relationships" xmlns:p="http://schemas.openxmlformats.org/presentationml/2006/main">
   <p:cSld>
     <p:spTree>
@@ -3508,7 +3823,7 @@
 </p:sld>
 </file>
 
-<file path=ppt/slides/slide3.xml><?xml version="1.0" encoding="utf-8"?>
+<file path=ppt/slides/slide4.xml><?xml version="1.0" encoding="utf-8"?>
 <p:sld xmlns:a="http://schemas.openxmlformats.org/drawingml/2006/main" xmlns:r="http://schemas.openxmlformats.org/officeDocument/2006/relationships" xmlns:p="http://schemas.openxmlformats.org/presentationml/2006/main">
   <p:cSld>
     <p:spTree>
@@ -4878,105 +5193,6 @@
                       </p:childTnLst>
                     </p:cTn>
                   </p:par>
-                  <p:par>
-                    <p:cTn id="44" fill="hold">
-                      <p:stCondLst>
-                        <p:cond delay="indefinite"/>
-                      </p:stCondLst>
-                      <p:childTnLst>
-                        <p:par>
-                          <p:cTn id="45" fill="hold">
-                            <p:stCondLst>
-                              <p:cond delay="0"/>
-                            </p:stCondLst>
-                            <p:childTnLst>
-                              <p:par>
-                                <p:cTn id="46" presetID="1" presetClass="exit" presetSubtype="0" fill="hold" grpId="1" nodeType="clickEffect">
-                                  <p:stCondLst>
-                                    <p:cond delay="0"/>
-                                  </p:stCondLst>
-                                  <p:childTnLst>
-                                    <p:set>
-                                      <p:cBhvr>
-                                        <p:cTn id="47" dur="1" fill="hold">
-                                          <p:stCondLst>
-                                            <p:cond delay="0"/>
-                                          </p:stCondLst>
-                                        </p:cTn>
-                                        <p:tgtEl>
-                                          <p:spTgt spid="17"/>
-                                        </p:tgtEl>
-                                        <p:attrNameLst>
-                                          <p:attrName>style.visibility</p:attrName>
-                                        </p:attrNameLst>
-                                      </p:cBhvr>
-                                      <p:to>
-                                        <p:strVal val="hidden"/>
-                                      </p:to>
-                                    </p:set>
-                                  </p:childTnLst>
-                                </p:cTn>
-                              </p:par>
-                              <p:par>
-                                <p:cTn id="48" presetID="1" presetClass="exit" presetSubtype="0" fill="hold" grpId="1" nodeType="withEffect">
-                                  <p:stCondLst>
-                                    <p:cond delay="0"/>
-                                  </p:stCondLst>
-                                  <p:childTnLst>
-                                    <p:set>
-                                      <p:cBhvr>
-                                        <p:cTn id="49" dur="1" fill="hold">
-                                          <p:stCondLst>
-                                            <p:cond delay="0"/>
-                                          </p:stCondLst>
-                                        </p:cTn>
-                                        <p:tgtEl>
-                                          <p:spTgt spid="18"/>
-                                        </p:tgtEl>
-                                        <p:attrNameLst>
-                                          <p:attrName>style.visibility</p:attrName>
-                                        </p:attrNameLst>
-                                      </p:cBhvr>
-                                      <p:to>
-                                        <p:strVal val="hidden"/>
-                                      </p:to>
-                                    </p:set>
-                                  </p:childTnLst>
-                                </p:cTn>
-                              </p:par>
-                              <p:par>
-                                <p:cTn id="50" presetID="1" presetClass="exit" presetSubtype="0" fill="hold" grpId="1" nodeType="withEffect">
-                                  <p:stCondLst>
-                                    <p:cond delay="0"/>
-                                  </p:stCondLst>
-                                  <p:childTnLst>
-                                    <p:set>
-                                      <p:cBhvr>
-                                        <p:cTn id="51" dur="1" fill="hold">
-                                          <p:stCondLst>
-                                            <p:cond delay="0"/>
-                                          </p:stCondLst>
-                                        </p:cTn>
-                                        <p:tgtEl>
-                                          <p:spTgt spid="19"/>
-                                        </p:tgtEl>
-                                        <p:attrNameLst>
-                                          <p:attrName>style.visibility</p:attrName>
-                                        </p:attrNameLst>
-                                      </p:cBhvr>
-                                      <p:to>
-                                        <p:strVal val="hidden"/>
-                                      </p:to>
-                                    </p:set>
-                                  </p:childTnLst>
-                                </p:cTn>
-                              </p:par>
-                            </p:childTnLst>
-                          </p:cTn>
-                        </p:par>
-                      </p:childTnLst>
-                    </p:cTn>
-                  </p:par>
                 </p:childTnLst>
               </p:cTn>
               <p:prevCondLst>
@@ -5006,17 +5222,14 @@
       <p:bldP spid="16" grpId="0" animBg="1"/>
       <p:bldP spid="16" grpId="1" animBg="1"/>
       <p:bldP spid="17" grpId="0"/>
-      <p:bldP spid="17" grpId="1"/>
       <p:bldP spid="18" grpId="0" animBg="1"/>
-      <p:bldP spid="18" grpId="1" animBg="1"/>
       <p:bldP spid="19" grpId="0" animBg="1"/>
-      <p:bldP spid="19" grpId="1" animBg="1"/>
     </p:bldLst>
   </p:timing>
 </p:sld>
 </file>
 
-<file path=ppt/slides/slide4.xml><?xml version="1.0" encoding="utf-8"?>
+<file path=ppt/slides/slide5.xml><?xml version="1.0" encoding="utf-8"?>
 <p:sld xmlns:a="http://schemas.openxmlformats.org/drawingml/2006/main" xmlns:r="http://schemas.openxmlformats.org/officeDocument/2006/relationships" xmlns:p="http://schemas.openxmlformats.org/presentationml/2006/main">
   <p:cSld>
     <p:spTree>

--- a/docs/ppt/Siyan.pptx
+++ b/docs/ppt/Siyan.pptx
@@ -5,10 +5,10 @@
     <p:sldMasterId id="2147483664" r:id="rId1"/>
   </p:sldMasterIdLst>
   <p:notesMasterIdLst>
-    <p:notesMasterId r:id="rId10"/>
+    <p:notesMasterId r:id="rId9"/>
   </p:notesMasterIdLst>
   <p:handoutMasterIdLst>
-    <p:handoutMasterId r:id="rId11"/>
+    <p:handoutMasterId r:id="rId10"/>
   </p:handoutMasterIdLst>
   <p:sldIdLst>
     <p:sldId id="279" r:id="rId2"/>
@@ -16,9 +16,8 @@
     <p:sldId id="285" r:id="rId4"/>
     <p:sldId id="286" r:id="rId5"/>
     <p:sldId id="274" r:id="rId6"/>
-    <p:sldId id="283" r:id="rId7"/>
-    <p:sldId id="284" r:id="rId8"/>
-    <p:sldId id="275" r:id="rId9"/>
+    <p:sldId id="284" r:id="rId7"/>
+    <p:sldId id="275" r:id="rId8"/>
   </p:sldIdLst>
   <p:sldSz cx="9906000" cy="6858000" type="A4"/>
   <p:notesSz cx="6807200" cy="9939338"/>
@@ -5121,83 +5120,12 @@
           <a:noFill/>
         </p:spPr>
       </p:pic>
-    </p:spTree>
-    <p:extLst>
-      <p:ext uri="{BB962C8B-B14F-4D97-AF65-F5344CB8AC3E}">
-        <p14:creationId xmlns:p14="http://schemas.microsoft.com/office/powerpoint/2010/main" val="2801340232"/>
-      </p:ext>
-    </p:extLst>
-  </p:cSld>
-  <p:clrMapOvr>
-    <a:masterClrMapping/>
-  </p:clrMapOvr>
-</p:sld>
-</file>
-
-<file path=ppt/slides/slide6.xml><?xml version="1.0" encoding="utf-8"?>
-<p:sld xmlns:a="http://schemas.openxmlformats.org/drawingml/2006/main" xmlns:r="http://schemas.openxmlformats.org/officeDocument/2006/relationships" xmlns:p="http://schemas.openxmlformats.org/presentationml/2006/main">
-  <p:cSld>
-    <p:spTree>
-      <p:nvGrpSpPr>
-        <p:cNvPr id="1" name="">
-          <a:extLst>
-            <a:ext uri="{FF2B5EF4-FFF2-40B4-BE49-F238E27FC236}">
-              <a16:creationId xmlns:a16="http://schemas.microsoft.com/office/drawing/2014/main" id="{F02E2EE2-3EB3-1638-1C8E-8E1D12075098}"/>
-            </a:ext>
-          </a:extLst>
-        </p:cNvPr>
-        <p:cNvGrpSpPr/>
-        <p:nvPr/>
-      </p:nvGrpSpPr>
-      <p:grpSpPr>
-        <a:xfrm>
-          <a:off x="0" y="0"/>
-          <a:ext cx="0" cy="0"/>
-          <a:chOff x="0" y="0"/>
-          <a:chExt cx="0" cy="0"/>
-        </a:xfrm>
-      </p:grpSpPr>
-      <p:sp>
-        <p:nvSpPr>
-          <p:cNvPr id="3" name="標題 2">
+      <p:pic>
+        <p:nvPicPr>
+          <p:cNvPr id="5" name="圖片 4" descr="一張含有 文字, 螢幕擷取畫面, 網頁, 網站 的圖片&#10;&#10;AI 產生的內容可能不正確。">
             <a:extLst>
               <a:ext uri="{FF2B5EF4-FFF2-40B4-BE49-F238E27FC236}">
-                <a16:creationId xmlns:a16="http://schemas.microsoft.com/office/drawing/2014/main" id="{F14B939D-6667-4945-2316-F8340BE2B8D2}"/>
-              </a:ext>
-            </a:extLst>
-          </p:cNvPr>
-          <p:cNvSpPr>
-            <a:spLocks noGrp="1"/>
-          </p:cNvSpPr>
-          <p:nvPr>
-            <p:ph type="title"/>
-          </p:nvPr>
-        </p:nvSpPr>
-        <p:spPr>
-          <a:xfrm>
-            <a:off x="632520" y="73536"/>
-            <a:ext cx="8640960" cy="764704"/>
-          </a:xfrm>
-        </p:spPr>
-        <p:txBody>
-          <a:bodyPr anchor="ctr">
-            <a:normAutofit/>
-          </a:bodyPr>
-          <a:lstStyle/>
-          <a:p>
-            <a:r>
-              <a:rPr lang="zh-TW" altLang="en-US" dirty="0"/>
-              <a:t>文章編輯器</a:t>
-            </a:r>
-          </a:p>
-        </p:txBody>
-      </p:sp>
-      <p:pic>
-        <p:nvPicPr>
-          <p:cNvPr id="7" name="圖片 6" descr="一張含有 文字, 螢幕擷取畫面, 網頁, 網站 的圖片&#10;&#10;AI 產生的內容可能不正確。">
-            <a:extLst>
-              <a:ext uri="{FF2B5EF4-FFF2-40B4-BE49-F238E27FC236}">
-                <a16:creationId xmlns:a16="http://schemas.microsoft.com/office/drawing/2014/main" id="{04D1192E-F4A3-8BDB-18D3-0AD3074E4102}"/>
+                <a16:creationId xmlns:a16="http://schemas.microsoft.com/office/drawing/2014/main" id="{D7450AED-1640-4B66-8D73-63A613FB4946}"/>
               </a:ext>
             </a:extLst>
           </p:cNvPr>
@@ -5207,7 +5135,7 @@
           <p:nvPr/>
         </p:nvPicPr>
         <p:blipFill>
-          <a:blip r:embed="rId2"/>
+          <a:blip r:embed="rId3"/>
           <a:stretch>
             <a:fillRect/>
           </a:stretch>
@@ -5223,20 +5151,195 @@
           <a:noFill/>
         </p:spPr>
       </p:pic>
+      <p:pic>
+        <p:nvPicPr>
+          <p:cNvPr id="9" name="圖片 8">
+            <a:extLst>
+              <a:ext uri="{FF2B5EF4-FFF2-40B4-BE49-F238E27FC236}">
+                <a16:creationId xmlns:a16="http://schemas.microsoft.com/office/drawing/2014/main" id="{26710361-76C2-48C8-8500-A8D0C6323977}"/>
+              </a:ext>
+            </a:extLst>
+          </p:cNvPr>
+          <p:cNvPicPr>
+            <a:picLocks noChangeAspect="1"/>
+          </p:cNvPicPr>
+          <p:nvPr/>
+        </p:nvPicPr>
+        <p:blipFill>
+          <a:blip r:embed="rId4" cstate="print">
+            <a:extLst>
+              <a:ext uri="{28A0092B-C50C-407E-A947-70E740481C1C}">
+                <a14:useLocalDpi xmlns:a14="http://schemas.microsoft.com/office/drawing/2010/main" val="0"/>
+              </a:ext>
+            </a:extLst>
+          </a:blip>
+          <a:stretch>
+            <a:fillRect/>
+          </a:stretch>
+        </p:blipFill>
+        <p:spPr>
+          <a:xfrm rot="6758110">
+            <a:off x="1003718" y="2792185"/>
+            <a:ext cx="1008551" cy="1008424"/>
+          </a:xfrm>
+          <a:prstGeom prst="rect">
+            <a:avLst/>
+          </a:prstGeom>
+        </p:spPr>
+      </p:pic>
     </p:spTree>
     <p:extLst>
       <p:ext uri="{BB962C8B-B14F-4D97-AF65-F5344CB8AC3E}">
-        <p14:creationId xmlns:p14="http://schemas.microsoft.com/office/powerpoint/2010/main" val="4164623741"/>
+        <p14:creationId xmlns:p14="http://schemas.microsoft.com/office/powerpoint/2010/main" val="2801340232"/>
       </p:ext>
     </p:extLst>
   </p:cSld>
   <p:clrMapOvr>
     <a:masterClrMapping/>
   </p:clrMapOvr>
+  <p:timing>
+    <p:tnLst>
+      <p:par>
+        <p:cTn id="1" dur="indefinite" restart="never" nodeType="tmRoot">
+          <p:childTnLst>
+            <p:seq concurrent="1" nextAc="seek">
+              <p:cTn id="2" dur="indefinite" nodeType="mainSeq">
+                <p:childTnLst>
+                  <p:par>
+                    <p:cTn id="3" fill="hold">
+                      <p:stCondLst>
+                        <p:cond delay="indefinite"/>
+                      </p:stCondLst>
+                      <p:childTnLst>
+                        <p:par>
+                          <p:cTn id="4" fill="hold">
+                            <p:stCondLst>
+                              <p:cond delay="0"/>
+                            </p:stCondLst>
+                            <p:childTnLst>
+                              <p:par>
+                                <p:cTn id="5" presetID="22" presetClass="exit" presetSubtype="8" fill="hold" nodeType="clickEffect">
+                                  <p:stCondLst>
+                                    <p:cond delay="0"/>
+                                  </p:stCondLst>
+                                  <p:childTnLst>
+                                    <p:animEffect transition="out" filter="wipe(left)">
+                                      <p:cBhvr>
+                                        <p:cTn id="6" dur="2000"/>
+                                        <p:tgtEl>
+                                          <p:spTgt spid="6"/>
+                                        </p:tgtEl>
+                                      </p:cBhvr>
+                                    </p:animEffect>
+                                    <p:set>
+                                      <p:cBhvr>
+                                        <p:cTn id="7" dur="1" fill="hold">
+                                          <p:stCondLst>
+                                            <p:cond delay="1999"/>
+                                          </p:stCondLst>
+                                        </p:cTn>
+                                        <p:tgtEl>
+                                          <p:spTgt spid="6"/>
+                                        </p:tgtEl>
+                                        <p:attrNameLst>
+                                          <p:attrName>style.visibility</p:attrName>
+                                        </p:attrNameLst>
+                                      </p:cBhvr>
+                                      <p:to>
+                                        <p:strVal val="hidden"/>
+                                      </p:to>
+                                    </p:set>
+                                  </p:childTnLst>
+                                </p:cTn>
+                              </p:par>
+                              <p:par>
+                                <p:cTn id="8" presetID="22" presetClass="entr" presetSubtype="8" fill="hold" nodeType="withEffect">
+                                  <p:stCondLst>
+                                    <p:cond delay="0"/>
+                                  </p:stCondLst>
+                                  <p:childTnLst>
+                                    <p:set>
+                                      <p:cBhvr>
+                                        <p:cTn id="9" dur="1" fill="hold">
+                                          <p:stCondLst>
+                                            <p:cond delay="0"/>
+                                          </p:stCondLst>
+                                        </p:cTn>
+                                        <p:tgtEl>
+                                          <p:spTgt spid="5"/>
+                                        </p:tgtEl>
+                                        <p:attrNameLst>
+                                          <p:attrName>style.visibility</p:attrName>
+                                        </p:attrNameLst>
+                                      </p:cBhvr>
+                                      <p:to>
+                                        <p:strVal val="visible"/>
+                                      </p:to>
+                                    </p:set>
+                                    <p:animEffect transition="in" filter="wipe(left)">
+                                      <p:cBhvr>
+                                        <p:cTn id="10" dur="2000"/>
+                                        <p:tgtEl>
+                                          <p:spTgt spid="5"/>
+                                        </p:tgtEl>
+                                      </p:cBhvr>
+                                    </p:animEffect>
+                                  </p:childTnLst>
+                                </p:cTn>
+                              </p:par>
+                              <p:par>
+                                <p:cTn id="11" presetID="0" presetClass="path" presetSubtype="0" accel="50000" decel="50000" fill="hold" nodeType="withEffect">
+                                  <p:stCondLst>
+                                    <p:cond delay="0"/>
+                                  </p:stCondLst>
+                                  <p:childTnLst>
+                                    <p:animMotion origin="layout" path="M 0.00786 0.03078 L 0.00786 0.03078 C 0.00866 0.02662 0.00946 0.02245 0.01026 0.01851 C 0.01058 0.01713 0.01074 0.01597 0.01122 0.01481 C 0.01154 0.01342 0.01234 0.0125 0.01282 0.01111 C 0.01603 0.00185 0.0101 0.01435 0.01619 0.00254 C 0.01651 0.00138 0.01683 0.00023 0.01715 -0.00116 C 0.01747 -0.00348 0.01747 -0.00602 0.01795 -0.00834 C 0.01827 -0.01065 0.01907 -0.0125 0.01955 -0.01459 C 0.02212 -0.02547 0.01779 -0.0125 0.02388 -0.02801 C 0.0242 -0.0301 0.02404 -0.03218 0.02468 -0.03403 C 0.02645 -0.03936 0.03334 -0.0544 0.03574 -0.05857 C 0.03943 -0.06528 0.04391 -0.0713 0.0476 -0.07825 C 0.0492 -0.08149 0.05064 -0.08519 0.05273 -0.08797 C 0.05657 -0.09375 0.06138 -0.09815 0.06539 -0.10394 C 0.06699 -0.10625 0.06891 -0.10857 0.07052 -0.11112 C 0.08157 -0.1294 0.0742 -0.11783 0.07885 -0.12709 C 0.08061 -0.13033 0.08398 -0.13681 0.08398 -0.13681 C 0.0843 -0.1382 0.08398 -0.14051 0.08478 -0.14051 C 0.08606 -0.14051 0.08734 -0.13866 0.08734 -0.13681 C 0.08798 -0.11366 0.08718 -0.09028 0.08654 -0.06713 C 0.08622 -0.05926 0.08318 -0.03056 0.08141 -0.02431 L 0.07805 -0.01204 C 0.07773 -0.00764 0.07757 -0.00325 0.07725 0.00138 C 0.07693 0.00463 0.07661 0.00787 0.07645 0.01111 C 0.07597 0.0155 0.07629 0.02013 0.07548 0.02453 C 0.07484 0.02847 0.07324 0.03194 0.07212 0.03564 C 0.0718 0.03958 0.07196 0.04375 0.07132 0.04791 C 0.06875 0.06458 0.06875 0.06365 0.06539 0.07361 C 0.06347 0.09513 0.06555 0.07291 0.06363 0.09074 C 0.06266 0.10092 0.06266 0.10463 0.06106 0.11273 C 0.0609 0.11388 0.06074 0.11527 0.06026 0.11643 C 0.05978 0.11759 0.05914 0.11875 0.05866 0.1199 C 0.05834 0.12245 0.05673 0.12523 0.0577 0.12731 C 0.05834 0.12847 0.06186 0.12013 0.06202 0.1199 C 0.06363 0.11736 0.06555 0.11527 0.06699 0.11273 C 0.06843 0.11041 0.06907 0.10763 0.07052 0.10532 C 0.07629 0.0956 0.07869 0.09421 0.08574 0.08564 C 0.08975 0.08078 0.09856 0.06944 0.10177 0.06365 C 0.10369 0.06041 0.10497 0.05625 0.10689 0.05277 C 0.10882 0.04907 0.11154 0.04652 0.11363 0.04305 C 0.11555 0.03981 0.11683 0.03634 0.11875 0.0331 C 0.12693 0.01944 0.12228 0.03009 0.12885 0.01736 C 0.13173 0.01157 0.13398 0.00509 0.13734 0.00023 C 0.14055 -0.00463 0.14199 -0.00649 0.14504 -0.01204 C 0.15048 -0.02315 0.14872 -0.02037 0.15257 -0.02917 C 0.15369 -0.03172 0.15497 -0.03403 0.15593 -0.03658 C 0.15657 -0.0382 0.15705 -0.03982 0.1577 -0.04144 C 0.15834 -0.04329 0.15946 -0.04468 0.16026 -0.0463 C 0.1625 -0.05116 0.16347 -0.0551 0.16619 -0.05973 C 0.16747 -0.06204 0.16891 -0.06389 0.17036 -0.06598 C 0.17645 -0.0838 0.16955 -0.06575 0.17548 -0.07686 C 0.17645 -0.07894 0.17693 -0.08125 0.17805 -0.08311 C 0.17901 -0.08496 0.18029 -0.08612 0.18141 -0.08797 C 0.18238 -0.08959 0.18302 -0.09144 0.18398 -0.09283 C 0.18574 -0.09584 0.18782 -0.09862 0.18991 -0.10139 L 0.19327 -0.10625 C 0.19696 -0.09005 0.19568 -0.09723 0.19231 -0.06112 C 0.19167 -0.05301 0.18975 -0.04537 0.18814 -0.03774 C 0.18574 -0.02662 0.18558 -0.02408 0.18222 -0.01343 C 0.18093 -0.00926 0.17933 -0.00533 0.17805 -0.00116 C 0.17677 0.00254 0.17548 0.00625 0.17452 0.00995 C 0.17356 0.01388 0.17324 0.01828 0.17212 0.02222 C 0.171 0.02523 0.16923 0.02777 0.16779 0.03078 C 0.16699 0.03449 0.16619 0.03819 0.16523 0.04166 C 0.16379 0.04745 0.16154 0.053 0.16026 0.05879 C 0.15641 0.07523 0.16058 0.05671 0.15673 0.07476 C 0.15545 0.08125 0.15401 0.08773 0.15257 0.09421 C 0.15193 0.09722 0.15145 0.1 0.15097 0.10277 C 0.15 0.10694 0.14904 0.11088 0.1484 0.11504 C 0.14776 0.11828 0.14744 0.12175 0.14664 0.125 C 0.14568 0.12916 0.14327 0.13703 0.14327 0.13703 C 0.14295 0.13958 0.14295 0.14213 0.14247 0.14444 C 0.14215 0.14583 0.14103 0.14675 0.14071 0.14814 C 0.14023 0.15046 0.14023 0.153 0.13991 0.15555 C 0.13895 0.16203 0.13814 0.16342 0.13654 0.17129 C 0.13606 0.17338 0.13606 0.17546 0.13558 0.17754 C 0.1351 0.18101 0.1343 0.18263 0.13318 0.18611 C 0.13286 0.18888 0.13238 0.19398 0.13141 0.19699 C 0.12709 0.20925 0.13254 0.19074 0.12805 0.20555 C 0.12773 0.20694 0.12757 0.2081 0.12725 0.20925 C 0.12677 0.21064 0.12516 0.21435 0.12548 0.21296 C 0.12629 0.20879 0.12741 0.20463 0.12885 0.20069 C 0.1327 0.19004 0.14616 0.17314 0.1492 0.16898 C 0.15177 0.16527 0.15401 0.16134 0.15673 0.15787 C 0.16026 0.15393 0.16395 0.15023 0.16699 0.1456 C 0.16907 0.14259 0.17036 0.13819 0.17212 0.13472 C 0.17645 0.12569 0.18093 0.11643 0.18558 0.10787 C 0.19119 0.09745 0.19824 0.08495 0.20337 0.07361 C 0.20593 0.06782 0.20834 0.06203 0.21106 0.05648 C 0.21234 0.05347 0.21411 0.05092 0.21523 0.04791 C 0.21603 0.04537 0.21683 0.04282 0.21779 0.0405 C 0.2202 0.03472 0.22548 0.02338 0.22548 0.02338 C 0.22564 0.02129 0.22548 0.01898 0.22629 0.01736 C 0.22725 0.01458 0.23558 -0.00232 0.23814 -0.00718 C 0.23959 -0.00996 0.24119 -0.01274 0.24231 -0.01575 C 0.24375 -0.01945 0.24488 -0.02338 0.24664 -0.02686 C 0.24968 -0.03357 0.25369 -0.03936 0.25673 -0.0463 C 0.26427 -0.06389 0.25866 -0.05116 0.27116 -0.0757 C 0.2734 -0.0801 0.27564 -0.08473 0.27789 -0.08912 C 0.27965 -0.09283 0.28077 -0.097 0.28302 -0.10024 C 0.28494 -0.10301 0.28702 -0.10579 0.28895 -0.1088 C 0.29792 -0.12408 0.28863 -0.11042 0.29648 -0.12709 C 0.31074 -0.15718 0.29888 -0.13172 0.30754 -0.14422 C 0.31234 -0.15116 0.30529 -0.14514 0.31266 -0.15024 C 0.3117 -0.12755 0.3117 -0.10463 0.3101 -0.08195 C 0.30978 -0.07662 0.3077 -0.072 0.30673 -0.06713 C 0.30545 -0.06112 0.30497 -0.05463 0.30337 -0.04885 C 0.29936 -0.03496 0.29407 -0.022 0.28975 -0.00834 C 0.28542 0.00509 0.28013 0.02338 0.27709 0.03796 C 0.2734 0.05555 0.2702 0.07314 0.26683 0.09074 C 0.26539 0.09838 0.26459 0.10625 0.26266 0.11388 C 0.2593 0.12777 0.25513 0.1412 0.25257 0.15555 C 0.25113 0.16319 0.24984 0.17106 0.24824 0.1787 C 0.2468 0.18588 0.24455 0.19236 0.24311 0.19953 C 0.24231 0.20393 0.24215 0.20856 0.24151 0.21296 C 0.24071 0.21759 0.23959 0.22199 0.23895 0.22638 C 0.23654 0.24189 0.23991 0.2287 0.23638 0.2412 C 0.23606 0.24884 0.2351 0.25671 0.23558 0.26435 C 0.23574 0.26782 0.23606 0.2574 0.23718 0.25463 C 0.24151 0.24467 0.24696 0.23588 0.25161 0.22638 C 0.25449 0.22083 0.25705 0.21481 0.2601 0.20925 C 0.27004 0.19189 0.27949 0.17361 0.28975 0.15671 C 0.296 0.14652 0.30241 0.13657 0.30834 0.12615 C 0.32468 0.09745 0.33125 0.07708 0.35417 0.05393 C 0.36266 0.04537 0.37116 0.03703 0.37949 0.02824 C 0.38366 0.02407 0.38718 0.01898 0.39135 0.01481 C 0.39423 0.01203 0.39728 0.00949 0.39984 0.00625 C 0.40209 0.00347 0.40369 -0.00047 0.40577 -0.00348 C 0.40834 -0.00741 0.41459 -0.01366 0.41683 -0.01829 C 0.41972 -0.02431 0.42164 -0.03149 0.42436 -0.03774 C 0.4258 -0.04098 0.42741 -0.04422 0.42869 -0.04769 C 0.43494 -0.06366 0.42949 -0.05116 0.43462 -0.06598 C 0.43558 -0.06899 0.43702 -0.07153 0.43798 -0.07454 C 0.4492 -0.10903 0.43622 -0.07084 0.44311 -0.09399 C 0.44407 -0.09746 0.44536 -0.10047 0.44648 -0.10394 C 0.44728 -0.10672 0.44808 -0.10973 0.44904 -0.1125 C 0.44968 -0.11459 0.4508 -0.11644 0.45145 -0.11852 C 0.45481 -0.12801 0.45321 -0.12431 0.45481 -0.13079 C 0.45545 -0.13287 0.45609 -0.13496 0.45657 -0.13681 C 0.45722 -0.13496 0.45786 -0.13287 0.45834 -0.13079 C 0.45882 -0.12801 0.45882 -0.125 0.45914 -0.12223 C 0.45962 -0.11806 0.46026 -0.11412 0.46074 -0.10996 C 0.46058 -0.06968 0.46042 -0.02917 0.45994 0.01111 C 0.45994 0.01736 0.45994 0.02338 0.45914 0.02939 C 0.4585 0.03495 0.45657 0.04004 0.45577 0.04537 C 0.45337 0.05902 0.45369 0.06666 0.45064 0.07963 C 0.44952 0.08472 0.44776 0.08935 0.44648 0.09421 C 0.44632 0.09583 0.44504 0.11851 0.44472 0.12129 C 0.44407 0.12569 0.44311 0.13032 0.44215 0.13472 C 0.44055 0.15324 0.44263 0.13611 0.43879 0.153 C 0.43814 0.15625 0.43766 0.15949 0.43718 0.16273 C 0.43654 0.16574 0.43606 0.16851 0.43542 0.17129 C 0.43366 0.1787 0.43334 0.17685 0.43205 0.18495 C 0.42965 0.19838 0.43109 0.19143 0.42773 0.20555 L 0.42693 0.20925 C 0.42773 0.21296 0.42693 0.21921 0.42949 0.22037 C 0.43205 0.22129 0.43334 0.21527 0.43542 0.21296 C 0.43847 0.20995 0.44167 0.2074 0.44472 0.20439 C 0.46779 0.18171 0.44552 0.20324 0.46843 0.17754 C 0.47308 0.17222 0.47821 0.16828 0.48286 0.16273 C 0.48734 0.15763 0.49103 0.15115 0.49552 0.1456 C 0.51795 0.11898 0.52564 0.1199 0.55064 0.08078 C 0.5577 0.0699 0.56427 0.05833 0.5718 0.04791 C 0.57981 0.03634 0.58991 0.02731 0.59712 0.01481 C 0.61202 -0.01065 0.62436 -0.03889 0.63782 -0.06598 C 0.64151 -0.07362 0.6452 -0.08149 0.64888 -0.08912 C 0.65161 -0.09537 0.65417 -0.10162 0.65722 -0.10764 C 0.66347 -0.11945 0.66475 -0.12014 0.66827 -0.13195 C 0.66891 -0.13426 0.67004 -0.13936 0.67004 -0.13936 C 0.67805 -0.09283 0.67436 -0.11598 0.66314 -0.00348 C 0.66122 0.01574 0.65657 0.03425 0.65225 0.05277 C 0.64391 0.08703 0.63542 0.12129 0.62516 0.15416 C 0.62228 0.16319 0.61923 0.17199 0.61667 0.18125 C 0.60866 0.21018 0.61571 0.1868 0.61234 0.20439 C 0.61202 0.20648 0.61106 0.20833 0.61074 0.21064 C 0.60994 0.21458 0.60994 0.21875 0.60898 0.22268 C 0.6085 0.22523 0.60802 0.22777 0.60738 0.23009 C 0.60657 0.2331 0.60545 0.23564 0.60481 0.23865 C 0.60401 0.24189 0.60369 0.24513 0.60305 0.24838 C 0.60225 0.25208 0.60145 0.25578 0.60048 0.25949 C 0.60032 0.26203 0.6 0.26435 0.59968 0.26689 C 0.59952 0.26851 0.59872 0.27013 0.59888 0.27175 C 0.59904 0.27708 0.6 0.2824 0.60048 0.28773 C 0.60962 0.28356 0.62789 0.27546 0.63606 0.2706 C 0.64279 0.26643 0.6492 0.26157 0.65561 0.25694 C 0.65625 0.25648 0.67821 0.24189 0.68526 0.23379 C 0.6875 0.23101 0.68975 0.22824 0.69199 0.22523 C 0.69311 0.22361 0.69407 0.22175 0.69536 0.22037 C 0.69728 0.21805 0.69936 0.21643 0.70129 0.21412 C 0.70305 0.21226 0.70465 0.20995 0.70641 0.2081 C 0.70802 0.20625 0.70994 0.20509 0.71154 0.20324 C 0.71234 0.20208 0.71298 0.20046 0.71395 0.19953 C 0.71507 0.19838 0.71635 0.19791 0.71747 0.19699 C 0.71827 0.19629 0.71907 0.19537 0.71988 0.19467 C 0.72308 0.19189 0.72212 0.19213 0.7242 0.19213 L 0.74712 0.15787 " pathEditMode="relative" ptsTypes="AAAAAAAAAAAAAAAAAAAAAAAAAAAAAAAAAAAAAAAAAAAAAAAAAAAAAAAAAAAAAAAAAAAAAAAAAAAAAAAAAAAAAAAAAAAAAAAAAAAAAAAAAAAAAAAAAAAAAAAAAAAAAAAAAAAAAAAAAAAAAAAAAAAAAAAAAAAAAAAAAAAAAAAAAAAAAAAAAAAAAAAAAAAAAAAAAAAAA">
+                                      <p:cBhvr>
+                                        <p:cTn id="12" dur="2000" fill="hold"/>
+                                        <p:tgtEl>
+                                          <p:spTgt spid="9"/>
+                                        </p:tgtEl>
+                                        <p:attrNameLst>
+                                          <p:attrName>ppt_x</p:attrName>
+                                          <p:attrName>ppt_y</p:attrName>
+                                        </p:attrNameLst>
+                                      </p:cBhvr>
+                                    </p:animMotion>
+                                  </p:childTnLst>
+                                </p:cTn>
+                              </p:par>
+                            </p:childTnLst>
+                          </p:cTn>
+                        </p:par>
+                      </p:childTnLst>
+                    </p:cTn>
+                  </p:par>
+                </p:childTnLst>
+              </p:cTn>
+              <p:prevCondLst>
+                <p:cond evt="onPrev" delay="0">
+                  <p:tgtEl>
+                    <p:sldTgt/>
+                  </p:tgtEl>
+                </p:cond>
+              </p:prevCondLst>
+              <p:nextCondLst>
+                <p:cond evt="onNext" delay="0">
+                  <p:tgtEl>
+                    <p:sldTgt/>
+                  </p:tgtEl>
+                </p:cond>
+              </p:nextCondLst>
+            </p:seq>
+          </p:childTnLst>
+        </p:cTn>
+      </p:par>
+    </p:tnLst>
+  </p:timing>
 </p:sld>
 </file>
 
-<file path=ppt/slides/slide7.xml><?xml version="1.0" encoding="utf-8"?>
+<file path=ppt/slides/slide6.xml><?xml version="1.0" encoding="utf-8"?>
 <p:sld xmlns:a="http://schemas.openxmlformats.org/drawingml/2006/main" xmlns:r="http://schemas.openxmlformats.org/officeDocument/2006/relationships" xmlns:p="http://schemas.openxmlformats.org/presentationml/2006/main">
   <p:cSld>
     <p:spTree>
@@ -5338,7 +5441,7 @@
 </p:sld>
 </file>
 
-<file path=ppt/slides/slide8.xml><?xml version="1.0" encoding="utf-8"?>
+<file path=ppt/slides/slide7.xml><?xml version="1.0" encoding="utf-8"?>
 <p:sld xmlns:a="http://schemas.openxmlformats.org/drawingml/2006/main" xmlns:r="http://schemas.openxmlformats.org/officeDocument/2006/relationships" xmlns:p="http://schemas.openxmlformats.org/presentationml/2006/main">
   <p:cSld>
     <p:spTree>

--- a/docs/ppt/Siyan.pptx
+++ b/docs/ppt/Siyan.pptx
@@ -13,8 +13,8 @@
   <p:sldIdLst>
     <p:sldId id="279" r:id="rId2"/>
     <p:sldId id="282" r:id="rId3"/>
-    <p:sldId id="285" r:id="rId4"/>
-    <p:sldId id="286" r:id="rId5"/>
+    <p:sldId id="286" r:id="rId4"/>
+    <p:sldId id="287" r:id="rId5"/>
     <p:sldId id="274" r:id="rId6"/>
     <p:sldId id="284" r:id="rId7"/>
     <p:sldId id="275" r:id="rId8"/>
@@ -4651,331 +4651,6 @@
   <p:cSld>
     <p:spTree>
       <p:nvGrpSpPr>
-        <p:cNvPr id="1" name="">
-          <a:extLst>
-            <a:ext uri="{FF2B5EF4-FFF2-40B4-BE49-F238E27FC236}">
-              <a16:creationId xmlns:a16="http://schemas.microsoft.com/office/drawing/2014/main" id="{3625F7AC-E8E4-5BAC-7921-BB4CC2D8C707}"/>
-            </a:ext>
-          </a:extLst>
-        </p:cNvPr>
-        <p:cNvGrpSpPr/>
-        <p:nvPr/>
-      </p:nvGrpSpPr>
-      <p:grpSpPr>
-        <a:xfrm>
-          <a:off x="0" y="0"/>
-          <a:ext cx="0" cy="0"/>
-          <a:chOff x="0" y="0"/>
-          <a:chExt cx="0" cy="0"/>
-        </a:xfrm>
-      </p:grpSpPr>
-      <p:sp>
-        <p:nvSpPr>
-          <p:cNvPr id="8" name="標題 2">
-            <a:extLst>
-              <a:ext uri="{FF2B5EF4-FFF2-40B4-BE49-F238E27FC236}">
-                <a16:creationId xmlns:a16="http://schemas.microsoft.com/office/drawing/2014/main" id="{610D329C-DFDB-80B2-F12E-874D202A9DCD}"/>
-              </a:ext>
-            </a:extLst>
-          </p:cNvPr>
-          <p:cNvSpPr>
-            <a:spLocks noGrp="1"/>
-          </p:cNvSpPr>
-          <p:nvPr>
-            <p:ph type="title"/>
-          </p:nvPr>
-        </p:nvSpPr>
-        <p:spPr>
-          <a:xfrm>
-            <a:off x="2828763" y="91552"/>
-            <a:ext cx="4248472" cy="764704"/>
-          </a:xfrm>
-        </p:spPr>
-        <p:txBody>
-          <a:bodyPr/>
-          <a:lstStyle/>
-          <a:p>
-            <a:r>
-              <a:rPr lang="zh-TW" altLang="en-US" dirty="0"/>
-              <a:t>客服頁面</a:t>
-            </a:r>
-          </a:p>
-        </p:txBody>
-      </p:sp>
-      <p:pic>
-        <p:nvPicPr>
-          <p:cNvPr id="2" name="內容版面配置區 5">
-            <a:extLst>
-              <a:ext uri="{FF2B5EF4-FFF2-40B4-BE49-F238E27FC236}">
-                <a16:creationId xmlns:a16="http://schemas.microsoft.com/office/drawing/2014/main" id="{FCD22BE9-2FCC-6808-66CD-CB8D1C690049}"/>
-              </a:ext>
-            </a:extLst>
-          </p:cNvPr>
-          <p:cNvPicPr>
-            <a:picLocks noGrp="1" noChangeAspect="1"/>
-          </p:cNvPicPr>
-          <p:nvPr>
-            <p:ph sz="quarter" idx="13"/>
-          </p:nvPr>
-        </p:nvPicPr>
-        <p:blipFill>
-          <a:blip r:embed="rId2"/>
-          <a:stretch>
-            <a:fillRect/>
-          </a:stretch>
-        </p:blipFill>
-        <p:spPr>
-          <a:xfrm>
-            <a:off x="2896392" y="2132856"/>
-            <a:ext cx="4113213" cy="1570380"/>
-          </a:xfrm>
-        </p:spPr>
-      </p:pic>
-      <p:sp>
-        <p:nvSpPr>
-          <p:cNvPr id="3" name="內容版面配置區 5">
-            <a:extLst>
-              <a:ext uri="{FF2B5EF4-FFF2-40B4-BE49-F238E27FC236}">
-                <a16:creationId xmlns:a16="http://schemas.microsoft.com/office/drawing/2014/main" id="{971AFBDD-8F18-D5AA-B4CC-71E838432F89}"/>
-              </a:ext>
-            </a:extLst>
-          </p:cNvPr>
-          <p:cNvSpPr txBox="1">
-            <a:spLocks/>
-          </p:cNvSpPr>
-          <p:nvPr/>
-        </p:nvSpPr>
-        <p:spPr>
-          <a:xfrm>
-            <a:off x="1108347" y="4653136"/>
-            <a:ext cx="7689304" cy="3953498"/>
-          </a:xfrm>
-          <a:prstGeom prst="rect">
-            <a:avLst/>
-          </a:prstGeom>
-        </p:spPr>
-        <p:txBody>
-          <a:bodyPr/>
-          <a:lstStyle>
-            <a:lvl1pPr marL="342900" indent="-342900" algn="l" defTabSz="914400" rtl="0" eaLnBrk="1" latinLnBrk="0" hangingPunct="1">
-              <a:lnSpc>
-                <a:spcPct val="100000"/>
-              </a:lnSpc>
-              <a:spcBef>
-                <a:spcPts val="600"/>
-              </a:spcBef>
-              <a:spcAft>
-                <a:spcPts val="600"/>
-              </a:spcAft>
-              <a:buClr>
-                <a:schemeClr val="accent1"/>
-              </a:buClr>
-              <a:buFont typeface="Wingdings" panose="05000000000000000000" pitchFamily="2" charset="2"/>
-              <a:buChar char="l"/>
-              <a:defRPr sz="2800" b="1" kern="1200">
-                <a:solidFill>
-                  <a:schemeClr val="bg1"/>
-                </a:solidFill>
-                <a:latin typeface="微軟正黑體" pitchFamily="34" charset="-120"/>
-                <a:ea typeface="微軟正黑體" pitchFamily="34" charset="-120"/>
-                <a:cs typeface="+mn-cs"/>
-              </a:defRPr>
-            </a:lvl1pPr>
-            <a:lvl2pPr marL="714375" indent="-352425" algn="l" defTabSz="914400" rtl="0" eaLnBrk="1" latinLnBrk="0" hangingPunct="1">
-              <a:lnSpc>
-                <a:spcPct val="100000"/>
-              </a:lnSpc>
-              <a:spcBef>
-                <a:spcPts val="600"/>
-              </a:spcBef>
-              <a:spcAft>
-                <a:spcPts val="600"/>
-              </a:spcAft>
-              <a:buClr>
-                <a:schemeClr val="accent2"/>
-              </a:buClr>
-              <a:buFont typeface="Wingdings" panose="05000000000000000000" pitchFamily="2" charset="2"/>
-              <a:buChar char="u"/>
-              <a:defRPr sz="2400" b="0" kern="1200">
-                <a:solidFill>
-                  <a:schemeClr val="bg1"/>
-                </a:solidFill>
-                <a:latin typeface="微軟正黑體" pitchFamily="34" charset="-120"/>
-                <a:ea typeface="微軟正黑體" pitchFamily="34" charset="-120"/>
-                <a:cs typeface="+mn-cs"/>
-              </a:defRPr>
-            </a:lvl2pPr>
-            <a:lvl3pPr marL="990600" indent="-276225" algn="l" defTabSz="914400" rtl="0" eaLnBrk="1" latinLnBrk="0" hangingPunct="1">
-              <a:lnSpc>
-                <a:spcPct val="100000"/>
-              </a:lnSpc>
-              <a:spcBef>
-                <a:spcPts val="600"/>
-              </a:spcBef>
-              <a:spcAft>
-                <a:spcPts val="600"/>
-              </a:spcAft>
-              <a:buClr>
-                <a:schemeClr val="accent3"/>
-              </a:buClr>
-              <a:buFont typeface="Wingdings" panose="05000000000000000000" pitchFamily="2" charset="2"/>
-              <a:buChar char="p"/>
-              <a:defRPr sz="2000" kern="1200">
-                <a:solidFill>
-                  <a:schemeClr val="bg1"/>
-                </a:solidFill>
-                <a:latin typeface="微軟正黑體" pitchFamily="34" charset="-120"/>
-                <a:ea typeface="微軟正黑體" pitchFamily="34" charset="-120"/>
-                <a:cs typeface="+mn-cs"/>
-              </a:defRPr>
-            </a:lvl3pPr>
-            <a:lvl4pPr marL="1257300" indent="-266700" algn="l" defTabSz="914400" rtl="0" eaLnBrk="1" latinLnBrk="0" hangingPunct="1">
-              <a:lnSpc>
-                <a:spcPct val="100000"/>
-              </a:lnSpc>
-              <a:spcBef>
-                <a:spcPts val="600"/>
-              </a:spcBef>
-              <a:spcAft>
-                <a:spcPts val="600"/>
-              </a:spcAft>
-              <a:buClr>
-                <a:schemeClr val="accent4"/>
-              </a:buClr>
-              <a:buFont typeface="Wingdings" panose="05000000000000000000" pitchFamily="2" charset="2"/>
-              <a:buChar char="n"/>
-              <a:defRPr sz="1800" kern="1200">
-                <a:solidFill>
-                  <a:schemeClr val="bg1"/>
-                </a:solidFill>
-                <a:latin typeface="微軟正黑體" pitchFamily="34" charset="-120"/>
-                <a:ea typeface="微軟正黑體" pitchFamily="34" charset="-120"/>
-                <a:cs typeface="+mn-cs"/>
-              </a:defRPr>
-            </a:lvl4pPr>
-            <a:lvl5pPr marL="1524000" indent="-266700" algn="l" defTabSz="914400" rtl="0" eaLnBrk="1" latinLnBrk="0" hangingPunct="1">
-              <a:lnSpc>
-                <a:spcPct val="100000"/>
-              </a:lnSpc>
-              <a:spcBef>
-                <a:spcPts val="600"/>
-              </a:spcBef>
-              <a:spcAft>
-                <a:spcPts val="600"/>
-              </a:spcAft>
-              <a:buClr>
-                <a:schemeClr val="accent5"/>
-              </a:buClr>
-              <a:buFont typeface="Arial" pitchFamily="34" charset="0"/>
-              <a:buChar char="»"/>
-              <a:defRPr sz="1800" kern="1200">
-                <a:solidFill>
-                  <a:schemeClr val="bg1"/>
-                </a:solidFill>
-                <a:latin typeface="微軟正黑體" pitchFamily="34" charset="-120"/>
-                <a:ea typeface="微軟正黑體" pitchFamily="34" charset="-120"/>
-                <a:cs typeface="+mn-cs"/>
-              </a:defRPr>
-            </a:lvl5pPr>
-            <a:lvl6pPr marL="2514600" indent="-228600" algn="l" defTabSz="914400" rtl="0" eaLnBrk="1" latinLnBrk="0" hangingPunct="1">
-              <a:spcBef>
-                <a:spcPct val="20000"/>
-              </a:spcBef>
-              <a:buFont typeface="Arial" pitchFamily="34" charset="0"/>
-              <a:buChar char="•"/>
-              <a:defRPr sz="2000" kern="1200">
-                <a:solidFill>
-                  <a:schemeClr val="tx1"/>
-                </a:solidFill>
-                <a:latin typeface="+mn-lt"/>
-                <a:ea typeface="+mn-ea"/>
-                <a:cs typeface="+mn-cs"/>
-              </a:defRPr>
-            </a:lvl6pPr>
-            <a:lvl7pPr marL="2971800" indent="-228600" algn="l" defTabSz="914400" rtl="0" eaLnBrk="1" latinLnBrk="0" hangingPunct="1">
-              <a:spcBef>
-                <a:spcPct val="20000"/>
-              </a:spcBef>
-              <a:buFont typeface="Arial" pitchFamily="34" charset="0"/>
-              <a:buChar char="•"/>
-              <a:defRPr sz="2000" kern="1200">
-                <a:solidFill>
-                  <a:schemeClr val="tx1"/>
-                </a:solidFill>
-                <a:latin typeface="+mn-lt"/>
-                <a:ea typeface="+mn-ea"/>
-                <a:cs typeface="+mn-cs"/>
-              </a:defRPr>
-            </a:lvl7pPr>
-            <a:lvl8pPr marL="3429000" indent="-228600" algn="l" defTabSz="914400" rtl="0" eaLnBrk="1" latinLnBrk="0" hangingPunct="1">
-              <a:spcBef>
-                <a:spcPct val="20000"/>
-              </a:spcBef>
-              <a:buFont typeface="Arial" pitchFamily="34" charset="0"/>
-              <a:buChar char="•"/>
-              <a:defRPr sz="2000" kern="1200">
-                <a:solidFill>
-                  <a:schemeClr val="tx1"/>
-                </a:solidFill>
-                <a:latin typeface="+mn-lt"/>
-                <a:ea typeface="+mn-ea"/>
-                <a:cs typeface="+mn-cs"/>
-              </a:defRPr>
-            </a:lvl8pPr>
-            <a:lvl9pPr marL="3886200" indent="-228600" algn="l" defTabSz="914400" rtl="0" eaLnBrk="1" latinLnBrk="0" hangingPunct="1">
-              <a:spcBef>
-                <a:spcPct val="20000"/>
-              </a:spcBef>
-              <a:buFont typeface="Arial" pitchFamily="34" charset="0"/>
-              <a:buChar char="•"/>
-              <a:defRPr sz="2000" kern="1200">
-                <a:solidFill>
-                  <a:schemeClr val="tx1"/>
-                </a:solidFill>
-                <a:latin typeface="+mn-lt"/>
-                <a:ea typeface="+mn-ea"/>
-                <a:cs typeface="+mn-cs"/>
-              </a:defRPr>
-            </a:lvl9pPr>
-          </a:lstStyle>
-          <a:p>
-            <a:r>
-              <a:rPr lang="zh-TW" altLang="en-US" dirty="0"/>
-              <a:t>訊息提示</a:t>
-            </a:r>
-            <a:endParaRPr lang="en-US" altLang="zh-TW" dirty="0"/>
-          </a:p>
-          <a:p>
-            <a:pPr lvl="1"/>
-            <a:r>
-              <a:rPr lang="zh-TW" altLang="en-US" sz="2000" b="1" dirty="0"/>
-              <a:t>點擊送出成功就會回饋給消費者，確認提交</a:t>
-            </a:r>
-            <a:endParaRPr lang="en-US" altLang="zh-TW" sz="2000" b="1" dirty="0"/>
-          </a:p>
-          <a:p>
-            <a:endParaRPr lang="zh-TW" altLang="en-US" dirty="0"/>
-          </a:p>
-        </p:txBody>
-      </p:sp>
-    </p:spTree>
-    <p:extLst>
-      <p:ext uri="{BB962C8B-B14F-4D97-AF65-F5344CB8AC3E}">
-        <p14:creationId xmlns:p14="http://schemas.microsoft.com/office/powerpoint/2010/main" val="3145794949"/>
-      </p:ext>
-    </p:extLst>
-  </p:cSld>
-  <p:clrMapOvr>
-    <a:masterClrMapping/>
-  </p:clrMapOvr>
-</p:sld>
-</file>
-
-<file path=ppt/slides/slide4.xml><?xml version="1.0" encoding="utf-8"?>
-<p:sld xmlns:a="http://schemas.openxmlformats.org/drawingml/2006/main" xmlns:r="http://schemas.openxmlformats.org/officeDocument/2006/relationships" xmlns:p="http://schemas.openxmlformats.org/presentationml/2006/main">
-  <p:cSld>
-    <p:spTree>
-      <p:nvGrpSpPr>
         <p:cNvPr id="1" name=""/>
         <p:cNvGrpSpPr/>
         <p:nvPr/>
@@ -5028,6 +4703,102 @@
     <p:extLst>
       <p:ext uri="{BB962C8B-B14F-4D97-AF65-F5344CB8AC3E}">
         <p14:creationId xmlns:p14="http://schemas.microsoft.com/office/powerpoint/2010/main" val="3559718768"/>
+      </p:ext>
+    </p:extLst>
+  </p:cSld>
+  <p:clrMapOvr>
+    <a:masterClrMapping/>
+  </p:clrMapOvr>
+</p:sld>
+</file>
+
+<file path=ppt/slides/slide4.xml><?xml version="1.0" encoding="utf-8"?>
+<p:sld xmlns:a="http://schemas.openxmlformats.org/drawingml/2006/main" xmlns:r="http://schemas.openxmlformats.org/officeDocument/2006/relationships" xmlns:p="http://schemas.openxmlformats.org/presentationml/2006/main">
+  <p:cSld>
+    <p:spTree>
+      <p:nvGrpSpPr>
+        <p:cNvPr id="1" name=""/>
+        <p:cNvGrpSpPr/>
+        <p:nvPr/>
+      </p:nvGrpSpPr>
+      <p:grpSpPr>
+        <a:xfrm>
+          <a:off x="0" y="0"/>
+          <a:ext cx="0" cy="0"/>
+          <a:chOff x="0" y="0"/>
+          <a:chExt cx="0" cy="0"/>
+        </a:xfrm>
+      </p:grpSpPr>
+      <p:sp>
+        <p:nvSpPr>
+          <p:cNvPr id="3" name="標題 2">
+            <a:extLst>
+              <a:ext uri="{FF2B5EF4-FFF2-40B4-BE49-F238E27FC236}">
+                <a16:creationId xmlns:a16="http://schemas.microsoft.com/office/drawing/2014/main" id="{E2F12E2F-52EE-CA77-FB53-4EFC2E0F43C3}"/>
+              </a:ext>
+            </a:extLst>
+          </p:cNvPr>
+          <p:cNvSpPr>
+            <a:spLocks noGrp="1"/>
+          </p:cNvSpPr>
+          <p:nvPr>
+            <p:ph type="title"/>
+          </p:nvPr>
+        </p:nvSpPr>
+        <p:spPr>
+          <a:xfrm>
+            <a:off x="632520" y="73536"/>
+            <a:ext cx="8640960" cy="764704"/>
+          </a:xfrm>
+        </p:spPr>
+        <p:txBody>
+          <a:bodyPr anchor="ctr">
+            <a:normAutofit/>
+          </a:bodyPr>
+          <a:lstStyle/>
+          <a:p>
+            <a:r>
+              <a:rPr lang="zh-TW" altLang="en-US" dirty="0"/>
+              <a:t>文章編輯器</a:t>
+            </a:r>
+          </a:p>
+        </p:txBody>
+      </p:sp>
+      <p:pic>
+        <p:nvPicPr>
+          <p:cNvPr id="6" name="圖片 5" descr="一張含有 文字, 螢幕擷取畫面, 軟體, 網頁 的圖片&#10;&#10;AI 產生的內容可能不正確。">
+            <a:extLst>
+              <a:ext uri="{FF2B5EF4-FFF2-40B4-BE49-F238E27FC236}">
+                <a16:creationId xmlns:a16="http://schemas.microsoft.com/office/drawing/2014/main" id="{856ABCEF-69CD-9D31-3733-8C8426CDD869}"/>
+              </a:ext>
+            </a:extLst>
+          </p:cNvPr>
+          <p:cNvPicPr>
+            <a:picLocks noChangeAspect="1"/>
+          </p:cNvPicPr>
+          <p:nvPr/>
+        </p:nvPicPr>
+        <p:blipFill>
+          <a:blip r:embed="rId2"/>
+          <a:stretch>
+            <a:fillRect/>
+          </a:stretch>
+        </p:blipFill>
+        <p:spPr>
+          <a:xfrm>
+            <a:off x="632520" y="1211153"/>
+            <a:ext cx="8640960" cy="4903745"/>
+          </a:xfrm>
+          <a:prstGeom prst="rect">
+            <a:avLst/>
+          </a:prstGeom>
+          <a:noFill/>
+        </p:spPr>
+      </p:pic>
+    </p:spTree>
+    <p:extLst>
+      <p:ext uri="{BB962C8B-B14F-4D97-AF65-F5344CB8AC3E}">
+        <p14:creationId xmlns:p14="http://schemas.microsoft.com/office/powerpoint/2010/main" val="2090746737"/>
       </p:ext>
     </p:extLst>
   </p:cSld>
@@ -5209,6 +4980,9 @@
                     <p:cTn id="3" fill="hold">
                       <p:stCondLst>
                         <p:cond delay="indefinite"/>
+                        <p:cond evt="onBegin" delay="0">
+                          <p:tn val="2"/>
+                        </p:cond>
                       </p:stCondLst>
                       <p:childTnLst>
                         <p:par>
@@ -5218,7 +4992,7 @@
                             </p:stCondLst>
                             <p:childTnLst>
                               <p:par>
-                                <p:cTn id="5" presetID="22" presetClass="exit" presetSubtype="8" fill="hold" nodeType="clickEffect">
+                                <p:cTn id="5" presetID="22" presetClass="exit" presetSubtype="8" fill="hold" nodeType="withEffect">
                                   <p:stCondLst>
                                     <p:cond delay="0"/>
                                   </p:stCondLst>
@@ -5311,6 +5085,42 @@
                             </p:childTnLst>
                           </p:cTn>
                         </p:par>
+                        <p:par>
+                          <p:cTn id="13" fill="hold">
+                            <p:stCondLst>
+                              <p:cond delay="2000"/>
+                            </p:stCondLst>
+                            <p:childTnLst>
+                              <p:par>
+                                <p:cTn id="14" presetID="1" presetClass="exit" presetSubtype="0" fill="hold" nodeType="afterEffect">
+                                  <p:stCondLst>
+                                    <p:cond delay="0"/>
+                                  </p:stCondLst>
+                                  <p:childTnLst>
+                                    <p:set>
+                                      <p:cBhvr>
+                                        <p:cTn id="15" dur="1" fill="hold">
+                                          <p:stCondLst>
+                                            <p:cond delay="0"/>
+                                          </p:stCondLst>
+                                        </p:cTn>
+                                        <p:tgtEl>
+                                          <p:spTgt spid="9"/>
+                                        </p:tgtEl>
+                                        <p:attrNameLst>
+                                          <p:attrName>style.visibility</p:attrName>
+                                        </p:attrNameLst>
+                                      </p:cBhvr>
+                                      <p:to>
+                                        <p:strVal val="hidden"/>
+                                      </p:to>
+                                    </p:set>
+                                  </p:childTnLst>
+                                </p:cTn>
+                              </p:par>
+                            </p:childTnLst>
+                          </p:cTn>
+                        </p:par>
                       </p:childTnLst>
                     </p:cTn>
                   </p:par>
@@ -5967,295 +5777,6 @@
   <p:clrMapOvr>
     <a:masterClrMapping/>
   </p:clrMapOvr>
-  <p:timing>
-    <p:tnLst>
-      <p:par>
-        <p:cTn id="1" dur="indefinite" restart="never" nodeType="tmRoot">
-          <p:childTnLst>
-            <p:seq concurrent="1" nextAc="seek">
-              <p:cTn id="2" dur="indefinite" nodeType="mainSeq">
-                <p:childTnLst>
-                  <p:par>
-                    <p:cTn id="3" fill="hold">
-                      <p:stCondLst>
-                        <p:cond delay="indefinite"/>
-                      </p:stCondLst>
-                      <p:childTnLst>
-                        <p:par>
-                          <p:cTn id="4" fill="hold">
-                            <p:stCondLst>
-                              <p:cond delay="0"/>
-                            </p:stCondLst>
-                            <p:childTnLst>
-                              <p:par>
-                                <p:cTn id="5" presetID="42" presetClass="entr" presetSubtype="0" fill="hold" grpId="0" nodeType="clickEffect">
-                                  <p:stCondLst>
-                                    <p:cond delay="0"/>
-                                  </p:stCondLst>
-                                  <p:childTnLst>
-                                    <p:set>
-                                      <p:cBhvr>
-                                        <p:cTn id="6" dur="1" fill="hold">
-                                          <p:stCondLst>
-                                            <p:cond delay="0"/>
-                                          </p:stCondLst>
-                                        </p:cTn>
-                                        <p:tgtEl>
-                                          <p:spTgt spid="14">
-                                            <p:txEl>
-                                              <p:pRg st="0" end="0"/>
-                                            </p:txEl>
-                                          </p:spTgt>
-                                        </p:tgtEl>
-                                        <p:attrNameLst>
-                                          <p:attrName>style.visibility</p:attrName>
-                                        </p:attrNameLst>
-                                      </p:cBhvr>
-                                      <p:to>
-                                        <p:strVal val="visible"/>
-                                      </p:to>
-                                    </p:set>
-                                    <p:animEffect transition="in" filter="fade">
-                                      <p:cBhvr>
-                                        <p:cTn id="7" dur="1000"/>
-                                        <p:tgtEl>
-                                          <p:spTgt spid="14">
-                                            <p:txEl>
-                                              <p:pRg st="0" end="0"/>
-                                            </p:txEl>
-                                          </p:spTgt>
-                                        </p:tgtEl>
-                                      </p:cBhvr>
-                                    </p:animEffect>
-                                    <p:anim calcmode="lin" valueType="num">
-                                      <p:cBhvr>
-                                        <p:cTn id="8" dur="1000" fill="hold"/>
-                                        <p:tgtEl>
-                                          <p:spTgt spid="14">
-                                            <p:txEl>
-                                              <p:pRg st="0" end="0"/>
-                                            </p:txEl>
-                                          </p:spTgt>
-                                        </p:tgtEl>
-                                        <p:attrNameLst>
-                                          <p:attrName>ppt_x</p:attrName>
-                                        </p:attrNameLst>
-                                      </p:cBhvr>
-                                      <p:tavLst>
-                                        <p:tav tm="0">
-                                          <p:val>
-                                            <p:strVal val="#ppt_x"/>
-                                          </p:val>
-                                        </p:tav>
-                                        <p:tav tm="100000">
-                                          <p:val>
-                                            <p:strVal val="#ppt_x"/>
-                                          </p:val>
-                                        </p:tav>
-                                      </p:tavLst>
-                                    </p:anim>
-                                    <p:anim calcmode="lin" valueType="num">
-                                      <p:cBhvr>
-                                        <p:cTn id="9" dur="1000" fill="hold"/>
-                                        <p:tgtEl>
-                                          <p:spTgt spid="14">
-                                            <p:txEl>
-                                              <p:pRg st="0" end="0"/>
-                                            </p:txEl>
-                                          </p:spTgt>
-                                        </p:tgtEl>
-                                        <p:attrNameLst>
-                                          <p:attrName>ppt_y</p:attrName>
-                                        </p:attrNameLst>
-                                      </p:cBhvr>
-                                      <p:tavLst>
-                                        <p:tav tm="0">
-                                          <p:val>
-                                            <p:strVal val="#ppt_y+.1"/>
-                                          </p:val>
-                                        </p:tav>
-                                        <p:tav tm="100000">
-                                          <p:val>
-                                            <p:strVal val="#ppt_y"/>
-                                          </p:val>
-                                        </p:tav>
-                                      </p:tavLst>
-                                    </p:anim>
-                                  </p:childTnLst>
-                                </p:cTn>
-                              </p:par>
-                            </p:childTnLst>
-                          </p:cTn>
-                        </p:par>
-                      </p:childTnLst>
-                    </p:cTn>
-                  </p:par>
-                  <p:par>
-                    <p:cTn id="10" fill="hold">
-                      <p:stCondLst>
-                        <p:cond delay="indefinite"/>
-                      </p:stCondLst>
-                      <p:childTnLst>
-                        <p:par>
-                          <p:cTn id="11" fill="hold">
-                            <p:stCondLst>
-                              <p:cond delay="0"/>
-                            </p:stCondLst>
-                            <p:childTnLst>
-                              <p:par>
-                                <p:cTn id="12" presetID="1" presetClass="exit" presetSubtype="0" fill="hold" grpId="1" nodeType="clickEffect">
-                                  <p:stCondLst>
-                                    <p:cond delay="0"/>
-                                  </p:stCondLst>
-                                  <p:childTnLst>
-                                    <p:set>
-                                      <p:cBhvr>
-                                        <p:cTn id="13" dur="1" fill="hold">
-                                          <p:stCondLst>
-                                            <p:cond delay="0"/>
-                                          </p:stCondLst>
-                                        </p:cTn>
-                                        <p:tgtEl>
-                                          <p:spTgt spid="14">
-                                            <p:txEl>
-                                              <p:pRg st="0" end="0"/>
-                                            </p:txEl>
-                                          </p:spTgt>
-                                        </p:tgtEl>
-                                        <p:attrNameLst>
-                                          <p:attrName>style.visibility</p:attrName>
-                                        </p:attrNameLst>
-                                      </p:cBhvr>
-                                      <p:to>
-                                        <p:strVal val="hidden"/>
-                                      </p:to>
-                                    </p:set>
-                                  </p:childTnLst>
-                                </p:cTn>
-                              </p:par>
-                            </p:childTnLst>
-                          </p:cTn>
-                        </p:par>
-                        <p:par>
-                          <p:cTn id="14" fill="hold">
-                            <p:stCondLst>
-                              <p:cond delay="0"/>
-                            </p:stCondLst>
-                            <p:childTnLst>
-                              <p:par>
-                                <p:cTn id="15" presetID="42" presetClass="entr" presetSubtype="0" fill="hold" grpId="0" nodeType="afterEffect">
-                                  <p:stCondLst>
-                                    <p:cond delay="0"/>
-                                  </p:stCondLst>
-                                  <p:childTnLst>
-                                    <p:set>
-                                      <p:cBhvr>
-                                        <p:cTn id="16" dur="1" fill="hold">
-                                          <p:stCondLst>
-                                            <p:cond delay="0"/>
-                                          </p:stCondLst>
-                                        </p:cTn>
-                                        <p:tgtEl>
-                                          <p:spTgt spid="17"/>
-                                        </p:tgtEl>
-                                        <p:attrNameLst>
-                                          <p:attrName>style.visibility</p:attrName>
-                                        </p:attrNameLst>
-                                      </p:cBhvr>
-                                      <p:to>
-                                        <p:strVal val="visible"/>
-                                      </p:to>
-                                    </p:set>
-                                    <p:animEffect transition="in" filter="fade">
-                                      <p:cBhvr>
-                                        <p:cTn id="17" dur="1000"/>
-                                        <p:tgtEl>
-                                          <p:spTgt spid="17"/>
-                                        </p:tgtEl>
-                                      </p:cBhvr>
-                                    </p:animEffect>
-                                    <p:anim calcmode="lin" valueType="num">
-                                      <p:cBhvr>
-                                        <p:cTn id="18" dur="1000" fill="hold"/>
-                                        <p:tgtEl>
-                                          <p:spTgt spid="17"/>
-                                        </p:tgtEl>
-                                        <p:attrNameLst>
-                                          <p:attrName>ppt_x</p:attrName>
-                                        </p:attrNameLst>
-                                      </p:cBhvr>
-                                      <p:tavLst>
-                                        <p:tav tm="0">
-                                          <p:val>
-                                            <p:strVal val="#ppt_x"/>
-                                          </p:val>
-                                        </p:tav>
-                                        <p:tav tm="100000">
-                                          <p:val>
-                                            <p:strVal val="#ppt_x"/>
-                                          </p:val>
-                                        </p:tav>
-                                      </p:tavLst>
-                                    </p:anim>
-                                    <p:anim calcmode="lin" valueType="num">
-                                      <p:cBhvr>
-                                        <p:cTn id="19" dur="1000" fill="hold"/>
-                                        <p:tgtEl>
-                                          <p:spTgt spid="17"/>
-                                        </p:tgtEl>
-                                        <p:attrNameLst>
-                                          <p:attrName>ppt_y</p:attrName>
-                                        </p:attrNameLst>
-                                      </p:cBhvr>
-                                      <p:tavLst>
-                                        <p:tav tm="0">
-                                          <p:val>
-                                            <p:strVal val="#ppt_y+.1"/>
-                                          </p:val>
-                                        </p:tav>
-                                        <p:tav tm="100000">
-                                          <p:val>
-                                            <p:strVal val="#ppt_y"/>
-                                          </p:val>
-                                        </p:tav>
-                                      </p:tavLst>
-                                    </p:anim>
-                                  </p:childTnLst>
-                                </p:cTn>
-                              </p:par>
-                            </p:childTnLst>
-                          </p:cTn>
-                        </p:par>
-                      </p:childTnLst>
-                    </p:cTn>
-                  </p:par>
-                </p:childTnLst>
-              </p:cTn>
-              <p:prevCondLst>
-                <p:cond evt="onPrev" delay="0">
-                  <p:tgtEl>
-                    <p:sldTgt/>
-                  </p:tgtEl>
-                </p:cond>
-              </p:prevCondLst>
-              <p:nextCondLst>
-                <p:cond evt="onNext" delay="0">
-                  <p:tgtEl>
-                    <p:sldTgt/>
-                  </p:tgtEl>
-                </p:cond>
-              </p:nextCondLst>
-            </p:seq>
-          </p:childTnLst>
-        </p:cTn>
-      </p:par>
-    </p:tnLst>
-    <p:bldLst>
-      <p:bldP spid="14" grpId="0" build="p"/>
-      <p:bldP spid="14" grpId="1" build="p"/>
-      <p:bldP spid="17" grpId="0"/>
-    </p:bldLst>
-  </p:timing>
 </p:sld>
 </file>
 
